--- a/Project 1 Presentation.pptx
+++ b/Project 1 Presentation.pptx
@@ -9,11 +9,19 @@
     <p:sldId id="260" r:id="rId3"/>
     <p:sldId id="262" r:id="rId4"/>
     <p:sldId id="261" r:id="rId5"/>
-    <p:sldId id="257" r:id="rId6"/>
-    <p:sldId id="258" r:id="rId7"/>
-    <p:sldId id="259" r:id="rId8"/>
-    <p:sldId id="263" r:id="rId9"/>
-    <p:sldId id="264" r:id="rId10"/>
+    <p:sldId id="266" r:id="rId6"/>
+    <p:sldId id="257" r:id="rId7"/>
+    <p:sldId id="258" r:id="rId8"/>
+    <p:sldId id="259" r:id="rId9"/>
+    <p:sldId id="267" r:id="rId10"/>
+    <p:sldId id="268" r:id="rId11"/>
+    <p:sldId id="269" r:id="rId12"/>
+    <p:sldId id="272" r:id="rId13"/>
+    <p:sldId id="271" r:id="rId14"/>
+    <p:sldId id="270" r:id="rId15"/>
+    <p:sldId id="263" r:id="rId16"/>
+    <p:sldId id="265" r:id="rId17"/>
+    <p:sldId id="264" r:id="rId18"/>
   </p:sldIdLst>
   <p:sldSz cx="12192000" cy="6858000"/>
   <p:notesSz cx="6858000" cy="9144000"/>
@@ -112,6 +120,11 @@
       </a:defRPr>
     </a:lvl9pPr>
   </p:defaultTextStyle>
+  <p:extLst>
+    <p:ext uri="{EFAFB233-063F-42B5-8137-9DF3F51BA10A}">
+      <p15:sldGuideLst xmlns:p15="http://schemas.microsoft.com/office/powerpoint/2012/main"/>
+    </p:ext>
+  </p:extLst>
 </p:presentation>
 </file>
 
@@ -262,7 +275,7 @@
           <a:p>
             <a:fld id="{7F3A2633-CE2D-4284-AED7-B04551D23CDA}" type="datetimeFigureOut">
               <a:rPr lang="en-US" smtClean="0"/>
-              <a:t>12/1/2019</a:t>
+              <a:t>12/2/2019</a:t>
             </a:fld>
             <a:endParaRPr lang="en-US"/>
           </a:p>
@@ -460,7 +473,7 @@
           <a:p>
             <a:fld id="{7F3A2633-CE2D-4284-AED7-B04551D23CDA}" type="datetimeFigureOut">
               <a:rPr lang="en-US" smtClean="0"/>
-              <a:t>12/1/2019</a:t>
+              <a:t>12/2/2019</a:t>
             </a:fld>
             <a:endParaRPr lang="en-US"/>
           </a:p>
@@ -668,7 +681,7 @@
           <a:p>
             <a:fld id="{7F3A2633-CE2D-4284-AED7-B04551D23CDA}" type="datetimeFigureOut">
               <a:rPr lang="en-US" smtClean="0"/>
-              <a:t>12/1/2019</a:t>
+              <a:t>12/2/2019</a:t>
             </a:fld>
             <a:endParaRPr lang="en-US"/>
           </a:p>
@@ -866,7 +879,7 @@
           <a:p>
             <a:fld id="{7F3A2633-CE2D-4284-AED7-B04551D23CDA}" type="datetimeFigureOut">
               <a:rPr lang="en-US" smtClean="0"/>
-              <a:t>12/1/2019</a:t>
+              <a:t>12/2/2019</a:t>
             </a:fld>
             <a:endParaRPr lang="en-US"/>
           </a:p>
@@ -1141,7 +1154,7 @@
           <a:p>
             <a:fld id="{7F3A2633-CE2D-4284-AED7-B04551D23CDA}" type="datetimeFigureOut">
               <a:rPr lang="en-US" smtClean="0"/>
-              <a:t>12/1/2019</a:t>
+              <a:t>12/2/2019</a:t>
             </a:fld>
             <a:endParaRPr lang="en-US"/>
           </a:p>
@@ -1406,7 +1419,7 @@
           <a:p>
             <a:fld id="{7F3A2633-CE2D-4284-AED7-B04551D23CDA}" type="datetimeFigureOut">
               <a:rPr lang="en-US" smtClean="0"/>
-              <a:t>12/1/2019</a:t>
+              <a:t>12/2/2019</a:t>
             </a:fld>
             <a:endParaRPr lang="en-US"/>
           </a:p>
@@ -1818,7 +1831,7 @@
           <a:p>
             <a:fld id="{7F3A2633-CE2D-4284-AED7-B04551D23CDA}" type="datetimeFigureOut">
               <a:rPr lang="en-US" smtClean="0"/>
-              <a:t>12/1/2019</a:t>
+              <a:t>12/2/2019</a:t>
             </a:fld>
             <a:endParaRPr lang="en-US"/>
           </a:p>
@@ -1959,7 +1972,7 @@
           <a:p>
             <a:fld id="{7F3A2633-CE2D-4284-AED7-B04551D23CDA}" type="datetimeFigureOut">
               <a:rPr lang="en-US" smtClean="0"/>
-              <a:t>12/1/2019</a:t>
+              <a:t>12/2/2019</a:t>
             </a:fld>
             <a:endParaRPr lang="en-US"/>
           </a:p>
@@ -2072,7 +2085,7 @@
           <a:p>
             <a:fld id="{7F3A2633-CE2D-4284-AED7-B04551D23CDA}" type="datetimeFigureOut">
               <a:rPr lang="en-US" smtClean="0"/>
-              <a:t>12/1/2019</a:t>
+              <a:t>12/2/2019</a:t>
             </a:fld>
             <a:endParaRPr lang="en-US"/>
           </a:p>
@@ -2383,7 +2396,7 @@
           <a:p>
             <a:fld id="{7F3A2633-CE2D-4284-AED7-B04551D23CDA}" type="datetimeFigureOut">
               <a:rPr lang="en-US" smtClean="0"/>
-              <a:t>12/1/2019</a:t>
+              <a:t>12/2/2019</a:t>
             </a:fld>
             <a:endParaRPr lang="en-US"/>
           </a:p>
@@ -2671,7 +2684,7 @@
           <a:p>
             <a:fld id="{7F3A2633-CE2D-4284-AED7-B04551D23CDA}" type="datetimeFigureOut">
               <a:rPr lang="en-US" smtClean="0"/>
-              <a:t>12/1/2019</a:t>
+              <a:t>12/2/2019</a:t>
             </a:fld>
             <a:endParaRPr lang="en-US"/>
           </a:p>
@@ -2912,7 +2925,7 @@
           <a:p>
             <a:fld id="{7F3A2633-CE2D-4284-AED7-B04551D23CDA}" type="datetimeFigureOut">
               <a:rPr lang="en-US" smtClean="0"/>
-              <a:t>12/1/2019</a:t>
+              <a:t>12/2/2019</a:t>
             </a:fld>
             <a:endParaRPr lang="en-US"/>
           </a:p>
@@ -3436,7 +3449,7 @@
           <a:p>
             <a:r>
               <a:rPr lang="en-US" dirty="0"/>
-              <a:t>Presenters: Amanda, Dante, Ped &amp; Richard</a:t>
+              <a:t>The Talent: Amanda, Dante, Ped &amp; Richard</a:t>
             </a:r>
           </a:p>
         </p:txBody>
@@ -3445,6 +3458,950 @@
     <p:extLst>
       <p:ext uri="{BB962C8B-B14F-4D97-AF65-F5344CB8AC3E}">
         <p14:creationId xmlns:p14="http://schemas.microsoft.com/office/powerpoint/2010/main" val="2909297798"/>
+      </p:ext>
+    </p:extLst>
+  </p:cSld>
+  <p:clrMapOvr>
+    <a:masterClrMapping/>
+  </p:clrMapOvr>
+</p:sld>
+</file>
+
+<file path=ppt/slides/slide10.xml><?xml version="1.0" encoding="utf-8"?>
+<p:sld xmlns:a="http://schemas.openxmlformats.org/drawingml/2006/main" xmlns:r="http://schemas.openxmlformats.org/officeDocument/2006/relationships" xmlns:p="http://schemas.openxmlformats.org/presentationml/2006/main">
+  <p:cSld>
+    <p:bg>
+      <p:bgPr>
+        <a:blipFill dpi="0" rotWithShape="1">
+          <a:blip r:embed="rId2">
+            <a:lum/>
+          </a:blip>
+          <a:srcRect/>
+          <a:stretch>
+            <a:fillRect t="-18000" b="-18000"/>
+          </a:stretch>
+        </a:blipFill>
+        <a:effectLst/>
+      </p:bgPr>
+    </p:bg>
+    <p:spTree>
+      <p:nvGrpSpPr>
+        <p:cNvPr id="1" name=""/>
+        <p:cNvGrpSpPr/>
+        <p:nvPr/>
+      </p:nvGrpSpPr>
+      <p:grpSpPr>
+        <a:xfrm>
+          <a:off x="0" y="0"/>
+          <a:ext cx="0" cy="0"/>
+          <a:chOff x="0" y="0"/>
+          <a:chExt cx="0" cy="0"/>
+        </a:xfrm>
+      </p:grpSpPr>
+      <p:sp>
+        <p:nvSpPr>
+          <p:cNvPr id="2" name="Title 1">
+            <a:extLst>
+              <a:ext uri="{FF2B5EF4-FFF2-40B4-BE49-F238E27FC236}">
+                <a16:creationId xmlns:a16="http://schemas.microsoft.com/office/drawing/2014/main" id="{70C0E02B-FFF2-43A6-87EA-1B42AF909304}"/>
+              </a:ext>
+            </a:extLst>
+          </p:cNvPr>
+          <p:cNvSpPr>
+            <a:spLocks noGrp="1"/>
+          </p:cNvSpPr>
+          <p:nvPr>
+            <p:ph type="title"/>
+          </p:nvPr>
+        </p:nvSpPr>
+        <p:spPr/>
+        <p:txBody>
+          <a:bodyPr>
+            <a:normAutofit fontScale="90000"/>
+          </a:bodyPr>
+          <a:lstStyle/>
+          <a:p>
+            <a:pPr algn="ctr"/>
+            <a:br>
+              <a:rPr lang="en-US" dirty="0"/>
+            </a:br>
+            <a:br>
+              <a:rPr lang="en-US" dirty="0"/>
+            </a:br>
+            <a:br>
+              <a:rPr lang="en-US" dirty="0"/>
+            </a:br>
+            <a:br>
+              <a:rPr lang="en-US" dirty="0"/>
+            </a:br>
+            <a:br>
+              <a:rPr lang="en-US" dirty="0"/>
+            </a:br>
+            <a:br>
+              <a:rPr lang="en-US" dirty="0"/>
+            </a:br>
+            <a:br>
+              <a:rPr lang="en-US" dirty="0"/>
+            </a:br>
+            <a:br>
+              <a:rPr lang="en-US" dirty="0"/>
+            </a:br>
+            <a:br>
+              <a:rPr lang="en-US" dirty="0"/>
+            </a:br>
+            <a:r>
+              <a:rPr lang="en-US" dirty="0">
+                <a:latin typeface="Arial Black" panose="020B0A04020102020204" pitchFamily="34" charset="0"/>
+              </a:rPr>
+              <a:t>ACT 3:</a:t>
+            </a:r>
+            <a:br>
+              <a:rPr lang="en-US" dirty="0">
+                <a:latin typeface="Arial Black" panose="020B0A04020102020204" pitchFamily="34" charset="0"/>
+              </a:rPr>
+            </a:br>
+            <a:br>
+              <a:rPr lang="en-US" dirty="0">
+                <a:latin typeface="Arial Black" panose="020B0A04020102020204" pitchFamily="34" charset="0"/>
+              </a:rPr>
+            </a:br>
+            <a:r>
+              <a:rPr lang="en-US" sz="6100" b="1" dirty="0">
+                <a:latin typeface="Arial Black" panose="020B0A04020102020204" pitchFamily="34" charset="0"/>
+              </a:rPr>
+              <a:t>Critic vs Audience </a:t>
+            </a:r>
+            <a:br>
+              <a:rPr lang="en-US" sz="6100" b="1" dirty="0">
+                <a:latin typeface="Arial Black" panose="020B0A04020102020204" pitchFamily="34" charset="0"/>
+              </a:rPr>
+            </a:br>
+            <a:r>
+              <a:rPr lang="en-US" sz="6100" b="1" dirty="0">
+                <a:latin typeface="Arial Black" panose="020B0A04020102020204" pitchFamily="34" charset="0"/>
+              </a:rPr>
+              <a:t>Rating</a:t>
+            </a:r>
+            <a:br>
+              <a:rPr lang="en-US" sz="6100" b="1" dirty="0">
+                <a:latin typeface="Arial Black" panose="020B0A04020102020204" pitchFamily="34" charset="0"/>
+              </a:rPr>
+            </a:br>
+            <a:r>
+              <a:rPr lang="en-US" sz="6100" b="1" dirty="0">
+                <a:latin typeface="Arial Black" panose="020B0A04020102020204" pitchFamily="34" charset="0"/>
+              </a:rPr>
+              <a:t>Analysis</a:t>
+            </a:r>
+            <a:endParaRPr lang="en-US" sz="6100" b="1" dirty="0">
+              <a:solidFill>
+                <a:schemeClr val="bg1"/>
+              </a:solidFill>
+              <a:latin typeface="Arial Black" panose="020B0A04020102020204" pitchFamily="34" charset="0"/>
+            </a:endParaRPr>
+          </a:p>
+        </p:txBody>
+      </p:sp>
+    </p:spTree>
+    <p:extLst>
+      <p:ext uri="{BB962C8B-B14F-4D97-AF65-F5344CB8AC3E}">
+        <p14:creationId xmlns:p14="http://schemas.microsoft.com/office/powerpoint/2010/main" val="2572608704"/>
+      </p:ext>
+    </p:extLst>
+  </p:cSld>
+  <p:clrMapOvr>
+    <a:masterClrMapping/>
+  </p:clrMapOvr>
+</p:sld>
+</file>
+
+<file path=ppt/slides/slide11.xml><?xml version="1.0" encoding="utf-8"?>
+<p:sld xmlns:a="http://schemas.openxmlformats.org/drawingml/2006/main" xmlns:r="http://schemas.openxmlformats.org/officeDocument/2006/relationships" xmlns:p="http://schemas.openxmlformats.org/presentationml/2006/main">
+  <p:cSld>
+    <p:bg>
+      <p:bgPr>
+        <a:blipFill dpi="0" rotWithShape="1">
+          <a:blip r:embed="rId2">
+            <a:lum/>
+          </a:blip>
+          <a:srcRect/>
+          <a:stretch>
+            <a:fillRect t="-18000" b="-18000"/>
+          </a:stretch>
+        </a:blipFill>
+        <a:effectLst/>
+      </p:bgPr>
+    </p:bg>
+    <p:spTree>
+      <p:nvGrpSpPr>
+        <p:cNvPr id="1" name=""/>
+        <p:cNvGrpSpPr/>
+        <p:nvPr/>
+      </p:nvGrpSpPr>
+      <p:grpSpPr>
+        <a:xfrm>
+          <a:off x="0" y="0"/>
+          <a:ext cx="0" cy="0"/>
+          <a:chOff x="0" y="0"/>
+          <a:chExt cx="0" cy="0"/>
+        </a:xfrm>
+      </p:grpSpPr>
+      <p:sp>
+        <p:nvSpPr>
+          <p:cNvPr id="2" name="Title 1">
+            <a:extLst>
+              <a:ext uri="{FF2B5EF4-FFF2-40B4-BE49-F238E27FC236}">
+                <a16:creationId xmlns:a16="http://schemas.microsoft.com/office/drawing/2014/main" id="{70C0E02B-FFF2-43A6-87EA-1B42AF909304}"/>
+              </a:ext>
+            </a:extLst>
+          </p:cNvPr>
+          <p:cNvSpPr>
+            <a:spLocks noGrp="1"/>
+          </p:cNvSpPr>
+          <p:nvPr>
+            <p:ph type="title"/>
+          </p:nvPr>
+        </p:nvSpPr>
+        <p:spPr/>
+        <p:txBody>
+          <a:bodyPr>
+            <a:normAutofit fontScale="90000"/>
+          </a:bodyPr>
+          <a:lstStyle/>
+          <a:p>
+            <a:pPr algn="ctr"/>
+            <a:br>
+              <a:rPr lang="en-US" dirty="0"/>
+            </a:br>
+            <a:br>
+              <a:rPr lang="en-US" dirty="0"/>
+            </a:br>
+            <a:br>
+              <a:rPr lang="en-US" dirty="0"/>
+            </a:br>
+            <a:br>
+              <a:rPr lang="en-US" dirty="0"/>
+            </a:br>
+            <a:br>
+              <a:rPr lang="en-US" dirty="0"/>
+            </a:br>
+            <a:br>
+              <a:rPr lang="en-US" dirty="0"/>
+            </a:br>
+            <a:br>
+              <a:rPr lang="en-US" dirty="0"/>
+            </a:br>
+            <a:br>
+              <a:rPr lang="en-US" dirty="0"/>
+            </a:br>
+            <a:br>
+              <a:rPr lang="en-US" dirty="0"/>
+            </a:br>
+            <a:r>
+              <a:rPr lang="en-US" dirty="0">
+                <a:latin typeface="Arial Black" panose="020B0A04020102020204" pitchFamily="34" charset="0"/>
+              </a:rPr>
+              <a:t>ACT 4:</a:t>
+            </a:r>
+            <a:br>
+              <a:rPr lang="en-US" sz="8000" dirty="0">
+                <a:latin typeface="Arial Black" panose="020B0A04020102020204" pitchFamily="34" charset="0"/>
+              </a:rPr>
+            </a:br>
+            <a:br>
+              <a:rPr lang="en-US" sz="6100" dirty="0"/>
+            </a:br>
+            <a:r>
+              <a:rPr lang="en-US" sz="6100" b="1" dirty="0">
+                <a:latin typeface="Arial Black" panose="020B0A04020102020204" pitchFamily="34" charset="0"/>
+              </a:rPr>
+              <a:t>Runtime</a:t>
+            </a:r>
+            <a:br>
+              <a:rPr lang="en-US" sz="6100" b="1" dirty="0">
+                <a:latin typeface="Arial Black" panose="020B0A04020102020204" pitchFamily="34" charset="0"/>
+              </a:rPr>
+            </a:br>
+            <a:r>
+              <a:rPr lang="en-US" sz="6100" b="1" dirty="0">
+                <a:latin typeface="Arial Black" panose="020B0A04020102020204" pitchFamily="34" charset="0"/>
+              </a:rPr>
+              <a:t>Analysis</a:t>
+            </a:r>
+            <a:endParaRPr lang="en-US" sz="6100" b="1" dirty="0">
+              <a:solidFill>
+                <a:schemeClr val="bg1"/>
+              </a:solidFill>
+              <a:latin typeface="Arial Black" panose="020B0A04020102020204" pitchFamily="34" charset="0"/>
+            </a:endParaRPr>
+          </a:p>
+        </p:txBody>
+      </p:sp>
+    </p:spTree>
+    <p:extLst>
+      <p:ext uri="{BB962C8B-B14F-4D97-AF65-F5344CB8AC3E}">
+        <p14:creationId xmlns:p14="http://schemas.microsoft.com/office/powerpoint/2010/main" val="191506673"/>
+      </p:ext>
+    </p:extLst>
+  </p:cSld>
+  <p:clrMapOvr>
+    <a:masterClrMapping/>
+  </p:clrMapOvr>
+</p:sld>
+</file>
+
+<file path=ppt/slides/slide12.xml><?xml version="1.0" encoding="utf-8"?>
+<p:sld xmlns:a="http://schemas.openxmlformats.org/drawingml/2006/main" xmlns:r="http://schemas.openxmlformats.org/officeDocument/2006/relationships" xmlns:p="http://schemas.openxmlformats.org/presentationml/2006/main">
+  <p:cSld>
+    <p:spTree>
+      <p:nvGrpSpPr>
+        <p:cNvPr id="1" name=""/>
+        <p:cNvGrpSpPr/>
+        <p:nvPr/>
+      </p:nvGrpSpPr>
+      <p:grpSpPr>
+        <a:xfrm>
+          <a:off x="0" y="0"/>
+          <a:ext cx="0" cy="0"/>
+          <a:chOff x="0" y="0"/>
+          <a:chExt cx="0" cy="0"/>
+        </a:xfrm>
+      </p:grpSpPr>
+      <p:sp>
+        <p:nvSpPr>
+          <p:cNvPr id="2" name="Title 1">
+            <a:extLst>
+              <a:ext uri="{FF2B5EF4-FFF2-40B4-BE49-F238E27FC236}">
+                <a16:creationId xmlns:a16="http://schemas.microsoft.com/office/drawing/2014/main" id="{8C564F25-5CD6-4C28-9934-78FFF7F9C221}"/>
+              </a:ext>
+            </a:extLst>
+          </p:cNvPr>
+          <p:cNvSpPr>
+            <a:spLocks noGrp="1"/>
+          </p:cNvSpPr>
+          <p:nvPr>
+            <p:ph type="title"/>
+          </p:nvPr>
+        </p:nvSpPr>
+        <p:spPr/>
+        <p:txBody>
+          <a:bodyPr/>
+          <a:lstStyle/>
+          <a:p>
+            <a:r>
+              <a:rPr lang="en-US" dirty="0"/>
+              <a:t>ROI  vs Runtime</a:t>
+            </a:r>
+          </a:p>
+        </p:txBody>
+      </p:sp>
+      <p:pic>
+        <p:nvPicPr>
+          <p:cNvPr id="5" name="Content Placeholder 4" descr="A screenshot of a cell phone&#10;&#10;Description automatically generated">
+            <a:extLst>
+              <a:ext uri="{FF2B5EF4-FFF2-40B4-BE49-F238E27FC236}">
+                <a16:creationId xmlns:a16="http://schemas.microsoft.com/office/drawing/2014/main" id="{CF85D5CA-F276-435F-BDBA-4325BC33264E}"/>
+              </a:ext>
+            </a:extLst>
+          </p:cNvPr>
+          <p:cNvPicPr>
+            <a:picLocks noGrp="1" noChangeAspect="1"/>
+          </p:cNvPicPr>
+          <p:nvPr>
+            <p:ph idx="1"/>
+          </p:nvPr>
+        </p:nvPicPr>
+        <p:blipFill>
+          <a:blip r:embed="rId2">
+            <a:extLst>
+              <a:ext uri="{28A0092B-C50C-407E-A947-70E740481C1C}">
+                <a14:useLocalDpi xmlns:a14="http://schemas.microsoft.com/office/drawing/2010/main" val="0"/>
+              </a:ext>
+            </a:extLst>
+          </a:blip>
+          <a:stretch>
+            <a:fillRect/>
+          </a:stretch>
+        </p:blipFill>
+        <p:spPr>
+          <a:xfrm>
+            <a:off x="4659366" y="-191794"/>
+            <a:ext cx="7433469" cy="7433469"/>
+          </a:xfrm>
+        </p:spPr>
+      </p:pic>
+    </p:spTree>
+    <p:extLst>
+      <p:ext uri="{BB962C8B-B14F-4D97-AF65-F5344CB8AC3E}">
+        <p14:creationId xmlns:p14="http://schemas.microsoft.com/office/powerpoint/2010/main" val="1709583000"/>
+      </p:ext>
+    </p:extLst>
+  </p:cSld>
+  <p:clrMapOvr>
+    <a:masterClrMapping/>
+  </p:clrMapOvr>
+</p:sld>
+</file>
+
+<file path=ppt/slides/slide13.xml><?xml version="1.0" encoding="utf-8"?>
+<p:sld xmlns:a="http://schemas.openxmlformats.org/drawingml/2006/main" xmlns:r="http://schemas.openxmlformats.org/officeDocument/2006/relationships" xmlns:p="http://schemas.openxmlformats.org/presentationml/2006/main">
+  <p:cSld>
+    <p:spTree>
+      <p:nvGrpSpPr>
+        <p:cNvPr id="1" name=""/>
+        <p:cNvGrpSpPr/>
+        <p:nvPr/>
+      </p:nvGrpSpPr>
+      <p:grpSpPr>
+        <a:xfrm>
+          <a:off x="0" y="0"/>
+          <a:ext cx="0" cy="0"/>
+          <a:chOff x="0" y="0"/>
+          <a:chExt cx="0" cy="0"/>
+        </a:xfrm>
+      </p:grpSpPr>
+      <p:sp>
+        <p:nvSpPr>
+          <p:cNvPr id="2" name="Title 1">
+            <a:extLst>
+              <a:ext uri="{FF2B5EF4-FFF2-40B4-BE49-F238E27FC236}">
+                <a16:creationId xmlns:a16="http://schemas.microsoft.com/office/drawing/2014/main" id="{C6F44AEF-9892-4647-B960-A9C029F74B59}"/>
+              </a:ext>
+            </a:extLst>
+          </p:cNvPr>
+          <p:cNvSpPr>
+            <a:spLocks noGrp="1"/>
+          </p:cNvSpPr>
+          <p:nvPr>
+            <p:ph type="title"/>
+          </p:nvPr>
+        </p:nvSpPr>
+        <p:spPr/>
+        <p:txBody>
+          <a:bodyPr/>
+          <a:lstStyle/>
+          <a:p>
+            <a:r>
+              <a:rPr lang="en-US" dirty="0"/>
+              <a:t>Budget vs Runtime</a:t>
+            </a:r>
+          </a:p>
+        </p:txBody>
+      </p:sp>
+      <p:pic>
+        <p:nvPicPr>
+          <p:cNvPr id="4" name="Picture 3" descr="A picture containing text, drawing&#10;&#10;Description automatically generated">
+            <a:extLst>
+              <a:ext uri="{FF2B5EF4-FFF2-40B4-BE49-F238E27FC236}">
+                <a16:creationId xmlns:a16="http://schemas.microsoft.com/office/drawing/2014/main" id="{18614CAF-2220-4F7D-B5E4-8390394097F2}"/>
+              </a:ext>
+            </a:extLst>
+          </p:cNvPr>
+          <p:cNvPicPr>
+            <a:picLocks noChangeAspect="1"/>
+          </p:cNvPicPr>
+          <p:nvPr/>
+        </p:nvPicPr>
+        <p:blipFill>
+          <a:blip r:embed="rId2">
+            <a:extLst>
+              <a:ext uri="{28A0092B-C50C-407E-A947-70E740481C1C}">
+                <a14:useLocalDpi xmlns:a14="http://schemas.microsoft.com/office/drawing/2010/main" val="0"/>
+              </a:ext>
+            </a:extLst>
+          </a:blip>
+          <a:stretch>
+            <a:fillRect/>
+          </a:stretch>
+        </p:blipFill>
+        <p:spPr>
+          <a:xfrm>
+            <a:off x="5129016" y="-102080"/>
+            <a:ext cx="7467383" cy="7467383"/>
+          </a:xfrm>
+          <a:prstGeom prst="rect">
+            <a:avLst/>
+          </a:prstGeom>
+        </p:spPr>
+      </p:pic>
+    </p:spTree>
+    <p:extLst>
+      <p:ext uri="{BB962C8B-B14F-4D97-AF65-F5344CB8AC3E}">
+        <p14:creationId xmlns:p14="http://schemas.microsoft.com/office/powerpoint/2010/main" val="3304017016"/>
+      </p:ext>
+    </p:extLst>
+  </p:cSld>
+  <p:clrMapOvr>
+    <a:masterClrMapping/>
+  </p:clrMapOvr>
+</p:sld>
+</file>
+
+<file path=ppt/slides/slide14.xml><?xml version="1.0" encoding="utf-8"?>
+<p:sld xmlns:a="http://schemas.openxmlformats.org/drawingml/2006/main" xmlns:r="http://schemas.openxmlformats.org/officeDocument/2006/relationships" xmlns:p="http://schemas.openxmlformats.org/presentationml/2006/main">
+  <p:cSld>
+    <p:bg>
+      <p:bgPr>
+        <a:blipFill dpi="0" rotWithShape="1">
+          <a:blip r:embed="rId2">
+            <a:lum/>
+          </a:blip>
+          <a:srcRect/>
+          <a:stretch>
+            <a:fillRect t="-18000" b="-18000"/>
+          </a:stretch>
+        </a:blipFill>
+        <a:effectLst/>
+      </p:bgPr>
+    </p:bg>
+    <p:spTree>
+      <p:nvGrpSpPr>
+        <p:cNvPr id="1" name=""/>
+        <p:cNvGrpSpPr/>
+        <p:nvPr/>
+      </p:nvGrpSpPr>
+      <p:grpSpPr>
+        <a:xfrm>
+          <a:off x="0" y="0"/>
+          <a:ext cx="0" cy="0"/>
+          <a:chOff x="0" y="0"/>
+          <a:chExt cx="0" cy="0"/>
+        </a:xfrm>
+      </p:grpSpPr>
+      <p:sp>
+        <p:nvSpPr>
+          <p:cNvPr id="2" name="Title 1">
+            <a:extLst>
+              <a:ext uri="{FF2B5EF4-FFF2-40B4-BE49-F238E27FC236}">
+                <a16:creationId xmlns:a16="http://schemas.microsoft.com/office/drawing/2014/main" id="{70C0E02B-FFF2-43A6-87EA-1B42AF909304}"/>
+              </a:ext>
+            </a:extLst>
+          </p:cNvPr>
+          <p:cNvSpPr>
+            <a:spLocks noGrp="1"/>
+          </p:cNvSpPr>
+          <p:nvPr>
+            <p:ph type="title"/>
+          </p:nvPr>
+        </p:nvSpPr>
+        <p:spPr/>
+        <p:txBody>
+          <a:bodyPr>
+            <a:normAutofit fontScale="90000"/>
+          </a:bodyPr>
+          <a:lstStyle/>
+          <a:p>
+            <a:pPr algn="ctr"/>
+            <a:br>
+              <a:rPr lang="en-US" dirty="0"/>
+            </a:br>
+            <a:br>
+              <a:rPr lang="en-US" dirty="0"/>
+            </a:br>
+            <a:br>
+              <a:rPr lang="en-US" dirty="0"/>
+            </a:br>
+            <a:br>
+              <a:rPr lang="en-US" dirty="0"/>
+            </a:br>
+            <a:br>
+              <a:rPr lang="en-US" dirty="0"/>
+            </a:br>
+            <a:br>
+              <a:rPr lang="en-US" dirty="0"/>
+            </a:br>
+            <a:br>
+              <a:rPr lang="en-US" dirty="0"/>
+            </a:br>
+            <a:br>
+              <a:rPr lang="en-US" dirty="0"/>
+            </a:br>
+            <a:br>
+              <a:rPr lang="en-US" dirty="0"/>
+            </a:br>
+            <a:r>
+              <a:rPr lang="en-US" sz="6100" b="1" dirty="0">
+                <a:latin typeface="Arial Black" panose="020B0A04020102020204" pitchFamily="34" charset="0"/>
+              </a:rPr>
+              <a:t>Overall</a:t>
+            </a:r>
+            <a:br>
+              <a:rPr lang="en-US" sz="6100" b="1" dirty="0">
+                <a:latin typeface="Arial Black" panose="020B0A04020102020204" pitchFamily="34" charset="0"/>
+              </a:rPr>
+            </a:br>
+            <a:r>
+              <a:rPr lang="en-US" sz="6100" b="1" dirty="0">
+                <a:latin typeface="Arial Black" panose="020B0A04020102020204" pitchFamily="34" charset="0"/>
+              </a:rPr>
+              <a:t>Analysis</a:t>
+            </a:r>
+          </a:p>
+        </p:txBody>
+      </p:sp>
+    </p:spTree>
+    <p:extLst>
+      <p:ext uri="{BB962C8B-B14F-4D97-AF65-F5344CB8AC3E}">
+        <p14:creationId xmlns:p14="http://schemas.microsoft.com/office/powerpoint/2010/main" val="625470805"/>
+      </p:ext>
+    </p:extLst>
+  </p:cSld>
+  <p:clrMapOvr>
+    <a:masterClrMapping/>
+  </p:clrMapOvr>
+</p:sld>
+</file>
+
+<file path=ppt/slides/slide15.xml><?xml version="1.0" encoding="utf-8"?>
+<p:sld xmlns:a="http://schemas.openxmlformats.org/drawingml/2006/main" xmlns:r="http://schemas.openxmlformats.org/officeDocument/2006/relationships" xmlns:p="http://schemas.openxmlformats.org/presentationml/2006/main">
+  <p:cSld>
+    <p:bg>
+      <p:bgPr>
+        <a:blipFill dpi="0" rotWithShape="1">
+          <a:blip r:embed="rId2">
+            <a:lum/>
+          </a:blip>
+          <a:srcRect/>
+          <a:stretch>
+            <a:fillRect t="-7000" b="-7000"/>
+          </a:stretch>
+        </a:blipFill>
+        <a:effectLst/>
+      </p:bgPr>
+    </p:bg>
+    <p:spTree>
+      <p:nvGrpSpPr>
+        <p:cNvPr id="1" name=""/>
+        <p:cNvGrpSpPr/>
+        <p:nvPr/>
+      </p:nvGrpSpPr>
+      <p:grpSpPr>
+        <a:xfrm>
+          <a:off x="0" y="0"/>
+          <a:ext cx="0" cy="0"/>
+          <a:chOff x="0" y="0"/>
+          <a:chExt cx="0" cy="0"/>
+        </a:xfrm>
+      </p:grpSpPr>
+      <p:sp>
+        <p:nvSpPr>
+          <p:cNvPr id="2" name="Title 1">
+            <a:extLst>
+              <a:ext uri="{FF2B5EF4-FFF2-40B4-BE49-F238E27FC236}">
+                <a16:creationId xmlns:a16="http://schemas.microsoft.com/office/drawing/2014/main" id="{560864A3-98A1-4552-8A4F-02D846262E9C}"/>
+              </a:ext>
+            </a:extLst>
+          </p:cNvPr>
+          <p:cNvSpPr>
+            <a:spLocks noGrp="1"/>
+          </p:cNvSpPr>
+          <p:nvPr>
+            <p:ph type="title"/>
+          </p:nvPr>
+        </p:nvSpPr>
+        <p:spPr/>
+        <p:txBody>
+          <a:bodyPr/>
+          <a:lstStyle/>
+          <a:p>
+            <a:pPr algn="ctr"/>
+            <a:br>
+              <a:rPr lang="en-US" b="1" dirty="0"/>
+            </a:br>
+            <a:r>
+              <a:rPr lang="en-US" b="1" dirty="0"/>
+              <a:t>Complete Conclusion</a:t>
+            </a:r>
+          </a:p>
+        </p:txBody>
+      </p:sp>
+      <p:sp>
+        <p:nvSpPr>
+          <p:cNvPr id="3" name="Content Placeholder 2">
+            <a:extLst>
+              <a:ext uri="{FF2B5EF4-FFF2-40B4-BE49-F238E27FC236}">
+                <a16:creationId xmlns:a16="http://schemas.microsoft.com/office/drawing/2014/main" id="{854828F9-E88B-487D-972A-58EA7768DD62}"/>
+              </a:ext>
+            </a:extLst>
+          </p:cNvPr>
+          <p:cNvSpPr>
+            <a:spLocks noGrp="1"/>
+          </p:cNvSpPr>
+          <p:nvPr>
+            <p:ph idx="1"/>
+          </p:nvPr>
+        </p:nvSpPr>
+        <p:spPr/>
+        <p:txBody>
+          <a:bodyPr/>
+          <a:lstStyle/>
+          <a:p>
+            <a:r>
+              <a:rPr lang="en-US" dirty="0"/>
+              <a:t>Point 1</a:t>
+            </a:r>
+          </a:p>
+          <a:p>
+            <a:r>
+              <a:rPr lang="en-US" dirty="0"/>
+              <a:t>Point 2</a:t>
+            </a:r>
+          </a:p>
+          <a:p>
+            <a:r>
+              <a:rPr lang="en-US" dirty="0"/>
+              <a:t>Point 3</a:t>
+            </a:r>
+          </a:p>
+        </p:txBody>
+      </p:sp>
+    </p:spTree>
+    <p:extLst>
+      <p:ext uri="{BB962C8B-B14F-4D97-AF65-F5344CB8AC3E}">
+        <p14:creationId xmlns:p14="http://schemas.microsoft.com/office/powerpoint/2010/main" val="217226028"/>
+      </p:ext>
+    </p:extLst>
+  </p:cSld>
+  <p:clrMapOvr>
+    <a:masterClrMapping/>
+  </p:clrMapOvr>
+</p:sld>
+</file>
+
+<file path=ppt/slides/slide16.xml><?xml version="1.0" encoding="utf-8"?>
+<p:sld xmlns:a="http://schemas.openxmlformats.org/drawingml/2006/main" xmlns:r="http://schemas.openxmlformats.org/officeDocument/2006/relationships" xmlns:p="http://schemas.openxmlformats.org/presentationml/2006/main">
+  <p:cSld>
+    <p:bg>
+      <p:bgPr>
+        <a:blipFill dpi="0" rotWithShape="1">
+          <a:blip r:embed="rId2">
+            <a:lum/>
+          </a:blip>
+          <a:srcRect/>
+          <a:stretch>
+            <a:fillRect t="-7000" b="-7000"/>
+          </a:stretch>
+        </a:blipFill>
+        <a:effectLst/>
+      </p:bgPr>
+    </p:bg>
+    <p:spTree>
+      <p:nvGrpSpPr>
+        <p:cNvPr id="1" name=""/>
+        <p:cNvGrpSpPr/>
+        <p:nvPr/>
+      </p:nvGrpSpPr>
+      <p:grpSpPr>
+        <a:xfrm>
+          <a:off x="0" y="0"/>
+          <a:ext cx="0" cy="0"/>
+          <a:chOff x="0" y="0"/>
+          <a:chExt cx="0" cy="0"/>
+        </a:xfrm>
+      </p:grpSpPr>
+      <p:sp>
+        <p:nvSpPr>
+          <p:cNvPr id="2" name="Title 1">
+            <a:extLst>
+              <a:ext uri="{FF2B5EF4-FFF2-40B4-BE49-F238E27FC236}">
+                <a16:creationId xmlns:a16="http://schemas.microsoft.com/office/drawing/2014/main" id="{560864A3-98A1-4552-8A4F-02D846262E9C}"/>
+              </a:ext>
+            </a:extLst>
+          </p:cNvPr>
+          <p:cNvSpPr>
+            <a:spLocks noGrp="1"/>
+          </p:cNvSpPr>
+          <p:nvPr>
+            <p:ph type="title"/>
+          </p:nvPr>
+        </p:nvSpPr>
+        <p:spPr/>
+        <p:txBody>
+          <a:bodyPr/>
+          <a:lstStyle/>
+          <a:p>
+            <a:pPr algn="ctr"/>
+            <a:br>
+              <a:rPr lang="en-US" b="1" dirty="0"/>
+            </a:br>
+            <a:r>
+              <a:rPr lang="en-US" b="1" dirty="0"/>
+              <a:t>Post Mortem</a:t>
+            </a:r>
+          </a:p>
+        </p:txBody>
+      </p:sp>
+      <p:sp>
+        <p:nvSpPr>
+          <p:cNvPr id="3" name="Content Placeholder 2">
+            <a:extLst>
+              <a:ext uri="{FF2B5EF4-FFF2-40B4-BE49-F238E27FC236}">
+                <a16:creationId xmlns:a16="http://schemas.microsoft.com/office/drawing/2014/main" id="{854828F9-E88B-487D-972A-58EA7768DD62}"/>
+              </a:ext>
+            </a:extLst>
+          </p:cNvPr>
+          <p:cNvSpPr>
+            <a:spLocks noGrp="1"/>
+          </p:cNvSpPr>
+          <p:nvPr>
+            <p:ph idx="1"/>
+          </p:nvPr>
+        </p:nvSpPr>
+        <p:spPr/>
+        <p:txBody>
+          <a:bodyPr/>
+          <a:lstStyle/>
+          <a:p>
+            <a:r>
+              <a:rPr lang="en-US" dirty="0"/>
+              <a:t>Wanted to include movie awards, but removed due to timing</a:t>
+            </a:r>
+          </a:p>
+          <a:p>
+            <a:r>
+              <a:rPr lang="en-US" dirty="0"/>
+              <a:t>Data source issues, then the API’s didn’t have everything, had timing/count issues</a:t>
+            </a:r>
+          </a:p>
+          <a:p>
+            <a:r>
+              <a:rPr lang="en-US" dirty="0"/>
+              <a:t>Would like to have reviewed in more depth why the movie rating versus the ROI fluctuated year over year?</a:t>
+            </a:r>
+          </a:p>
+          <a:p>
+            <a:pPr lvl="1"/>
+            <a:r>
+              <a:rPr lang="en-US" dirty="0"/>
+              <a:t>Were there other factors influencing the ROI?</a:t>
+            </a:r>
+          </a:p>
+        </p:txBody>
+      </p:sp>
+    </p:spTree>
+    <p:extLst>
+      <p:ext uri="{BB962C8B-B14F-4D97-AF65-F5344CB8AC3E}">
+        <p14:creationId xmlns:p14="http://schemas.microsoft.com/office/powerpoint/2010/main" val="2458269908"/>
+      </p:ext>
+    </p:extLst>
+  </p:cSld>
+  <p:clrMapOvr>
+    <a:masterClrMapping/>
+  </p:clrMapOvr>
+</p:sld>
+</file>
+
+<file path=ppt/slides/slide17.xml><?xml version="1.0" encoding="utf-8"?>
+<p:sld xmlns:a="http://schemas.openxmlformats.org/drawingml/2006/main" xmlns:r="http://schemas.openxmlformats.org/officeDocument/2006/relationships" xmlns:p="http://schemas.openxmlformats.org/presentationml/2006/main">
+  <p:cSld>
+    <p:bg>
+      <p:bgPr>
+        <a:blipFill dpi="0" rotWithShape="1">
+          <a:blip r:embed="rId2">
+            <a:lum/>
+          </a:blip>
+          <a:srcRect/>
+          <a:stretch>
+            <a:fillRect t="-17000" b="-17000"/>
+          </a:stretch>
+        </a:blipFill>
+        <a:effectLst/>
+      </p:bgPr>
+    </p:bg>
+    <p:spTree>
+      <p:nvGrpSpPr>
+        <p:cNvPr id="1" name=""/>
+        <p:cNvGrpSpPr/>
+        <p:nvPr/>
+      </p:nvGrpSpPr>
+      <p:grpSpPr>
+        <a:xfrm>
+          <a:off x="0" y="0"/>
+          <a:ext cx="0" cy="0"/>
+          <a:chOff x="0" y="0"/>
+          <a:chExt cx="0" cy="0"/>
+        </a:xfrm>
+      </p:grpSpPr>
+      <p:sp>
+        <p:nvSpPr>
+          <p:cNvPr id="2" name="Title 1">
+            <a:extLst>
+              <a:ext uri="{FF2B5EF4-FFF2-40B4-BE49-F238E27FC236}">
+                <a16:creationId xmlns:a16="http://schemas.microsoft.com/office/drawing/2014/main" id="{B25748F9-2367-47F9-961C-B8F5427D5420}"/>
+              </a:ext>
+            </a:extLst>
+          </p:cNvPr>
+          <p:cNvSpPr>
+            <a:spLocks noGrp="1"/>
+          </p:cNvSpPr>
+          <p:nvPr>
+            <p:ph type="title"/>
+          </p:nvPr>
+        </p:nvSpPr>
+        <p:spPr/>
+        <p:txBody>
+          <a:bodyPr/>
+          <a:lstStyle/>
+          <a:p>
+            <a:r>
+              <a:rPr lang="en-US" dirty="0"/>
+              <a:t> </a:t>
+            </a:r>
+          </a:p>
+        </p:txBody>
+      </p:sp>
+      <p:sp>
+        <p:nvSpPr>
+          <p:cNvPr id="3" name="Content Placeholder 2">
+            <a:extLst>
+              <a:ext uri="{FF2B5EF4-FFF2-40B4-BE49-F238E27FC236}">
+                <a16:creationId xmlns:a16="http://schemas.microsoft.com/office/drawing/2014/main" id="{A25AC3A2-B41F-4905-99C5-D0F77D215056}"/>
+              </a:ext>
+            </a:extLst>
+          </p:cNvPr>
+          <p:cNvSpPr>
+            <a:spLocks noGrp="1"/>
+          </p:cNvSpPr>
+          <p:nvPr>
+            <p:ph idx="1"/>
+          </p:nvPr>
+        </p:nvSpPr>
+        <p:spPr/>
+        <p:txBody>
+          <a:bodyPr/>
+          <a:lstStyle/>
+          <a:p>
+            <a:r>
+              <a:rPr lang="en-US" dirty="0"/>
+              <a:t>     </a:t>
+            </a:r>
+          </a:p>
+          <a:p>
+            <a:endParaRPr lang="en-US" dirty="0"/>
+          </a:p>
+          <a:p>
+            <a:endParaRPr lang="en-US" dirty="0"/>
+          </a:p>
+          <a:p>
+            <a:pPr marL="0" indent="0" algn="ctr">
+              <a:buNone/>
+            </a:pPr>
+            <a:r>
+              <a:rPr lang="en-US" sz="9600" b="1" dirty="0">
+                <a:solidFill>
+                  <a:schemeClr val="bg1"/>
+                </a:solidFill>
+                <a:latin typeface="Arial Black" panose="020B0A04020102020204" pitchFamily="34" charset="0"/>
+              </a:rPr>
+              <a:t>Q &amp; A</a:t>
+            </a:r>
+          </a:p>
+        </p:txBody>
+      </p:sp>
+    </p:spTree>
+    <p:extLst>
+      <p:ext uri="{BB962C8B-B14F-4D97-AF65-F5344CB8AC3E}">
+        <p14:creationId xmlns:p14="http://schemas.microsoft.com/office/powerpoint/2010/main" val="3698691496"/>
       </p:ext>
     </p:extLst>
   </p:cSld>
@@ -3512,7 +4469,11 @@
             </a:br>
             <a:r>
               <a:rPr lang="en-US" b="1" dirty="0"/>
-              <a:t>The Goal of the Project</a:t>
+              <a:t>The Plot </a:t>
+            </a:r>
+            <a:r>
+              <a:rPr lang="en-US" sz="3600" b="1" dirty="0"/>
+              <a:t>(Motivation)</a:t>
             </a:r>
           </a:p>
         </p:txBody>
@@ -3542,14 +4503,14 @@
           <a:p>
             <a:r>
               <a:rPr lang="en-US" dirty="0"/>
-              <a:t>Can we determine what the best type of movies to make based on a number of factors compared to ROI</a:t>
+              <a:t>Can we determine what the best type of movies to make based on a number of factors compared to ROI?</a:t>
             </a:r>
           </a:p>
           <a:p>
             <a:pPr lvl="1"/>
             <a:r>
               <a:rPr lang="en-US" dirty="0"/>
-              <a:t>Rating</a:t>
+              <a:t>Movie Rating</a:t>
             </a:r>
           </a:p>
           <a:p>
@@ -3563,14 +4524,23 @@
             <a:pPr lvl="1"/>
             <a:r>
               <a:rPr lang="en-US" dirty="0"/>
-              <a:t>Critic Ratings</a:t>
+              <a:t>Critic Ratings vs Audience Ratings</a:t>
             </a:r>
           </a:p>
           <a:p>
             <a:pPr lvl="1"/>
             <a:r>
               <a:rPr lang="en-US" dirty="0"/>
-              <a:t>Audience Ratings</a:t>
+              <a:t>Runtime</a:t>
+            </a:r>
+          </a:p>
+          <a:p>
+            <a:endParaRPr lang="en-US" dirty="0"/>
+          </a:p>
+          <a:p>
+            <a:r>
+              <a:rPr lang="en-US" dirty="0"/>
+              <a:t>Choose since the data was readily available and how most individuals look at movies before seeing them</a:t>
             </a:r>
           </a:p>
           <a:p>
@@ -3656,7 +4626,11 @@
             </a:br>
             <a:r>
               <a:rPr lang="en-US" b="1" dirty="0"/>
-              <a:t>Data Sources</a:t>
+              <a:t>Story Board </a:t>
+            </a:r>
+            <a:r>
+              <a:rPr lang="en-US" sz="3600" b="1" dirty="0"/>
+              <a:t>(Data Sources)</a:t>
             </a:r>
           </a:p>
         </p:txBody>
@@ -3686,19 +4660,48 @@
           <a:p>
             <a:r>
               <a:rPr lang="en-US" dirty="0"/>
-              <a:t>A Rotten Tomatoes CSV file with Movie Name, Ratings, Genres, Year, Runtime, Critic and Audience Ratings</a:t>
-            </a:r>
-          </a:p>
-          <a:p>
-            <a:r>
-              <a:rPr lang="en-US" dirty="0"/>
-              <a:t>The Numbers website that had the movies budget and domestic gross revenue</a:t>
+              <a:t>A Rotten Tomatoes CSV file with Movie Name, Ratings, Genres, Year, Runtime, Critic and Audience Ratings </a:t>
+            </a:r>
+            <a:r>
+              <a:rPr lang="en-US" sz="2400" dirty="0"/>
+              <a:t>– found on Kaggle.com</a:t>
+            </a:r>
+          </a:p>
+          <a:p>
+            <a:r>
+              <a:rPr lang="en-US" dirty="0"/>
+              <a:t>The Numbers website that had the movies budget and domestic gross revenue </a:t>
+            </a:r>
+            <a:r>
+              <a:rPr lang="en-US" sz="2400" dirty="0"/>
+              <a:t>- www.the-numbers.com</a:t>
+            </a:r>
+          </a:p>
+          <a:p>
+            <a:pPr lvl="1"/>
+            <a:r>
+              <a:rPr lang="en-US" dirty="0"/>
+              <a:t>Had to manually screen scrape the data</a:t>
+            </a:r>
+          </a:p>
+          <a:p>
+            <a:pPr lvl="1"/>
+            <a:r>
+              <a:rPr lang="en-US" dirty="0"/>
+              <a:t>Used excel to get only movies with a domestic gross above $10M</a:t>
             </a:r>
           </a:p>
           <a:p>
             <a:r>
               <a:rPr lang="en-US" dirty="0"/>
               <a:t>Took 1999-2018</a:t>
+            </a:r>
+          </a:p>
+          <a:p>
+            <a:pPr lvl="1"/>
+            <a:r>
+              <a:rPr lang="en-US" dirty="0"/>
+              <a:t>Rotten tomatoes didn’t have much for 2019 and wanted a full 20 years</a:t>
             </a:r>
           </a:p>
           <a:p>
@@ -3780,7 +4783,11 @@
             </a:br>
             <a:r>
               <a:rPr lang="en-US" b="1" dirty="0"/>
-              <a:t>Data Cleansing</a:t>
+              <a:t>Cut &amp; Editing </a:t>
+            </a:r>
+            <a:r>
+              <a:rPr lang="en-US" sz="3600" b="1" dirty="0"/>
+              <a:t>(Data Cleansing)</a:t>
             </a:r>
           </a:p>
         </p:txBody>
@@ -3810,7 +4817,29 @@
           <a:p>
             <a:r>
               <a:rPr lang="en-US" dirty="0"/>
-              <a:t>Had to alter movie names to get a match</a:t>
+              <a:t>Merged both CSV’s into a single data frame based on movie title &amp; year</a:t>
+            </a:r>
+          </a:p>
+          <a:p>
+            <a:pPr lvl="1"/>
+            <a:r>
+              <a:rPr lang="en-US" dirty="0"/>
+              <a:t>Had to alter movie names to get a match </a:t>
+            </a:r>
+            <a:r>
+              <a:rPr lang="en-US" dirty="0" err="1"/>
+              <a:t>i.e</a:t>
+            </a:r>
+            <a:r>
+              <a:rPr lang="en-US" dirty="0"/>
+              <a:t> Episode vs Ep.</a:t>
+            </a:r>
+          </a:p>
+          <a:p>
+            <a:pPr lvl="1"/>
+            <a:r>
+              <a:rPr lang="en-US" dirty="0"/>
+              <a:t>Unified column headings</a:t>
             </a:r>
           </a:p>
           <a:p>
@@ -3822,7 +4851,13 @@
           <a:p>
             <a:r>
               <a:rPr lang="en-US" dirty="0"/>
-              <a:t>Removed those that didn’t have a run time or rating</a:t>
+              <a:t>Dropped columns we weren’t using for analysis</a:t>
+            </a:r>
+          </a:p>
+          <a:p>
+            <a:r>
+              <a:rPr lang="en-US" dirty="0"/>
+              <a:t>Removed those that didn’t have a run time or rating, to not skew the averages or counts</a:t>
             </a:r>
           </a:p>
           <a:p>
@@ -3849,6 +4884,20 @@
 <file path=ppt/slides/slide5.xml><?xml version="1.0" encoding="utf-8"?>
 <p:sld xmlns:a="http://schemas.openxmlformats.org/drawingml/2006/main" xmlns:r="http://schemas.openxmlformats.org/officeDocument/2006/relationships" xmlns:p="http://schemas.openxmlformats.org/presentationml/2006/main">
   <p:cSld>
+    <p:bg>
+      <p:bgPr>
+        <a:blipFill dpi="0" rotWithShape="1">
+          <a:blip r:embed="rId2">
+            <a:lum/>
+          </a:blip>
+          <a:srcRect/>
+          <a:stretch>
+            <a:fillRect t="-18000" b="-18000"/>
+          </a:stretch>
+        </a:blipFill>
+        <a:effectLst/>
+      </p:bgPr>
+    </p:bg>
     <p:spTree>
       <p:nvGrpSpPr>
         <p:cNvPr id="1" name=""/>
@@ -3863,47 +4912,12 @@
           <a:chExt cx="0" cy="0"/>
         </a:xfrm>
       </p:grpSpPr>
-      <p:pic>
-        <p:nvPicPr>
-          <p:cNvPr id="8" name="Content Placeholder 7" descr="A close up of a map&#10;&#10;Description automatically generated">
-            <a:extLst>
-              <a:ext uri="{FF2B5EF4-FFF2-40B4-BE49-F238E27FC236}">
-                <a16:creationId xmlns:a16="http://schemas.microsoft.com/office/drawing/2014/main" id="{0B7BE1D6-1C78-453D-8956-83F80D267369}"/>
-              </a:ext>
-            </a:extLst>
-          </p:cNvPr>
-          <p:cNvPicPr>
-            <a:picLocks noGrp="1" noChangeAspect="1"/>
-          </p:cNvPicPr>
-          <p:nvPr>
-            <p:ph sz="half" idx="2"/>
-          </p:nvPr>
-        </p:nvPicPr>
-        <p:blipFill>
-          <a:blip r:embed="rId2">
-            <a:extLst>
-              <a:ext uri="{28A0092B-C50C-407E-A947-70E740481C1C}">
-                <a14:useLocalDpi xmlns:a14="http://schemas.microsoft.com/office/drawing/2010/main" val="0"/>
-              </a:ext>
-            </a:extLst>
-          </a:blip>
-          <a:stretch>
-            <a:fillRect/>
-          </a:stretch>
-        </p:blipFill>
-        <p:spPr>
-          <a:xfrm>
-            <a:off x="-835025" y="2217208"/>
-            <a:ext cx="14112875" cy="4704291"/>
-          </a:xfrm>
-        </p:spPr>
-      </p:pic>
-      <p:sp>
-        <p:nvSpPr>
-          <p:cNvPr id="15" name="Title 14">
-            <a:extLst>
-              <a:ext uri="{FF2B5EF4-FFF2-40B4-BE49-F238E27FC236}">
-                <a16:creationId xmlns:a16="http://schemas.microsoft.com/office/drawing/2014/main" id="{7ABD325A-BFA5-4CEB-AB12-3A214E3B5C64}"/>
+      <p:sp>
+        <p:nvSpPr>
+          <p:cNvPr id="2" name="Title 1">
+            <a:extLst>
+              <a:ext uri="{FF2B5EF4-FFF2-40B4-BE49-F238E27FC236}">
+                <a16:creationId xmlns:a16="http://schemas.microsoft.com/office/drawing/2014/main" id="{70C0E02B-FFF2-43A6-87EA-1B42AF909304}"/>
               </a:ext>
             </a:extLst>
           </p:cNvPr>
@@ -3914,20 +4928,74 @@
             <p:ph type="title"/>
           </p:nvPr>
         </p:nvSpPr>
-        <p:spPr>
-          <a:xfrm>
-            <a:off x="839788" y="365125"/>
-            <a:ext cx="10515600" cy="1325563"/>
-          </a:xfrm>
-        </p:spPr>
-        <p:txBody>
-          <a:bodyPr/>
+        <p:spPr/>
+        <p:txBody>
+          <a:bodyPr>
+            <a:normAutofit fontScale="90000"/>
+          </a:bodyPr>
           <a:lstStyle/>
           <a:p>
             <a:pPr algn="ctr"/>
-            <a:r>
-              <a:rPr lang="en-US" b="1" dirty="0"/>
-              <a:t>Compare of movies, by rating and year</a:t>
+            <a:br>
+              <a:rPr lang="en-US" dirty="0"/>
+            </a:br>
+            <a:br>
+              <a:rPr lang="en-US" dirty="0"/>
+            </a:br>
+            <a:br>
+              <a:rPr lang="en-US" dirty="0"/>
+            </a:br>
+            <a:br>
+              <a:rPr lang="en-US" dirty="0"/>
+            </a:br>
+            <a:br>
+              <a:rPr lang="en-US" dirty="0"/>
+            </a:br>
+            <a:br>
+              <a:rPr lang="en-US" dirty="0"/>
+            </a:br>
+            <a:br>
+              <a:rPr lang="en-US" dirty="0"/>
+            </a:br>
+            <a:br>
+              <a:rPr lang="en-US" dirty="0"/>
+            </a:br>
+            <a:br>
+              <a:rPr lang="en-US" dirty="0"/>
+            </a:br>
+            <a:br>
+              <a:rPr lang="en-US" dirty="0"/>
+            </a:br>
+            <a:r>
+              <a:rPr lang="en-US" dirty="0">
+                <a:latin typeface="Arial Black" panose="020B0A04020102020204" pitchFamily="34" charset="0"/>
+              </a:rPr>
+              <a:t>ACT 1:</a:t>
+            </a:r>
+            <a:br>
+              <a:rPr lang="en-US" dirty="0">
+                <a:latin typeface="Arial Black" panose="020B0A04020102020204" pitchFamily="34" charset="0"/>
+              </a:rPr>
+            </a:br>
+            <a:br>
+              <a:rPr lang="en-US" dirty="0"/>
+            </a:br>
+            <a:r>
+              <a:rPr lang="en-US" sz="6100" b="1" dirty="0">
+                <a:latin typeface="Arial Black" panose="020B0A04020102020204" pitchFamily="34" charset="0"/>
+              </a:rPr>
+              <a:t>Movie Rating</a:t>
+            </a:r>
+            <a:br>
+              <a:rPr lang="en-US" sz="6100" b="1" dirty="0">
+                <a:latin typeface="Arial Black" panose="020B0A04020102020204" pitchFamily="34" charset="0"/>
+              </a:rPr>
+            </a:br>
+            <a:r>
+              <a:rPr lang="en-US" sz="6100" b="1" dirty="0">
+                <a:latin typeface="Arial Black" panose="020B0A04020102020204" pitchFamily="34" charset="0"/>
+              </a:rPr>
+              <a:t>Analysis</a:t>
             </a:r>
           </a:p>
         </p:txBody>
@@ -3935,7 +5003,7 @@
     </p:spTree>
     <p:extLst>
       <p:ext uri="{BB962C8B-B14F-4D97-AF65-F5344CB8AC3E}">
-        <p14:creationId xmlns:p14="http://schemas.microsoft.com/office/powerpoint/2010/main" val="3412254660"/>
+        <p14:creationId xmlns:p14="http://schemas.microsoft.com/office/powerpoint/2010/main" val="2359355291"/>
       </p:ext>
     </p:extLst>
   </p:cSld>
@@ -3962,6 +5030,105 @@
           <a:chExt cx="0" cy="0"/>
         </a:xfrm>
       </p:grpSpPr>
+      <p:pic>
+        <p:nvPicPr>
+          <p:cNvPr id="8" name="Content Placeholder 7" descr="A close up of a map&#10;&#10;Description automatically generated">
+            <a:extLst>
+              <a:ext uri="{FF2B5EF4-FFF2-40B4-BE49-F238E27FC236}">
+                <a16:creationId xmlns:a16="http://schemas.microsoft.com/office/drawing/2014/main" id="{0B7BE1D6-1C78-453D-8956-83F80D267369}"/>
+              </a:ext>
+            </a:extLst>
+          </p:cNvPr>
+          <p:cNvPicPr>
+            <a:picLocks noGrp="1" noChangeAspect="1"/>
+          </p:cNvPicPr>
+          <p:nvPr>
+            <p:ph sz="half" idx="2"/>
+          </p:nvPr>
+        </p:nvPicPr>
+        <p:blipFill>
+          <a:blip r:embed="rId2">
+            <a:extLst>
+              <a:ext uri="{28A0092B-C50C-407E-A947-70E740481C1C}">
+                <a14:useLocalDpi xmlns:a14="http://schemas.microsoft.com/office/drawing/2010/main" val="0"/>
+              </a:ext>
+            </a:extLst>
+          </a:blip>
+          <a:stretch>
+            <a:fillRect/>
+          </a:stretch>
+        </p:blipFill>
+        <p:spPr>
+          <a:xfrm>
+            <a:off x="-835025" y="2217208"/>
+            <a:ext cx="14112875" cy="4704291"/>
+          </a:xfrm>
+        </p:spPr>
+      </p:pic>
+      <p:sp>
+        <p:nvSpPr>
+          <p:cNvPr id="15" name="Title 14">
+            <a:extLst>
+              <a:ext uri="{FF2B5EF4-FFF2-40B4-BE49-F238E27FC236}">
+                <a16:creationId xmlns:a16="http://schemas.microsoft.com/office/drawing/2014/main" id="{7ABD325A-BFA5-4CEB-AB12-3A214E3B5C64}"/>
+              </a:ext>
+            </a:extLst>
+          </p:cNvPr>
+          <p:cNvSpPr>
+            <a:spLocks noGrp="1"/>
+          </p:cNvSpPr>
+          <p:nvPr>
+            <p:ph type="title"/>
+          </p:nvPr>
+        </p:nvSpPr>
+        <p:spPr>
+          <a:xfrm>
+            <a:off x="839788" y="365125"/>
+            <a:ext cx="10515600" cy="1325563"/>
+          </a:xfrm>
+        </p:spPr>
+        <p:txBody>
+          <a:bodyPr/>
+          <a:lstStyle/>
+          <a:p>
+            <a:pPr algn="ctr"/>
+            <a:r>
+              <a:rPr lang="en-US" b="1" dirty="0"/>
+              <a:t>Compare of movies, by rating and year</a:t>
+            </a:r>
+          </a:p>
+        </p:txBody>
+      </p:sp>
+    </p:spTree>
+    <p:extLst>
+      <p:ext uri="{BB962C8B-B14F-4D97-AF65-F5344CB8AC3E}">
+        <p14:creationId xmlns:p14="http://schemas.microsoft.com/office/powerpoint/2010/main" val="3412254660"/>
+      </p:ext>
+    </p:extLst>
+  </p:cSld>
+  <p:clrMapOvr>
+    <a:masterClrMapping/>
+  </p:clrMapOvr>
+</p:sld>
+</file>
+
+<file path=ppt/slides/slide7.xml><?xml version="1.0" encoding="utf-8"?>
+<p:sld xmlns:a="http://schemas.openxmlformats.org/drawingml/2006/main" xmlns:r="http://schemas.openxmlformats.org/officeDocument/2006/relationships" xmlns:p="http://schemas.openxmlformats.org/presentationml/2006/main">
+  <p:cSld>
+    <p:spTree>
+      <p:nvGrpSpPr>
+        <p:cNvPr id="1" name=""/>
+        <p:cNvGrpSpPr/>
+        <p:nvPr/>
+      </p:nvGrpSpPr>
+      <p:grpSpPr>
+        <a:xfrm>
+          <a:off x="0" y="0"/>
+          <a:ext cx="0" cy="0"/>
+          <a:chOff x="0" y="0"/>
+          <a:chExt cx="0" cy="0"/>
+        </a:xfrm>
+      </p:grpSpPr>
       <p:sp>
         <p:nvSpPr>
           <p:cNvPr id="15" name="Title 14">
@@ -4035,139 +5202,6 @@
     <p:extLst>
       <p:ext uri="{BB962C8B-B14F-4D97-AF65-F5344CB8AC3E}">
         <p14:creationId xmlns:p14="http://schemas.microsoft.com/office/powerpoint/2010/main" val="3603200401"/>
-      </p:ext>
-    </p:extLst>
-  </p:cSld>
-  <p:clrMapOvr>
-    <a:masterClrMapping/>
-  </p:clrMapOvr>
-</p:sld>
-</file>
-
-<file path=ppt/slides/slide7.xml><?xml version="1.0" encoding="utf-8"?>
-<p:sld xmlns:a="http://schemas.openxmlformats.org/drawingml/2006/main" xmlns:r="http://schemas.openxmlformats.org/officeDocument/2006/relationships" xmlns:p="http://schemas.openxmlformats.org/presentationml/2006/main">
-  <p:cSld>
-    <p:bg>
-      <p:bgPr>
-        <a:blipFill dpi="0" rotWithShape="1">
-          <a:blip r:embed="rId2">
-            <a:lum/>
-          </a:blip>
-          <a:srcRect/>
-          <a:stretch>
-            <a:fillRect t="-7000" b="-7000"/>
-          </a:stretch>
-        </a:blipFill>
-        <a:effectLst/>
-      </p:bgPr>
-    </p:bg>
-    <p:spTree>
-      <p:nvGrpSpPr>
-        <p:cNvPr id="1" name=""/>
-        <p:cNvGrpSpPr/>
-        <p:nvPr/>
-      </p:nvGrpSpPr>
-      <p:grpSpPr>
-        <a:xfrm>
-          <a:off x="0" y="0"/>
-          <a:ext cx="0" cy="0"/>
-          <a:chOff x="0" y="0"/>
-          <a:chExt cx="0" cy="0"/>
-        </a:xfrm>
-      </p:grpSpPr>
-      <p:sp>
-        <p:nvSpPr>
-          <p:cNvPr id="2" name="Title 1">
-            <a:extLst>
-              <a:ext uri="{FF2B5EF4-FFF2-40B4-BE49-F238E27FC236}">
-                <a16:creationId xmlns:a16="http://schemas.microsoft.com/office/drawing/2014/main" id="{3ABF84FD-79A1-4C52-859E-E3B9FD0D6B0A}"/>
-              </a:ext>
-            </a:extLst>
-          </p:cNvPr>
-          <p:cNvSpPr>
-            <a:spLocks noGrp="1"/>
-          </p:cNvSpPr>
-          <p:nvPr>
-            <p:ph type="title"/>
-          </p:nvPr>
-        </p:nvSpPr>
-        <p:spPr/>
-        <p:txBody>
-          <a:bodyPr/>
-          <a:lstStyle/>
-          <a:p>
-            <a:pPr algn="ctr"/>
-            <a:br>
-              <a:rPr lang="en-US" b="1" dirty="0"/>
-            </a:br>
-            <a:r>
-              <a:rPr lang="en-US" b="1" dirty="0"/>
-              <a:t>Analysis of ROI by Rating</a:t>
-            </a:r>
-          </a:p>
-        </p:txBody>
-      </p:sp>
-      <p:sp>
-        <p:nvSpPr>
-          <p:cNvPr id="3" name="Content Placeholder 2">
-            <a:extLst>
-              <a:ext uri="{FF2B5EF4-FFF2-40B4-BE49-F238E27FC236}">
-                <a16:creationId xmlns:a16="http://schemas.microsoft.com/office/drawing/2014/main" id="{087D914D-4279-445E-824B-836F7C22BBF7}"/>
-              </a:ext>
-            </a:extLst>
-          </p:cNvPr>
-          <p:cNvSpPr>
-            <a:spLocks noGrp="1"/>
-          </p:cNvSpPr>
-          <p:nvPr>
-            <p:ph idx="1"/>
-          </p:nvPr>
-        </p:nvSpPr>
-        <p:spPr>
-          <a:noFill/>
-        </p:spPr>
-        <p:txBody>
-          <a:bodyPr/>
-          <a:lstStyle/>
-          <a:p>
-            <a:r>
-              <a:rPr lang="en-US" dirty="0"/>
-              <a:t>More PG-13 and R rated movies created</a:t>
-            </a:r>
-          </a:p>
-          <a:p>
-            <a:r>
-              <a:rPr lang="en-US" dirty="0"/>
-              <a:t>ROI fluctuates highly depending on year</a:t>
-            </a:r>
-          </a:p>
-          <a:p>
-            <a:r>
-              <a:rPr lang="en-US" dirty="0"/>
-              <a:t>PG and R rated movies have better return on investment overall</a:t>
-            </a:r>
-          </a:p>
-          <a:p>
-            <a:endParaRPr lang="en-US" dirty="0"/>
-          </a:p>
-          <a:p>
-            <a:pPr marL="0" indent="0" algn="ctr">
-              <a:buNone/>
-            </a:pPr>
-            <a:r>
-              <a:rPr lang="en-US" sz="3200" dirty="0"/>
-              <a:t>Based on Ratings alone the number of R rated moves and the average ROI is much high and indicates R rated movies are the best investment</a:t>
-            </a:r>
-          </a:p>
-          <a:p>
-            <a:endParaRPr lang="en-US" dirty="0"/>
-          </a:p>
-        </p:txBody>
-      </p:sp>
-    </p:spTree>
-    <p:extLst>
-      <p:ext uri="{BB962C8B-B14F-4D97-AF65-F5344CB8AC3E}">
-        <p14:creationId xmlns:p14="http://schemas.microsoft.com/office/powerpoint/2010/main" val="930147941"/>
       </p:ext>
     </p:extLst>
   </p:cSld>
@@ -4213,7 +5247,7 @@
           <p:cNvPr id="2" name="Title 1">
             <a:extLst>
               <a:ext uri="{FF2B5EF4-FFF2-40B4-BE49-F238E27FC236}">
-                <a16:creationId xmlns:a16="http://schemas.microsoft.com/office/drawing/2014/main" id="{560864A3-98A1-4552-8A4F-02D846262E9C}"/>
+                <a16:creationId xmlns:a16="http://schemas.microsoft.com/office/drawing/2014/main" id="{3ABF84FD-79A1-4C52-859E-E3B9FD0D6B0A}"/>
               </a:ext>
             </a:extLst>
           </p:cNvPr>
@@ -4235,7 +5269,7 @@
             </a:br>
             <a:r>
               <a:rPr lang="en-US" b="1" dirty="0"/>
-              <a:t>The over all Recommendation</a:t>
+              <a:t>Findings</a:t>
             </a:r>
           </a:p>
         </p:txBody>
@@ -4245,7 +5279,7 @@
           <p:cNvPr id="3" name="Content Placeholder 2">
             <a:extLst>
               <a:ext uri="{FF2B5EF4-FFF2-40B4-BE49-F238E27FC236}">
-                <a16:creationId xmlns:a16="http://schemas.microsoft.com/office/drawing/2014/main" id="{854828F9-E88B-487D-972A-58EA7768DD62}"/>
+                <a16:creationId xmlns:a16="http://schemas.microsoft.com/office/drawing/2014/main" id="{087D914D-4279-445E-824B-836F7C22BBF7}"/>
               </a:ext>
             </a:extLst>
           </p:cNvPr>
@@ -4256,34 +5290,51 @@
             <p:ph idx="1"/>
           </p:nvPr>
         </p:nvSpPr>
-        <p:spPr/>
-        <p:txBody>
-          <a:bodyPr/>
-          <a:lstStyle/>
-          <a:p>
-            <a:r>
-              <a:rPr lang="en-US" dirty="0"/>
-              <a:t>Point 1</a:t>
-            </a:r>
-          </a:p>
-          <a:p>
-            <a:r>
-              <a:rPr lang="en-US" dirty="0"/>
-              <a:t>Point 2</a:t>
-            </a:r>
-          </a:p>
-          <a:p>
-            <a:r>
-              <a:rPr lang="en-US" dirty="0"/>
-              <a:t>Point 3</a:t>
-            </a:r>
+        <p:spPr>
+          <a:noFill/>
+        </p:spPr>
+        <p:txBody>
+          <a:bodyPr/>
+          <a:lstStyle/>
+          <a:p>
+            <a:r>
+              <a:rPr lang="en-US" dirty="0"/>
+              <a:t>More PG-13 and R rated movies created</a:t>
+            </a:r>
+          </a:p>
+          <a:p>
+            <a:r>
+              <a:rPr lang="en-US" dirty="0"/>
+              <a:t>ROI fluctuates highly depending on year</a:t>
+            </a:r>
+          </a:p>
+          <a:p>
+            <a:r>
+              <a:rPr lang="en-US" dirty="0"/>
+              <a:t>PG and R rated movies have better return on investment overall</a:t>
+            </a:r>
+          </a:p>
+          <a:p>
+            <a:endParaRPr lang="en-US" dirty="0"/>
+          </a:p>
+          <a:p>
+            <a:pPr marL="0" indent="0" algn="ctr">
+              <a:buNone/>
+            </a:pPr>
+            <a:r>
+              <a:rPr lang="en-US" sz="3200" dirty="0"/>
+              <a:t>Based on Ratings alone the number of R rated moves and the average ROI is much high and indicates R rated movies are the best investment</a:t>
+            </a:r>
+          </a:p>
+          <a:p>
+            <a:endParaRPr lang="en-US" dirty="0"/>
           </a:p>
         </p:txBody>
       </p:sp>
     </p:spTree>
     <p:extLst>
       <p:ext uri="{BB962C8B-B14F-4D97-AF65-F5344CB8AC3E}">
-        <p14:creationId xmlns:p14="http://schemas.microsoft.com/office/powerpoint/2010/main" val="217226028"/>
+        <p14:creationId xmlns:p14="http://schemas.microsoft.com/office/powerpoint/2010/main" val="930147941"/>
       </p:ext>
     </p:extLst>
   </p:cSld>
@@ -4304,7 +5355,7 @@
           </a:blip>
           <a:srcRect/>
           <a:stretch>
-            <a:fillRect t="-17000" b="-17000"/>
+            <a:fillRect t="-18000" b="-18000"/>
           </a:stretch>
         </a:blipFill>
         <a:effectLst/>
@@ -4329,7 +5380,7 @@
           <p:cNvPr id="2" name="Title 1">
             <a:extLst>
               <a:ext uri="{FF2B5EF4-FFF2-40B4-BE49-F238E27FC236}">
-                <a16:creationId xmlns:a16="http://schemas.microsoft.com/office/drawing/2014/main" id="{B25748F9-2367-47F9-961C-B8F5427D5420}"/>
+                <a16:creationId xmlns:a16="http://schemas.microsoft.com/office/drawing/2014/main" id="{70C0E02B-FFF2-43A6-87EA-1B42AF909304}"/>
               </a:ext>
             </a:extLst>
           </p:cNvPr>
@@ -4342,67 +5393,83 @@
         </p:nvSpPr>
         <p:spPr/>
         <p:txBody>
-          <a:bodyPr/>
-          <a:lstStyle/>
-          <a:p>
-            <a:r>
-              <a:rPr lang="en-US" dirty="0"/>
-              <a:t> </a:t>
-            </a:r>
-          </a:p>
-        </p:txBody>
-      </p:sp>
-      <p:sp>
-        <p:nvSpPr>
-          <p:cNvPr id="3" name="Content Placeholder 2">
-            <a:extLst>
-              <a:ext uri="{FF2B5EF4-FFF2-40B4-BE49-F238E27FC236}">
-                <a16:creationId xmlns:a16="http://schemas.microsoft.com/office/drawing/2014/main" id="{A25AC3A2-B41F-4905-99C5-D0F77D215056}"/>
-              </a:ext>
-            </a:extLst>
-          </p:cNvPr>
-          <p:cNvSpPr>
-            <a:spLocks noGrp="1"/>
-          </p:cNvSpPr>
-          <p:nvPr>
-            <p:ph idx="1"/>
-          </p:nvPr>
-        </p:nvSpPr>
-        <p:spPr/>
-        <p:txBody>
-          <a:bodyPr/>
-          <a:lstStyle/>
-          <a:p>
-            <a:r>
-              <a:rPr lang="en-US" dirty="0"/>
-              <a:t>     </a:t>
-            </a:r>
-          </a:p>
-          <a:p>
-            <a:endParaRPr lang="en-US" dirty="0"/>
-          </a:p>
-          <a:p>
-            <a:endParaRPr lang="en-US" dirty="0"/>
-          </a:p>
-          <a:p>
-            <a:pPr marL="0" indent="0" algn="ctr">
-              <a:buNone/>
-            </a:pPr>
-            <a:r>
-              <a:rPr lang="en-US" sz="9600" b="1" dirty="0">
-                <a:solidFill>
-                  <a:schemeClr val="bg1"/>
-                </a:solidFill>
+          <a:bodyPr>
+            <a:normAutofit fontScale="90000"/>
+          </a:bodyPr>
+          <a:lstStyle/>
+          <a:p>
+            <a:pPr algn="ctr"/>
+            <a:br>
+              <a:rPr lang="en-US" dirty="0"/>
+            </a:br>
+            <a:br>
+              <a:rPr lang="en-US" dirty="0"/>
+            </a:br>
+            <a:br>
+              <a:rPr lang="en-US" dirty="0"/>
+            </a:br>
+            <a:br>
+              <a:rPr lang="en-US" dirty="0"/>
+            </a:br>
+            <a:br>
+              <a:rPr lang="en-US" dirty="0"/>
+            </a:br>
+            <a:br>
+              <a:rPr lang="en-US" dirty="0"/>
+            </a:br>
+            <a:br>
+              <a:rPr lang="en-US" dirty="0"/>
+            </a:br>
+            <a:br>
+              <a:rPr lang="en-US" dirty="0"/>
+            </a:br>
+            <a:br>
+              <a:rPr lang="en-US" dirty="0"/>
+            </a:br>
+            <a:r>
+              <a:rPr lang="en-US" dirty="0">
+                <a:latin typeface="Arial Black" panose="020B0A04020102020204" pitchFamily="34" charset="0"/>
               </a:rPr>
-              <a:t>Q &amp; A</a:t>
-            </a:r>
+              <a:t>ACT 2:</a:t>
+            </a:r>
+            <a:br>
+              <a:rPr lang="en-US" dirty="0">
+                <a:latin typeface="Arial Black" panose="020B0A04020102020204" pitchFamily="34" charset="0"/>
+              </a:rPr>
+            </a:br>
+            <a:br>
+              <a:rPr lang="en-US" dirty="0"/>
+            </a:br>
+            <a:r>
+              <a:rPr lang="en-US" sz="6100" b="1" dirty="0">
+                <a:latin typeface="Arial Black" panose="020B0A04020102020204" pitchFamily="34" charset="0"/>
+              </a:rPr>
+              <a:t>Genre</a:t>
+            </a:r>
+            <a:br>
+              <a:rPr lang="en-US" sz="6100" b="1" dirty="0">
+                <a:latin typeface="Arial Black" panose="020B0A04020102020204" pitchFamily="34" charset="0"/>
+              </a:rPr>
+            </a:br>
+            <a:r>
+              <a:rPr lang="en-US" sz="6100" b="1" dirty="0">
+                <a:latin typeface="Arial Black" panose="020B0A04020102020204" pitchFamily="34" charset="0"/>
+              </a:rPr>
+              <a:t>Analysis</a:t>
+            </a:r>
+            <a:endParaRPr lang="en-US" sz="6100" b="1" dirty="0">
+              <a:solidFill>
+                <a:schemeClr val="bg1"/>
+              </a:solidFill>
+              <a:latin typeface="Arial Black" panose="020B0A04020102020204" pitchFamily="34" charset="0"/>
+            </a:endParaRPr>
           </a:p>
         </p:txBody>
       </p:sp>
     </p:spTree>
     <p:extLst>
       <p:ext uri="{BB962C8B-B14F-4D97-AF65-F5344CB8AC3E}">
-        <p14:creationId xmlns:p14="http://schemas.microsoft.com/office/powerpoint/2010/main" val="3698691496"/>
+        <p14:creationId xmlns:p14="http://schemas.microsoft.com/office/powerpoint/2010/main" val="881722951"/>
       </p:ext>
     </p:extLst>
   </p:cSld>

--- a/Project 1 Presentation.pptx
+++ b/Project 1 Presentation.pptx
@@ -14,14 +14,17 @@
     <p:sldId id="258" r:id="rId8"/>
     <p:sldId id="259" r:id="rId9"/>
     <p:sldId id="267" r:id="rId10"/>
-    <p:sldId id="268" r:id="rId11"/>
-    <p:sldId id="269" r:id="rId12"/>
-    <p:sldId id="272" r:id="rId13"/>
-    <p:sldId id="271" r:id="rId14"/>
-    <p:sldId id="270" r:id="rId15"/>
-    <p:sldId id="263" r:id="rId16"/>
-    <p:sldId id="265" r:id="rId17"/>
-    <p:sldId id="264" r:id="rId18"/>
+    <p:sldId id="274" r:id="rId11"/>
+    <p:sldId id="275" r:id="rId12"/>
+    <p:sldId id="276" r:id="rId13"/>
+    <p:sldId id="268" r:id="rId14"/>
+    <p:sldId id="269" r:id="rId15"/>
+    <p:sldId id="272" r:id="rId16"/>
+    <p:sldId id="271" r:id="rId17"/>
+    <p:sldId id="270" r:id="rId18"/>
+    <p:sldId id="263" r:id="rId19"/>
+    <p:sldId id="265" r:id="rId20"/>
+    <p:sldId id="264" r:id="rId21"/>
   </p:sldIdLst>
   <p:sldSz cx="12192000" cy="6858000"/>
   <p:notesSz cx="6858000" cy="9144000"/>
@@ -275,7 +278,7 @@
           <a:p>
             <a:fld id="{7F3A2633-CE2D-4284-AED7-B04551D23CDA}" type="datetimeFigureOut">
               <a:rPr lang="en-US" smtClean="0"/>
-              <a:t>12/2/2019</a:t>
+              <a:t>12/3/2019</a:t>
             </a:fld>
             <a:endParaRPr lang="en-US"/>
           </a:p>
@@ -473,7 +476,7 @@
           <a:p>
             <a:fld id="{7F3A2633-CE2D-4284-AED7-B04551D23CDA}" type="datetimeFigureOut">
               <a:rPr lang="en-US" smtClean="0"/>
-              <a:t>12/2/2019</a:t>
+              <a:t>12/3/2019</a:t>
             </a:fld>
             <a:endParaRPr lang="en-US"/>
           </a:p>
@@ -681,7 +684,7 @@
           <a:p>
             <a:fld id="{7F3A2633-CE2D-4284-AED7-B04551D23CDA}" type="datetimeFigureOut">
               <a:rPr lang="en-US" smtClean="0"/>
-              <a:t>12/2/2019</a:t>
+              <a:t>12/3/2019</a:t>
             </a:fld>
             <a:endParaRPr lang="en-US"/>
           </a:p>
@@ -879,7 +882,7 @@
           <a:p>
             <a:fld id="{7F3A2633-CE2D-4284-AED7-B04551D23CDA}" type="datetimeFigureOut">
               <a:rPr lang="en-US" smtClean="0"/>
-              <a:t>12/2/2019</a:t>
+              <a:t>12/3/2019</a:t>
             </a:fld>
             <a:endParaRPr lang="en-US"/>
           </a:p>
@@ -1154,7 +1157,7 @@
           <a:p>
             <a:fld id="{7F3A2633-CE2D-4284-AED7-B04551D23CDA}" type="datetimeFigureOut">
               <a:rPr lang="en-US" smtClean="0"/>
-              <a:t>12/2/2019</a:t>
+              <a:t>12/3/2019</a:t>
             </a:fld>
             <a:endParaRPr lang="en-US"/>
           </a:p>
@@ -1419,7 +1422,7 @@
           <a:p>
             <a:fld id="{7F3A2633-CE2D-4284-AED7-B04551D23CDA}" type="datetimeFigureOut">
               <a:rPr lang="en-US" smtClean="0"/>
-              <a:t>12/2/2019</a:t>
+              <a:t>12/3/2019</a:t>
             </a:fld>
             <a:endParaRPr lang="en-US"/>
           </a:p>
@@ -1831,7 +1834,7 @@
           <a:p>
             <a:fld id="{7F3A2633-CE2D-4284-AED7-B04551D23CDA}" type="datetimeFigureOut">
               <a:rPr lang="en-US" smtClean="0"/>
-              <a:t>12/2/2019</a:t>
+              <a:t>12/3/2019</a:t>
             </a:fld>
             <a:endParaRPr lang="en-US"/>
           </a:p>
@@ -1972,7 +1975,7 @@
           <a:p>
             <a:fld id="{7F3A2633-CE2D-4284-AED7-B04551D23CDA}" type="datetimeFigureOut">
               <a:rPr lang="en-US" smtClean="0"/>
-              <a:t>12/2/2019</a:t>
+              <a:t>12/3/2019</a:t>
             </a:fld>
             <a:endParaRPr lang="en-US"/>
           </a:p>
@@ -2085,7 +2088,7 @@
           <a:p>
             <a:fld id="{7F3A2633-CE2D-4284-AED7-B04551D23CDA}" type="datetimeFigureOut">
               <a:rPr lang="en-US" smtClean="0"/>
-              <a:t>12/2/2019</a:t>
+              <a:t>12/3/2019</a:t>
             </a:fld>
             <a:endParaRPr lang="en-US"/>
           </a:p>
@@ -2396,7 +2399,7 @@
           <a:p>
             <a:fld id="{7F3A2633-CE2D-4284-AED7-B04551D23CDA}" type="datetimeFigureOut">
               <a:rPr lang="en-US" smtClean="0"/>
-              <a:t>12/2/2019</a:t>
+              <a:t>12/3/2019</a:t>
             </a:fld>
             <a:endParaRPr lang="en-US"/>
           </a:p>
@@ -2684,7 +2687,7 @@
           <a:p>
             <a:fld id="{7F3A2633-CE2D-4284-AED7-B04551D23CDA}" type="datetimeFigureOut">
               <a:rPr lang="en-US" smtClean="0"/>
-              <a:t>12/2/2019</a:t>
+              <a:t>12/3/2019</a:t>
             </a:fld>
             <a:endParaRPr lang="en-US"/>
           </a:p>
@@ -2925,7 +2928,7 @@
           <a:p>
             <a:fld id="{7F3A2633-CE2D-4284-AED7-B04551D23CDA}" type="datetimeFigureOut">
               <a:rPr lang="en-US" smtClean="0"/>
-              <a:t>12/2/2019</a:t>
+              <a:t>12/3/2019</a:t>
             </a:fld>
             <a:endParaRPr lang="en-US"/>
           </a:p>
@@ -3472,13 +3475,360 @@
   <p:cSld>
     <p:bg>
       <p:bgPr>
+        <a:solidFill>
+          <a:schemeClr val="bg1"/>
+        </a:solidFill>
+        <a:effectLst/>
+      </p:bgPr>
+    </p:bg>
+    <p:spTree>
+      <p:nvGrpSpPr>
+        <p:cNvPr id="1" name=""/>
+        <p:cNvGrpSpPr/>
+        <p:nvPr/>
+      </p:nvGrpSpPr>
+      <p:grpSpPr>
+        <a:xfrm>
+          <a:off x="0" y="0"/>
+          <a:ext cx="0" cy="0"/>
+          <a:chOff x="0" y="0"/>
+          <a:chExt cx="0" cy="0"/>
+        </a:xfrm>
+      </p:grpSpPr>
+      <p:sp>
+        <p:nvSpPr>
+          <p:cNvPr id="2" name="Title 1">
+            <a:extLst>
+              <a:ext uri="{FF2B5EF4-FFF2-40B4-BE49-F238E27FC236}">
+                <a16:creationId xmlns:a16="http://schemas.microsoft.com/office/drawing/2014/main" id="{F88635BA-D820-4D58-A345-4D056E7E98E9}"/>
+              </a:ext>
+            </a:extLst>
+          </p:cNvPr>
+          <p:cNvSpPr>
+            <a:spLocks noGrp="1"/>
+          </p:cNvSpPr>
+          <p:nvPr>
+            <p:ph type="title"/>
+          </p:nvPr>
+        </p:nvSpPr>
+        <p:spPr>
+          <a:xfrm>
+            <a:off x="838199" y="291090"/>
+            <a:ext cx="10515599" cy="654046"/>
+          </a:xfrm>
+        </p:spPr>
+        <p:txBody>
+          <a:bodyPr vert="horz" lIns="91440" tIns="45720" rIns="91440" bIns="45720" rtlCol="0" anchor="b">
+            <a:normAutofit fontScale="90000"/>
+          </a:bodyPr>
+          <a:lstStyle/>
+          <a:p>
+            <a:pPr algn="ctr"/>
+            <a:r>
+              <a:rPr lang="en-US" sz="4800" kern="1200" dirty="0">
+                <a:solidFill>
+                  <a:schemeClr val="tx1"/>
+                </a:solidFill>
+                <a:latin typeface="+mj-lt"/>
+                <a:ea typeface="+mj-ea"/>
+                <a:cs typeface="+mj-cs"/>
+              </a:rPr>
+              <a:t>Top 5 Movie Genres </a:t>
+            </a:r>
+            <a:r>
+              <a:rPr lang="en-US" sz="4800" dirty="0"/>
+              <a:t>with</a:t>
+            </a:r>
+            <a:r>
+              <a:rPr lang="en-US" sz="4800" kern="1200" dirty="0">
+                <a:solidFill>
+                  <a:schemeClr val="tx1"/>
+                </a:solidFill>
+                <a:latin typeface="+mj-lt"/>
+                <a:ea typeface="+mj-ea"/>
+                <a:cs typeface="+mj-cs"/>
+              </a:rPr>
+              <a:t> Highest Avg ROI</a:t>
+            </a:r>
+          </a:p>
+        </p:txBody>
+      </p:sp>
+      <p:pic>
+        <p:nvPicPr>
+          <p:cNvPr id="4" name="Picture 3" descr="A screenshot of a cell phone&#10;&#10;Description automatically generated">
+            <a:extLst>
+              <a:ext uri="{FF2B5EF4-FFF2-40B4-BE49-F238E27FC236}">
+                <a16:creationId xmlns:a16="http://schemas.microsoft.com/office/drawing/2014/main" id="{B843A7C3-63E1-42A5-B7E1-41265234846D}"/>
+              </a:ext>
+            </a:extLst>
+          </p:cNvPr>
+          <p:cNvPicPr>
+            <a:picLocks noChangeAspect="1"/>
+          </p:cNvPicPr>
+          <p:nvPr/>
+        </p:nvPicPr>
+        <p:blipFill>
+          <a:blip r:embed="rId2">
+            <a:extLst>
+              <a:ext uri="{28A0092B-C50C-407E-A947-70E740481C1C}">
+                <a14:useLocalDpi xmlns:a14="http://schemas.microsoft.com/office/drawing/2010/main" val="0"/>
+              </a:ext>
+            </a:extLst>
+          </a:blip>
+          <a:stretch>
+            <a:fillRect/>
+          </a:stretch>
+        </p:blipFill>
+        <p:spPr>
+          <a:xfrm>
+            <a:off x="1296675" y="1190968"/>
+            <a:ext cx="9813803" cy="4440746"/>
+          </a:xfrm>
+          <a:prstGeom prst="rect">
+            <a:avLst/>
+          </a:prstGeom>
+          <a:solidFill>
+            <a:srgbClr val="FFFFFF">
+              <a:shade val="85000"/>
+            </a:srgbClr>
+          </a:solidFill>
+          <a:scene3d>
+            <a:camera prst="orthographicFront"/>
+            <a:lightRig rig="twoPt" dir="t">
+              <a:rot lat="0" lon="0" rev="7800000"/>
+            </a:lightRig>
+          </a:scene3d>
+          <a:sp3d contourW="6350">
+            <a:bevelT w="50800" h="16510"/>
+            <a:contourClr>
+              <a:srgbClr val="C0C0C0"/>
+            </a:contourClr>
+          </a:sp3d>
+        </p:spPr>
+      </p:pic>
+    </p:spTree>
+    <p:extLst>
+      <p:ext uri="{BB962C8B-B14F-4D97-AF65-F5344CB8AC3E}">
+        <p14:creationId xmlns:p14="http://schemas.microsoft.com/office/powerpoint/2010/main" val="1182263269"/>
+      </p:ext>
+    </p:extLst>
+  </p:cSld>
+  <p:clrMapOvr>
+    <a:masterClrMapping/>
+  </p:clrMapOvr>
+</p:sld>
+</file>
+
+<file path=ppt/slides/slide11.xml><?xml version="1.0" encoding="utf-8"?>
+<p:sld xmlns:a="http://schemas.openxmlformats.org/drawingml/2006/main" xmlns:r="http://schemas.openxmlformats.org/officeDocument/2006/relationships" xmlns:p="http://schemas.openxmlformats.org/presentationml/2006/main">
+  <p:cSld>
+    <p:spTree>
+      <p:nvGrpSpPr>
+        <p:cNvPr id="1" name=""/>
+        <p:cNvGrpSpPr/>
+        <p:nvPr/>
+      </p:nvGrpSpPr>
+      <p:grpSpPr>
+        <a:xfrm>
+          <a:off x="0" y="0"/>
+          <a:ext cx="0" cy="0"/>
+          <a:chOff x="0" y="0"/>
+          <a:chExt cx="0" cy="0"/>
+        </a:xfrm>
+      </p:grpSpPr>
+      <p:sp>
+        <p:nvSpPr>
+          <p:cNvPr id="2" name="Title 1">
+            <a:extLst>
+              <a:ext uri="{FF2B5EF4-FFF2-40B4-BE49-F238E27FC236}">
+                <a16:creationId xmlns:a16="http://schemas.microsoft.com/office/drawing/2014/main" id="{1DBC446D-8F47-4875-92DE-904A3FB83532}"/>
+              </a:ext>
+            </a:extLst>
+          </p:cNvPr>
+          <p:cNvSpPr>
+            <a:spLocks noGrp="1"/>
+          </p:cNvSpPr>
+          <p:nvPr>
+            <p:ph type="title"/>
+          </p:nvPr>
+        </p:nvSpPr>
+        <p:spPr>
+          <a:xfrm>
+            <a:off x="838200" y="188260"/>
+            <a:ext cx="10515600" cy="910557"/>
+          </a:xfrm>
+        </p:spPr>
+        <p:txBody>
+          <a:bodyPr>
+            <a:normAutofit fontScale="90000"/>
+          </a:bodyPr>
+          <a:lstStyle/>
+          <a:p>
+            <a:pPr algn="ctr"/>
+            <a:r>
+              <a:rPr lang="en-US" dirty="0"/>
+              <a:t>Top 5 Movie Genres with Highest Avg. ROI Over Time(2014-2018)</a:t>
+            </a:r>
+          </a:p>
+        </p:txBody>
+      </p:sp>
+      <p:pic>
+        <p:nvPicPr>
+          <p:cNvPr id="10" name="Picture 9" descr="A close up of a map&#10;&#10;Description automatically generated">
+            <a:extLst>
+              <a:ext uri="{FF2B5EF4-FFF2-40B4-BE49-F238E27FC236}">
+                <a16:creationId xmlns:a16="http://schemas.microsoft.com/office/drawing/2014/main" id="{31C16E67-9BEF-4434-82F2-E881AF169353}"/>
+              </a:ext>
+            </a:extLst>
+          </p:cNvPr>
+          <p:cNvPicPr>
+            <a:picLocks noChangeAspect="1"/>
+          </p:cNvPicPr>
+          <p:nvPr/>
+        </p:nvPicPr>
+        <p:blipFill>
+          <a:blip r:embed="rId2">
+            <a:extLst>
+              <a:ext uri="{28A0092B-C50C-407E-A947-70E740481C1C}">
+                <a14:useLocalDpi xmlns:a14="http://schemas.microsoft.com/office/drawing/2010/main" val="0"/>
+              </a:ext>
+            </a:extLst>
+          </a:blip>
+          <a:stretch>
+            <a:fillRect/>
+          </a:stretch>
+        </p:blipFill>
+        <p:spPr>
+          <a:xfrm>
+            <a:off x="186239" y="1284602"/>
+            <a:ext cx="5816814" cy="3567523"/>
+          </a:xfrm>
+          <a:prstGeom prst="rect">
+            <a:avLst/>
+          </a:prstGeom>
+          <a:solidFill>
+            <a:srgbClr val="FFFFFF">
+              <a:shade val="85000"/>
+            </a:srgbClr>
+          </a:solidFill>
+          <a:ln w="88900" cap="sq">
+            <a:solidFill>
+              <a:srgbClr val="FFFFFF"/>
+            </a:solidFill>
+            <a:miter lim="800000"/>
+          </a:ln>
+          <a:effectLst>
+            <a:outerShdw blurRad="55000" dist="18000" dir="5400000" algn="tl" rotWithShape="0">
+              <a:srgbClr val="000000">
+                <a:alpha val="40000"/>
+              </a:srgbClr>
+            </a:outerShdw>
+          </a:effectLst>
+          <a:scene3d>
+            <a:camera prst="orthographicFront"/>
+            <a:lightRig rig="twoPt" dir="t">
+              <a:rot lat="0" lon="0" rev="7200000"/>
+            </a:lightRig>
+          </a:scene3d>
+          <a:sp3d>
+            <a:bevelT w="25400" h="19050"/>
+            <a:contourClr>
+              <a:srgbClr val="FFFFFF"/>
+            </a:contourClr>
+          </a:sp3d>
+        </p:spPr>
+      </p:pic>
+      <p:pic>
+        <p:nvPicPr>
+          <p:cNvPr id="8" name="Picture 7" descr="A close up of a map&#10;&#10;Description automatically generated">
+            <a:extLst>
+              <a:ext uri="{FF2B5EF4-FFF2-40B4-BE49-F238E27FC236}">
+                <a16:creationId xmlns:a16="http://schemas.microsoft.com/office/drawing/2014/main" id="{29456432-1E33-4712-85BE-48F4C74D03E0}"/>
+              </a:ext>
+            </a:extLst>
+          </p:cNvPr>
+          <p:cNvPicPr>
+            <a:picLocks noChangeAspect="1"/>
+          </p:cNvPicPr>
+          <p:nvPr/>
+        </p:nvPicPr>
+        <p:blipFill>
+          <a:blip r:embed="rId3">
+            <a:extLst>
+              <a:ext uri="{28A0092B-C50C-407E-A947-70E740481C1C}">
+                <a14:useLocalDpi xmlns:a14="http://schemas.microsoft.com/office/drawing/2010/main" val="0"/>
+              </a:ext>
+            </a:extLst>
+          </a:blip>
+          <a:stretch>
+            <a:fillRect/>
+          </a:stretch>
+        </p:blipFill>
+        <p:spPr>
+          <a:xfrm>
+            <a:off x="6096000" y="3045211"/>
+            <a:ext cx="5909761" cy="3624529"/>
+          </a:xfrm>
+          <a:prstGeom prst="rect">
+            <a:avLst/>
+          </a:prstGeom>
+          <a:solidFill>
+            <a:srgbClr val="FFFFFF">
+              <a:shade val="85000"/>
+            </a:srgbClr>
+          </a:solidFill>
+          <a:ln w="88900" cap="sq">
+            <a:solidFill>
+              <a:srgbClr val="FFFFFF"/>
+            </a:solidFill>
+            <a:miter lim="800000"/>
+          </a:ln>
+          <a:effectLst>
+            <a:outerShdw blurRad="55000" dist="18000" dir="5400000" algn="tl" rotWithShape="0">
+              <a:srgbClr val="000000">
+                <a:alpha val="40000"/>
+              </a:srgbClr>
+            </a:outerShdw>
+          </a:effectLst>
+          <a:scene3d>
+            <a:camera prst="orthographicFront"/>
+            <a:lightRig rig="twoPt" dir="t">
+              <a:rot lat="0" lon="0" rev="7200000"/>
+            </a:lightRig>
+          </a:scene3d>
+          <a:sp3d>
+            <a:bevelT w="25400" h="19050"/>
+            <a:contourClr>
+              <a:srgbClr val="FFFFFF"/>
+            </a:contourClr>
+          </a:sp3d>
+        </p:spPr>
+      </p:pic>
+    </p:spTree>
+    <p:extLst>
+      <p:ext uri="{BB962C8B-B14F-4D97-AF65-F5344CB8AC3E}">
+        <p14:creationId xmlns:p14="http://schemas.microsoft.com/office/powerpoint/2010/main" val="1465575874"/>
+      </p:ext>
+    </p:extLst>
+  </p:cSld>
+  <p:clrMapOvr>
+    <a:masterClrMapping/>
+  </p:clrMapOvr>
+</p:sld>
+</file>
+
+<file path=ppt/slides/slide12.xml><?xml version="1.0" encoding="utf-8"?>
+<p:sld xmlns:a="http://schemas.openxmlformats.org/drawingml/2006/main" xmlns:r="http://schemas.openxmlformats.org/officeDocument/2006/relationships" xmlns:p="http://schemas.openxmlformats.org/presentationml/2006/main">
+  <p:cSld>
+    <p:bg>
+      <p:bgPr>
         <a:blipFill dpi="0" rotWithShape="1">
           <a:blip r:embed="rId2">
             <a:lum/>
           </a:blip>
           <a:srcRect/>
           <a:stretch>
-            <a:fillRect t="-18000" b="-18000"/>
+            <a:fillRect t="-7000" b="-7000"/>
           </a:stretch>
         </a:blipFill>
         <a:effectLst/>
@@ -3503,7 +3853,7 @@
           <p:cNvPr id="2" name="Title 1">
             <a:extLst>
               <a:ext uri="{FF2B5EF4-FFF2-40B4-BE49-F238E27FC236}">
-                <a16:creationId xmlns:a16="http://schemas.microsoft.com/office/drawing/2014/main" id="{70C0E02B-FFF2-43A6-87EA-1B42AF909304}"/>
+                <a16:creationId xmlns:a16="http://schemas.microsoft.com/office/drawing/2014/main" id="{3ABF84FD-79A1-4C52-859E-E3B9FD0D6B0A}"/>
               </a:ext>
             </a:extLst>
           </p:cNvPr>
@@ -3516,96 +3866,92 @@
         </p:nvSpPr>
         <p:spPr/>
         <p:txBody>
-          <a:bodyPr>
-            <a:normAutofit fontScale="90000"/>
-          </a:bodyPr>
+          <a:bodyPr/>
           <a:lstStyle/>
           <a:p>
             <a:pPr algn="ctr"/>
             <a:br>
-              <a:rPr lang="en-US" dirty="0"/>
-            </a:br>
-            <a:br>
-              <a:rPr lang="en-US" dirty="0"/>
-            </a:br>
-            <a:br>
-              <a:rPr lang="en-US" dirty="0"/>
-            </a:br>
-            <a:br>
-              <a:rPr lang="en-US" dirty="0"/>
-            </a:br>
-            <a:br>
-              <a:rPr lang="en-US" dirty="0"/>
-            </a:br>
-            <a:br>
-              <a:rPr lang="en-US" dirty="0"/>
-            </a:br>
-            <a:br>
-              <a:rPr lang="en-US" dirty="0"/>
-            </a:br>
-            <a:br>
-              <a:rPr lang="en-US" dirty="0"/>
-            </a:br>
-            <a:br>
-              <a:rPr lang="en-US" dirty="0"/>
-            </a:br>
-            <a:r>
-              <a:rPr lang="en-US" dirty="0">
-                <a:latin typeface="Arial Black" panose="020B0A04020102020204" pitchFamily="34" charset="0"/>
-              </a:rPr>
-              <a:t>ACT 3:</a:t>
-            </a:r>
-            <a:br>
-              <a:rPr lang="en-US" dirty="0">
-                <a:latin typeface="Arial Black" panose="020B0A04020102020204" pitchFamily="34" charset="0"/>
-              </a:rPr>
-            </a:br>
-            <a:br>
-              <a:rPr lang="en-US" dirty="0">
-                <a:latin typeface="Arial Black" panose="020B0A04020102020204" pitchFamily="34" charset="0"/>
-              </a:rPr>
-            </a:br>
-            <a:r>
-              <a:rPr lang="en-US" sz="6100" b="1" dirty="0">
-                <a:latin typeface="Arial Black" panose="020B0A04020102020204" pitchFamily="34" charset="0"/>
-              </a:rPr>
-              <a:t>Critic vs Audience </a:t>
-            </a:r>
-            <a:br>
-              <a:rPr lang="en-US" sz="6100" b="1" dirty="0">
-                <a:latin typeface="Arial Black" panose="020B0A04020102020204" pitchFamily="34" charset="0"/>
-              </a:rPr>
-            </a:br>
-            <a:r>
-              <a:rPr lang="en-US" sz="6100" b="1" dirty="0">
-                <a:latin typeface="Arial Black" panose="020B0A04020102020204" pitchFamily="34" charset="0"/>
-              </a:rPr>
-              <a:t>Rating</a:t>
-            </a:r>
-            <a:br>
-              <a:rPr lang="en-US" sz="6100" b="1" dirty="0">
-                <a:latin typeface="Arial Black" panose="020B0A04020102020204" pitchFamily="34" charset="0"/>
-              </a:rPr>
-            </a:br>
-            <a:r>
-              <a:rPr lang="en-US" sz="6100" b="1" dirty="0">
-                <a:latin typeface="Arial Black" panose="020B0A04020102020204" pitchFamily="34" charset="0"/>
-              </a:rPr>
-              <a:t>Analysis</a:t>
-            </a:r>
-            <a:endParaRPr lang="en-US" sz="6100" b="1" dirty="0">
-              <a:solidFill>
-                <a:schemeClr val="bg1"/>
-              </a:solidFill>
-              <a:latin typeface="Arial Black" panose="020B0A04020102020204" pitchFamily="34" charset="0"/>
-            </a:endParaRPr>
+              <a:rPr lang="en-US" b="1" dirty="0"/>
+            </a:br>
+            <a:r>
+              <a:rPr lang="en-US" b="1" dirty="0"/>
+              <a:t>Findings</a:t>
+            </a:r>
+          </a:p>
+        </p:txBody>
+      </p:sp>
+      <p:sp>
+        <p:nvSpPr>
+          <p:cNvPr id="3" name="Content Placeholder 2">
+            <a:extLst>
+              <a:ext uri="{FF2B5EF4-FFF2-40B4-BE49-F238E27FC236}">
+                <a16:creationId xmlns:a16="http://schemas.microsoft.com/office/drawing/2014/main" id="{087D914D-4279-445E-824B-836F7C22BBF7}"/>
+              </a:ext>
+            </a:extLst>
+          </p:cNvPr>
+          <p:cNvSpPr>
+            <a:spLocks noGrp="1"/>
+          </p:cNvSpPr>
+          <p:nvPr>
+            <p:ph idx="1"/>
+          </p:nvPr>
+        </p:nvSpPr>
+        <p:spPr>
+          <a:noFill/>
+        </p:spPr>
+        <p:txBody>
+          <a:bodyPr/>
+          <a:lstStyle/>
+          <a:p>
+            <a:r>
+              <a:rPr lang="en-US" dirty="0"/>
+              <a:t>“Horror, Mystery &amp; Suspense” has the highest Avg. ROI % (3,395%), and is almost 3 times more than the 2</a:t>
+            </a:r>
+            <a:r>
+              <a:rPr lang="en-US" baseline="30000" dirty="0"/>
+              <a:t>nd</a:t>
+            </a:r>
+            <a:r>
+              <a:rPr lang="en-US" dirty="0"/>
+              <a:t> highest Avg. ROI % Genre Category ,“Drama, Horror, Mystery &amp; Suspense” (1,116%)</a:t>
+            </a:r>
+          </a:p>
+          <a:p>
+            <a:r>
+              <a:rPr lang="en-US"/>
+              <a:t>…….</a:t>
+            </a:r>
+            <a:endParaRPr lang="en-US" dirty="0"/>
+          </a:p>
+          <a:p>
+            <a:endParaRPr lang="en-US" dirty="0"/>
+          </a:p>
+          <a:p>
+            <a:pPr marL="0" indent="0" algn="ctr">
+              <a:buNone/>
+            </a:pPr>
+            <a:r>
+              <a:rPr lang="en-US" sz="3200" dirty="0"/>
+              <a:t>Based on the findings “Horror, Mystery &amp; Suspense” movies (</a:t>
+            </a:r>
+            <a:r>
+              <a:rPr lang="en-US" sz="3200" dirty="0" err="1"/>
+              <a:t>ie</a:t>
+            </a:r>
+            <a:r>
+              <a:rPr lang="en-US" sz="3200" dirty="0"/>
+              <a:t>……..) and “Horror” movies in general are the best investment because of their high avg. ROI and consistently yearly high avg. ROI. </a:t>
+            </a:r>
+          </a:p>
+          <a:p>
+            <a:endParaRPr lang="en-US" dirty="0"/>
           </a:p>
         </p:txBody>
       </p:sp>
     </p:spTree>
     <p:extLst>
       <p:ext uri="{BB962C8B-B14F-4D97-AF65-F5344CB8AC3E}">
-        <p14:creationId xmlns:p14="http://schemas.microsoft.com/office/powerpoint/2010/main" val="2572608704"/>
+        <p14:creationId xmlns:p14="http://schemas.microsoft.com/office/powerpoint/2010/main" val="3382642724"/>
       </p:ext>
     </p:extLst>
   </p:cSld>
@@ -3615,7 +3961,7 @@
 </p:sld>
 </file>
 
-<file path=ppt/slides/slide11.xml><?xml version="1.0" encoding="utf-8"?>
+<file path=ppt/slides/slide13.xml><?xml version="1.0" encoding="utf-8"?>
 <p:sld xmlns:a="http://schemas.openxmlformats.org/drawingml/2006/main" xmlns:r="http://schemas.openxmlformats.org/officeDocument/2006/relationships" xmlns:p="http://schemas.openxmlformats.org/presentationml/2006/main">
   <p:cSld>
     <p:bg>
@@ -3701,21 +4047,34 @@
               <a:rPr lang="en-US" dirty="0">
                 <a:latin typeface="Arial Black" panose="020B0A04020102020204" pitchFamily="34" charset="0"/>
               </a:rPr>
-              <a:t>ACT 4:</a:t>
-            </a:r>
-            <a:br>
-              <a:rPr lang="en-US" sz="8000" dirty="0">
+              <a:t>ACT 3:</a:t>
+            </a:r>
+            <a:br>
+              <a:rPr lang="en-US" dirty="0">
                 <a:latin typeface="Arial Black" panose="020B0A04020102020204" pitchFamily="34" charset="0"/>
               </a:rPr>
             </a:br>
             <a:br>
-              <a:rPr lang="en-US" sz="6100" dirty="0"/>
+              <a:rPr lang="en-US" dirty="0">
+                <a:latin typeface="Arial Black" panose="020B0A04020102020204" pitchFamily="34" charset="0"/>
+              </a:rPr>
             </a:br>
             <a:r>
               <a:rPr lang="en-US" sz="6100" b="1" dirty="0">
                 <a:latin typeface="Arial Black" panose="020B0A04020102020204" pitchFamily="34" charset="0"/>
               </a:rPr>
-              <a:t>Runtime</a:t>
+              <a:t>Critic vs Audience </a:t>
+            </a:r>
+            <a:br>
+              <a:rPr lang="en-US" sz="6100" b="1" dirty="0">
+                <a:latin typeface="Arial Black" panose="020B0A04020102020204" pitchFamily="34" charset="0"/>
+              </a:rPr>
+            </a:br>
+            <a:r>
+              <a:rPr lang="en-US" sz="6100" b="1" dirty="0">
+                <a:latin typeface="Arial Black" panose="020B0A04020102020204" pitchFamily="34" charset="0"/>
+              </a:rPr>
+              <a:t>Rating</a:t>
             </a:r>
             <a:br>
               <a:rPr lang="en-US" sz="6100" b="1" dirty="0">
@@ -3740,194 +4099,7 @@
     </p:spTree>
     <p:extLst>
       <p:ext uri="{BB962C8B-B14F-4D97-AF65-F5344CB8AC3E}">
-        <p14:creationId xmlns:p14="http://schemas.microsoft.com/office/powerpoint/2010/main" val="191506673"/>
-      </p:ext>
-    </p:extLst>
-  </p:cSld>
-  <p:clrMapOvr>
-    <a:masterClrMapping/>
-  </p:clrMapOvr>
-</p:sld>
-</file>
-
-<file path=ppt/slides/slide12.xml><?xml version="1.0" encoding="utf-8"?>
-<p:sld xmlns:a="http://schemas.openxmlformats.org/drawingml/2006/main" xmlns:r="http://schemas.openxmlformats.org/officeDocument/2006/relationships" xmlns:p="http://schemas.openxmlformats.org/presentationml/2006/main">
-  <p:cSld>
-    <p:spTree>
-      <p:nvGrpSpPr>
-        <p:cNvPr id="1" name=""/>
-        <p:cNvGrpSpPr/>
-        <p:nvPr/>
-      </p:nvGrpSpPr>
-      <p:grpSpPr>
-        <a:xfrm>
-          <a:off x="0" y="0"/>
-          <a:ext cx="0" cy="0"/>
-          <a:chOff x="0" y="0"/>
-          <a:chExt cx="0" cy="0"/>
-        </a:xfrm>
-      </p:grpSpPr>
-      <p:sp>
-        <p:nvSpPr>
-          <p:cNvPr id="2" name="Title 1">
-            <a:extLst>
-              <a:ext uri="{FF2B5EF4-FFF2-40B4-BE49-F238E27FC236}">
-                <a16:creationId xmlns:a16="http://schemas.microsoft.com/office/drawing/2014/main" id="{8C564F25-5CD6-4C28-9934-78FFF7F9C221}"/>
-              </a:ext>
-            </a:extLst>
-          </p:cNvPr>
-          <p:cNvSpPr>
-            <a:spLocks noGrp="1"/>
-          </p:cNvSpPr>
-          <p:nvPr>
-            <p:ph type="title"/>
-          </p:nvPr>
-        </p:nvSpPr>
-        <p:spPr/>
-        <p:txBody>
-          <a:bodyPr/>
-          <a:lstStyle/>
-          <a:p>
-            <a:r>
-              <a:rPr lang="en-US" dirty="0"/>
-              <a:t>ROI  vs Runtime</a:t>
-            </a:r>
-          </a:p>
-        </p:txBody>
-      </p:sp>
-      <p:pic>
-        <p:nvPicPr>
-          <p:cNvPr id="5" name="Content Placeholder 4" descr="A screenshot of a cell phone&#10;&#10;Description automatically generated">
-            <a:extLst>
-              <a:ext uri="{FF2B5EF4-FFF2-40B4-BE49-F238E27FC236}">
-                <a16:creationId xmlns:a16="http://schemas.microsoft.com/office/drawing/2014/main" id="{CF85D5CA-F276-435F-BDBA-4325BC33264E}"/>
-              </a:ext>
-            </a:extLst>
-          </p:cNvPr>
-          <p:cNvPicPr>
-            <a:picLocks noGrp="1" noChangeAspect="1"/>
-          </p:cNvPicPr>
-          <p:nvPr>
-            <p:ph idx="1"/>
-          </p:nvPr>
-        </p:nvPicPr>
-        <p:blipFill>
-          <a:blip r:embed="rId2">
-            <a:extLst>
-              <a:ext uri="{28A0092B-C50C-407E-A947-70E740481C1C}">
-                <a14:useLocalDpi xmlns:a14="http://schemas.microsoft.com/office/drawing/2010/main" val="0"/>
-              </a:ext>
-            </a:extLst>
-          </a:blip>
-          <a:stretch>
-            <a:fillRect/>
-          </a:stretch>
-        </p:blipFill>
-        <p:spPr>
-          <a:xfrm>
-            <a:off x="4659366" y="-191794"/>
-            <a:ext cx="7433469" cy="7433469"/>
-          </a:xfrm>
-        </p:spPr>
-      </p:pic>
-    </p:spTree>
-    <p:extLst>
-      <p:ext uri="{BB962C8B-B14F-4D97-AF65-F5344CB8AC3E}">
-        <p14:creationId xmlns:p14="http://schemas.microsoft.com/office/powerpoint/2010/main" val="1709583000"/>
-      </p:ext>
-    </p:extLst>
-  </p:cSld>
-  <p:clrMapOvr>
-    <a:masterClrMapping/>
-  </p:clrMapOvr>
-</p:sld>
-</file>
-
-<file path=ppt/slides/slide13.xml><?xml version="1.0" encoding="utf-8"?>
-<p:sld xmlns:a="http://schemas.openxmlformats.org/drawingml/2006/main" xmlns:r="http://schemas.openxmlformats.org/officeDocument/2006/relationships" xmlns:p="http://schemas.openxmlformats.org/presentationml/2006/main">
-  <p:cSld>
-    <p:spTree>
-      <p:nvGrpSpPr>
-        <p:cNvPr id="1" name=""/>
-        <p:cNvGrpSpPr/>
-        <p:nvPr/>
-      </p:nvGrpSpPr>
-      <p:grpSpPr>
-        <a:xfrm>
-          <a:off x="0" y="0"/>
-          <a:ext cx="0" cy="0"/>
-          <a:chOff x="0" y="0"/>
-          <a:chExt cx="0" cy="0"/>
-        </a:xfrm>
-      </p:grpSpPr>
-      <p:sp>
-        <p:nvSpPr>
-          <p:cNvPr id="2" name="Title 1">
-            <a:extLst>
-              <a:ext uri="{FF2B5EF4-FFF2-40B4-BE49-F238E27FC236}">
-                <a16:creationId xmlns:a16="http://schemas.microsoft.com/office/drawing/2014/main" id="{C6F44AEF-9892-4647-B960-A9C029F74B59}"/>
-              </a:ext>
-            </a:extLst>
-          </p:cNvPr>
-          <p:cNvSpPr>
-            <a:spLocks noGrp="1"/>
-          </p:cNvSpPr>
-          <p:nvPr>
-            <p:ph type="title"/>
-          </p:nvPr>
-        </p:nvSpPr>
-        <p:spPr/>
-        <p:txBody>
-          <a:bodyPr/>
-          <a:lstStyle/>
-          <a:p>
-            <a:r>
-              <a:rPr lang="en-US" dirty="0"/>
-              <a:t>Budget vs Runtime</a:t>
-            </a:r>
-          </a:p>
-        </p:txBody>
-      </p:sp>
-      <p:pic>
-        <p:nvPicPr>
-          <p:cNvPr id="4" name="Picture 3" descr="A picture containing text, drawing&#10;&#10;Description automatically generated">
-            <a:extLst>
-              <a:ext uri="{FF2B5EF4-FFF2-40B4-BE49-F238E27FC236}">
-                <a16:creationId xmlns:a16="http://schemas.microsoft.com/office/drawing/2014/main" id="{18614CAF-2220-4F7D-B5E4-8390394097F2}"/>
-              </a:ext>
-            </a:extLst>
-          </p:cNvPr>
-          <p:cNvPicPr>
-            <a:picLocks noChangeAspect="1"/>
-          </p:cNvPicPr>
-          <p:nvPr/>
-        </p:nvPicPr>
-        <p:blipFill>
-          <a:blip r:embed="rId2">
-            <a:extLst>
-              <a:ext uri="{28A0092B-C50C-407E-A947-70E740481C1C}">
-                <a14:useLocalDpi xmlns:a14="http://schemas.microsoft.com/office/drawing/2010/main" val="0"/>
-              </a:ext>
-            </a:extLst>
-          </a:blip>
-          <a:stretch>
-            <a:fillRect/>
-          </a:stretch>
-        </p:blipFill>
-        <p:spPr>
-          <a:xfrm>
-            <a:off x="5129016" y="-102080"/>
-            <a:ext cx="7467383" cy="7467383"/>
-          </a:xfrm>
-          <a:prstGeom prst="rect">
-            <a:avLst/>
-          </a:prstGeom>
-        </p:spPr>
-      </p:pic>
-    </p:spTree>
-    <p:extLst>
-      <p:ext uri="{BB962C8B-B14F-4D97-AF65-F5344CB8AC3E}">
-        <p14:creationId xmlns:p14="http://schemas.microsoft.com/office/powerpoint/2010/main" val="3304017016"/>
+        <p14:creationId xmlns:p14="http://schemas.microsoft.com/office/powerpoint/2010/main" val="2572608704"/>
       </p:ext>
     </p:extLst>
   </p:cSld>
@@ -4020,6 +4192,328 @@
               <a:rPr lang="en-US" dirty="0"/>
             </a:br>
             <a:r>
+              <a:rPr lang="en-US" dirty="0">
+                <a:latin typeface="Arial Black" panose="020B0A04020102020204" pitchFamily="34" charset="0"/>
+              </a:rPr>
+              <a:t>ACT 4:</a:t>
+            </a:r>
+            <a:br>
+              <a:rPr lang="en-US" sz="8000" dirty="0">
+                <a:latin typeface="Arial Black" panose="020B0A04020102020204" pitchFamily="34" charset="0"/>
+              </a:rPr>
+            </a:br>
+            <a:br>
+              <a:rPr lang="en-US" sz="6100" dirty="0"/>
+            </a:br>
+            <a:r>
+              <a:rPr lang="en-US" sz="6100" b="1" dirty="0">
+                <a:latin typeface="Arial Black" panose="020B0A04020102020204" pitchFamily="34" charset="0"/>
+              </a:rPr>
+              <a:t>Runtime</a:t>
+            </a:r>
+            <a:br>
+              <a:rPr lang="en-US" sz="6100" b="1" dirty="0">
+                <a:latin typeface="Arial Black" panose="020B0A04020102020204" pitchFamily="34" charset="0"/>
+              </a:rPr>
+            </a:br>
+            <a:r>
+              <a:rPr lang="en-US" sz="6100" b="1" dirty="0">
+                <a:latin typeface="Arial Black" panose="020B0A04020102020204" pitchFamily="34" charset="0"/>
+              </a:rPr>
+              <a:t>Analysis</a:t>
+            </a:r>
+            <a:endParaRPr lang="en-US" sz="6100" b="1" dirty="0">
+              <a:solidFill>
+                <a:schemeClr val="bg1"/>
+              </a:solidFill>
+              <a:latin typeface="Arial Black" panose="020B0A04020102020204" pitchFamily="34" charset="0"/>
+            </a:endParaRPr>
+          </a:p>
+        </p:txBody>
+      </p:sp>
+    </p:spTree>
+    <p:extLst>
+      <p:ext uri="{BB962C8B-B14F-4D97-AF65-F5344CB8AC3E}">
+        <p14:creationId xmlns:p14="http://schemas.microsoft.com/office/powerpoint/2010/main" val="191506673"/>
+      </p:ext>
+    </p:extLst>
+  </p:cSld>
+  <p:clrMapOvr>
+    <a:masterClrMapping/>
+  </p:clrMapOvr>
+</p:sld>
+</file>
+
+<file path=ppt/slides/slide15.xml><?xml version="1.0" encoding="utf-8"?>
+<p:sld xmlns:a="http://schemas.openxmlformats.org/drawingml/2006/main" xmlns:r="http://schemas.openxmlformats.org/officeDocument/2006/relationships" xmlns:p="http://schemas.openxmlformats.org/presentationml/2006/main">
+  <p:cSld>
+    <p:spTree>
+      <p:nvGrpSpPr>
+        <p:cNvPr id="1" name=""/>
+        <p:cNvGrpSpPr/>
+        <p:nvPr/>
+      </p:nvGrpSpPr>
+      <p:grpSpPr>
+        <a:xfrm>
+          <a:off x="0" y="0"/>
+          <a:ext cx="0" cy="0"/>
+          <a:chOff x="0" y="0"/>
+          <a:chExt cx="0" cy="0"/>
+        </a:xfrm>
+      </p:grpSpPr>
+      <p:sp>
+        <p:nvSpPr>
+          <p:cNvPr id="2" name="Title 1">
+            <a:extLst>
+              <a:ext uri="{FF2B5EF4-FFF2-40B4-BE49-F238E27FC236}">
+                <a16:creationId xmlns:a16="http://schemas.microsoft.com/office/drawing/2014/main" id="{8C564F25-5CD6-4C28-9934-78FFF7F9C221}"/>
+              </a:ext>
+            </a:extLst>
+          </p:cNvPr>
+          <p:cNvSpPr>
+            <a:spLocks noGrp="1"/>
+          </p:cNvSpPr>
+          <p:nvPr>
+            <p:ph type="title"/>
+          </p:nvPr>
+        </p:nvSpPr>
+        <p:spPr/>
+        <p:txBody>
+          <a:bodyPr/>
+          <a:lstStyle/>
+          <a:p>
+            <a:r>
+              <a:rPr lang="en-US" dirty="0"/>
+              <a:t>ROI  vs Runtime</a:t>
+            </a:r>
+          </a:p>
+        </p:txBody>
+      </p:sp>
+      <p:pic>
+        <p:nvPicPr>
+          <p:cNvPr id="5" name="Content Placeholder 4" descr="A screenshot of a cell phone&#10;&#10;Description automatically generated">
+            <a:extLst>
+              <a:ext uri="{FF2B5EF4-FFF2-40B4-BE49-F238E27FC236}">
+                <a16:creationId xmlns:a16="http://schemas.microsoft.com/office/drawing/2014/main" id="{CF85D5CA-F276-435F-BDBA-4325BC33264E}"/>
+              </a:ext>
+            </a:extLst>
+          </p:cNvPr>
+          <p:cNvPicPr>
+            <a:picLocks noGrp="1" noChangeAspect="1"/>
+          </p:cNvPicPr>
+          <p:nvPr>
+            <p:ph idx="1"/>
+          </p:nvPr>
+        </p:nvPicPr>
+        <p:blipFill>
+          <a:blip r:embed="rId2">
+            <a:extLst>
+              <a:ext uri="{28A0092B-C50C-407E-A947-70E740481C1C}">
+                <a14:useLocalDpi xmlns:a14="http://schemas.microsoft.com/office/drawing/2010/main" val="0"/>
+              </a:ext>
+            </a:extLst>
+          </a:blip>
+          <a:stretch>
+            <a:fillRect/>
+          </a:stretch>
+        </p:blipFill>
+        <p:spPr>
+          <a:xfrm>
+            <a:off x="4659366" y="-191794"/>
+            <a:ext cx="7433469" cy="7433469"/>
+          </a:xfrm>
+        </p:spPr>
+      </p:pic>
+    </p:spTree>
+    <p:extLst>
+      <p:ext uri="{BB962C8B-B14F-4D97-AF65-F5344CB8AC3E}">
+        <p14:creationId xmlns:p14="http://schemas.microsoft.com/office/powerpoint/2010/main" val="1709583000"/>
+      </p:ext>
+    </p:extLst>
+  </p:cSld>
+  <p:clrMapOvr>
+    <a:masterClrMapping/>
+  </p:clrMapOvr>
+</p:sld>
+</file>
+
+<file path=ppt/slides/slide16.xml><?xml version="1.0" encoding="utf-8"?>
+<p:sld xmlns:a="http://schemas.openxmlformats.org/drawingml/2006/main" xmlns:r="http://schemas.openxmlformats.org/officeDocument/2006/relationships" xmlns:p="http://schemas.openxmlformats.org/presentationml/2006/main">
+  <p:cSld>
+    <p:spTree>
+      <p:nvGrpSpPr>
+        <p:cNvPr id="1" name=""/>
+        <p:cNvGrpSpPr/>
+        <p:nvPr/>
+      </p:nvGrpSpPr>
+      <p:grpSpPr>
+        <a:xfrm>
+          <a:off x="0" y="0"/>
+          <a:ext cx="0" cy="0"/>
+          <a:chOff x="0" y="0"/>
+          <a:chExt cx="0" cy="0"/>
+        </a:xfrm>
+      </p:grpSpPr>
+      <p:sp>
+        <p:nvSpPr>
+          <p:cNvPr id="2" name="Title 1">
+            <a:extLst>
+              <a:ext uri="{FF2B5EF4-FFF2-40B4-BE49-F238E27FC236}">
+                <a16:creationId xmlns:a16="http://schemas.microsoft.com/office/drawing/2014/main" id="{C6F44AEF-9892-4647-B960-A9C029F74B59}"/>
+              </a:ext>
+            </a:extLst>
+          </p:cNvPr>
+          <p:cNvSpPr>
+            <a:spLocks noGrp="1"/>
+          </p:cNvSpPr>
+          <p:nvPr>
+            <p:ph type="title"/>
+          </p:nvPr>
+        </p:nvSpPr>
+        <p:spPr/>
+        <p:txBody>
+          <a:bodyPr/>
+          <a:lstStyle/>
+          <a:p>
+            <a:r>
+              <a:rPr lang="en-US" dirty="0"/>
+              <a:t>Budget vs Runtime</a:t>
+            </a:r>
+          </a:p>
+        </p:txBody>
+      </p:sp>
+      <p:pic>
+        <p:nvPicPr>
+          <p:cNvPr id="4" name="Picture 3" descr="A picture containing text, drawing&#10;&#10;Description automatically generated">
+            <a:extLst>
+              <a:ext uri="{FF2B5EF4-FFF2-40B4-BE49-F238E27FC236}">
+                <a16:creationId xmlns:a16="http://schemas.microsoft.com/office/drawing/2014/main" id="{18614CAF-2220-4F7D-B5E4-8390394097F2}"/>
+              </a:ext>
+            </a:extLst>
+          </p:cNvPr>
+          <p:cNvPicPr>
+            <a:picLocks noChangeAspect="1"/>
+          </p:cNvPicPr>
+          <p:nvPr/>
+        </p:nvPicPr>
+        <p:blipFill>
+          <a:blip r:embed="rId2">
+            <a:extLst>
+              <a:ext uri="{28A0092B-C50C-407E-A947-70E740481C1C}">
+                <a14:useLocalDpi xmlns:a14="http://schemas.microsoft.com/office/drawing/2010/main" val="0"/>
+              </a:ext>
+            </a:extLst>
+          </a:blip>
+          <a:stretch>
+            <a:fillRect/>
+          </a:stretch>
+        </p:blipFill>
+        <p:spPr>
+          <a:xfrm>
+            <a:off x="5129016" y="-102080"/>
+            <a:ext cx="7467383" cy="7467383"/>
+          </a:xfrm>
+          <a:prstGeom prst="rect">
+            <a:avLst/>
+          </a:prstGeom>
+        </p:spPr>
+      </p:pic>
+    </p:spTree>
+    <p:extLst>
+      <p:ext uri="{BB962C8B-B14F-4D97-AF65-F5344CB8AC3E}">
+        <p14:creationId xmlns:p14="http://schemas.microsoft.com/office/powerpoint/2010/main" val="3304017016"/>
+      </p:ext>
+    </p:extLst>
+  </p:cSld>
+  <p:clrMapOvr>
+    <a:masterClrMapping/>
+  </p:clrMapOvr>
+</p:sld>
+</file>
+
+<file path=ppt/slides/slide17.xml><?xml version="1.0" encoding="utf-8"?>
+<p:sld xmlns:a="http://schemas.openxmlformats.org/drawingml/2006/main" xmlns:r="http://schemas.openxmlformats.org/officeDocument/2006/relationships" xmlns:p="http://schemas.openxmlformats.org/presentationml/2006/main">
+  <p:cSld>
+    <p:bg>
+      <p:bgPr>
+        <a:blipFill dpi="0" rotWithShape="1">
+          <a:blip r:embed="rId2">
+            <a:lum/>
+          </a:blip>
+          <a:srcRect/>
+          <a:stretch>
+            <a:fillRect t="-18000" b="-18000"/>
+          </a:stretch>
+        </a:blipFill>
+        <a:effectLst/>
+      </p:bgPr>
+    </p:bg>
+    <p:spTree>
+      <p:nvGrpSpPr>
+        <p:cNvPr id="1" name=""/>
+        <p:cNvGrpSpPr/>
+        <p:nvPr/>
+      </p:nvGrpSpPr>
+      <p:grpSpPr>
+        <a:xfrm>
+          <a:off x="0" y="0"/>
+          <a:ext cx="0" cy="0"/>
+          <a:chOff x="0" y="0"/>
+          <a:chExt cx="0" cy="0"/>
+        </a:xfrm>
+      </p:grpSpPr>
+      <p:sp>
+        <p:nvSpPr>
+          <p:cNvPr id="2" name="Title 1">
+            <a:extLst>
+              <a:ext uri="{FF2B5EF4-FFF2-40B4-BE49-F238E27FC236}">
+                <a16:creationId xmlns:a16="http://schemas.microsoft.com/office/drawing/2014/main" id="{70C0E02B-FFF2-43A6-87EA-1B42AF909304}"/>
+              </a:ext>
+            </a:extLst>
+          </p:cNvPr>
+          <p:cNvSpPr>
+            <a:spLocks noGrp="1"/>
+          </p:cNvSpPr>
+          <p:nvPr>
+            <p:ph type="title"/>
+          </p:nvPr>
+        </p:nvSpPr>
+        <p:spPr/>
+        <p:txBody>
+          <a:bodyPr>
+            <a:normAutofit fontScale="90000"/>
+          </a:bodyPr>
+          <a:lstStyle/>
+          <a:p>
+            <a:pPr algn="ctr"/>
+            <a:br>
+              <a:rPr lang="en-US" dirty="0"/>
+            </a:br>
+            <a:br>
+              <a:rPr lang="en-US" dirty="0"/>
+            </a:br>
+            <a:br>
+              <a:rPr lang="en-US" dirty="0"/>
+            </a:br>
+            <a:br>
+              <a:rPr lang="en-US" dirty="0"/>
+            </a:br>
+            <a:br>
+              <a:rPr lang="en-US" dirty="0"/>
+            </a:br>
+            <a:br>
+              <a:rPr lang="en-US" dirty="0"/>
+            </a:br>
+            <a:br>
+              <a:rPr lang="en-US" dirty="0"/>
+            </a:br>
+            <a:br>
+              <a:rPr lang="en-US" dirty="0"/>
+            </a:br>
+            <a:br>
+              <a:rPr lang="en-US" dirty="0"/>
+            </a:br>
+            <a:r>
               <a:rPr lang="en-US" sz="6100" b="1" dirty="0">
                 <a:latin typeface="Arial Black" panose="020B0A04020102020204" pitchFamily="34" charset="0"/>
               </a:rPr>
@@ -4052,7 +4546,7 @@
 </p:sld>
 </file>
 
-<file path=ppt/slides/slide15.xml><?xml version="1.0" encoding="utf-8"?>
+<file path=ppt/slides/slide18.xml><?xml version="1.0" encoding="utf-8"?>
 <p:sld xmlns:a="http://schemas.openxmlformats.org/drawingml/2006/main" xmlns:r="http://schemas.openxmlformats.org/officeDocument/2006/relationships" xmlns:p="http://schemas.openxmlformats.org/presentationml/2006/main">
   <p:cSld>
     <p:bg>
@@ -4168,7 +4662,7 @@
 </p:sld>
 </file>
 
-<file path=ppt/slides/slide16.xml><?xml version="1.0" encoding="utf-8"?>
+<file path=ppt/slides/slide19.xml><?xml version="1.0" encoding="utf-8"?>
 <p:sld xmlns:a="http://schemas.openxmlformats.org/drawingml/2006/main" xmlns:r="http://schemas.openxmlformats.org/officeDocument/2006/relationships" xmlns:p="http://schemas.openxmlformats.org/presentationml/2006/main">
   <p:cSld>
     <p:bg>
@@ -4282,126 +4776,6 @@
     <p:extLst>
       <p:ext uri="{BB962C8B-B14F-4D97-AF65-F5344CB8AC3E}">
         <p14:creationId xmlns:p14="http://schemas.microsoft.com/office/powerpoint/2010/main" val="2458269908"/>
-      </p:ext>
-    </p:extLst>
-  </p:cSld>
-  <p:clrMapOvr>
-    <a:masterClrMapping/>
-  </p:clrMapOvr>
-</p:sld>
-</file>
-
-<file path=ppt/slides/slide17.xml><?xml version="1.0" encoding="utf-8"?>
-<p:sld xmlns:a="http://schemas.openxmlformats.org/drawingml/2006/main" xmlns:r="http://schemas.openxmlformats.org/officeDocument/2006/relationships" xmlns:p="http://schemas.openxmlformats.org/presentationml/2006/main">
-  <p:cSld>
-    <p:bg>
-      <p:bgPr>
-        <a:blipFill dpi="0" rotWithShape="1">
-          <a:blip r:embed="rId2">
-            <a:lum/>
-          </a:blip>
-          <a:srcRect/>
-          <a:stretch>
-            <a:fillRect t="-17000" b="-17000"/>
-          </a:stretch>
-        </a:blipFill>
-        <a:effectLst/>
-      </p:bgPr>
-    </p:bg>
-    <p:spTree>
-      <p:nvGrpSpPr>
-        <p:cNvPr id="1" name=""/>
-        <p:cNvGrpSpPr/>
-        <p:nvPr/>
-      </p:nvGrpSpPr>
-      <p:grpSpPr>
-        <a:xfrm>
-          <a:off x="0" y="0"/>
-          <a:ext cx="0" cy="0"/>
-          <a:chOff x="0" y="0"/>
-          <a:chExt cx="0" cy="0"/>
-        </a:xfrm>
-      </p:grpSpPr>
-      <p:sp>
-        <p:nvSpPr>
-          <p:cNvPr id="2" name="Title 1">
-            <a:extLst>
-              <a:ext uri="{FF2B5EF4-FFF2-40B4-BE49-F238E27FC236}">
-                <a16:creationId xmlns:a16="http://schemas.microsoft.com/office/drawing/2014/main" id="{B25748F9-2367-47F9-961C-B8F5427D5420}"/>
-              </a:ext>
-            </a:extLst>
-          </p:cNvPr>
-          <p:cNvSpPr>
-            <a:spLocks noGrp="1"/>
-          </p:cNvSpPr>
-          <p:nvPr>
-            <p:ph type="title"/>
-          </p:nvPr>
-        </p:nvSpPr>
-        <p:spPr/>
-        <p:txBody>
-          <a:bodyPr/>
-          <a:lstStyle/>
-          <a:p>
-            <a:r>
-              <a:rPr lang="en-US" dirty="0"/>
-              <a:t> </a:t>
-            </a:r>
-          </a:p>
-        </p:txBody>
-      </p:sp>
-      <p:sp>
-        <p:nvSpPr>
-          <p:cNvPr id="3" name="Content Placeholder 2">
-            <a:extLst>
-              <a:ext uri="{FF2B5EF4-FFF2-40B4-BE49-F238E27FC236}">
-                <a16:creationId xmlns:a16="http://schemas.microsoft.com/office/drawing/2014/main" id="{A25AC3A2-B41F-4905-99C5-D0F77D215056}"/>
-              </a:ext>
-            </a:extLst>
-          </p:cNvPr>
-          <p:cNvSpPr>
-            <a:spLocks noGrp="1"/>
-          </p:cNvSpPr>
-          <p:nvPr>
-            <p:ph idx="1"/>
-          </p:nvPr>
-        </p:nvSpPr>
-        <p:spPr/>
-        <p:txBody>
-          <a:bodyPr/>
-          <a:lstStyle/>
-          <a:p>
-            <a:r>
-              <a:rPr lang="en-US" dirty="0"/>
-              <a:t>     </a:t>
-            </a:r>
-          </a:p>
-          <a:p>
-            <a:endParaRPr lang="en-US" dirty="0"/>
-          </a:p>
-          <a:p>
-            <a:endParaRPr lang="en-US" dirty="0"/>
-          </a:p>
-          <a:p>
-            <a:pPr marL="0" indent="0" algn="ctr">
-              <a:buNone/>
-            </a:pPr>
-            <a:r>
-              <a:rPr lang="en-US" sz="9600" b="1" dirty="0">
-                <a:solidFill>
-                  <a:schemeClr val="bg1"/>
-                </a:solidFill>
-                <a:latin typeface="Arial Black" panose="020B0A04020102020204" pitchFamily="34" charset="0"/>
-              </a:rPr>
-              <a:t>Q &amp; A</a:t>
-            </a:r>
-          </a:p>
-        </p:txBody>
-      </p:sp>
-    </p:spTree>
-    <p:extLst>
-      <p:ext uri="{BB962C8B-B14F-4D97-AF65-F5344CB8AC3E}">
-        <p14:creationId xmlns:p14="http://schemas.microsoft.com/office/powerpoint/2010/main" val="3698691496"/>
       </p:ext>
     </p:extLst>
   </p:cSld>
@@ -4559,6 +4933,126 @@
     <p:extLst>
       <p:ext uri="{BB962C8B-B14F-4D97-AF65-F5344CB8AC3E}">
         <p14:creationId xmlns:p14="http://schemas.microsoft.com/office/powerpoint/2010/main" val="3771756054"/>
+      </p:ext>
+    </p:extLst>
+  </p:cSld>
+  <p:clrMapOvr>
+    <a:masterClrMapping/>
+  </p:clrMapOvr>
+</p:sld>
+</file>
+
+<file path=ppt/slides/slide20.xml><?xml version="1.0" encoding="utf-8"?>
+<p:sld xmlns:a="http://schemas.openxmlformats.org/drawingml/2006/main" xmlns:r="http://schemas.openxmlformats.org/officeDocument/2006/relationships" xmlns:p="http://schemas.openxmlformats.org/presentationml/2006/main">
+  <p:cSld>
+    <p:bg>
+      <p:bgPr>
+        <a:blipFill dpi="0" rotWithShape="1">
+          <a:blip r:embed="rId2">
+            <a:lum/>
+          </a:blip>
+          <a:srcRect/>
+          <a:stretch>
+            <a:fillRect t="-17000" b="-17000"/>
+          </a:stretch>
+        </a:blipFill>
+        <a:effectLst/>
+      </p:bgPr>
+    </p:bg>
+    <p:spTree>
+      <p:nvGrpSpPr>
+        <p:cNvPr id="1" name=""/>
+        <p:cNvGrpSpPr/>
+        <p:nvPr/>
+      </p:nvGrpSpPr>
+      <p:grpSpPr>
+        <a:xfrm>
+          <a:off x="0" y="0"/>
+          <a:ext cx="0" cy="0"/>
+          <a:chOff x="0" y="0"/>
+          <a:chExt cx="0" cy="0"/>
+        </a:xfrm>
+      </p:grpSpPr>
+      <p:sp>
+        <p:nvSpPr>
+          <p:cNvPr id="2" name="Title 1">
+            <a:extLst>
+              <a:ext uri="{FF2B5EF4-FFF2-40B4-BE49-F238E27FC236}">
+                <a16:creationId xmlns:a16="http://schemas.microsoft.com/office/drawing/2014/main" id="{B25748F9-2367-47F9-961C-B8F5427D5420}"/>
+              </a:ext>
+            </a:extLst>
+          </p:cNvPr>
+          <p:cNvSpPr>
+            <a:spLocks noGrp="1"/>
+          </p:cNvSpPr>
+          <p:nvPr>
+            <p:ph type="title"/>
+          </p:nvPr>
+        </p:nvSpPr>
+        <p:spPr/>
+        <p:txBody>
+          <a:bodyPr/>
+          <a:lstStyle/>
+          <a:p>
+            <a:r>
+              <a:rPr lang="en-US" dirty="0"/>
+              <a:t> </a:t>
+            </a:r>
+          </a:p>
+        </p:txBody>
+      </p:sp>
+      <p:sp>
+        <p:nvSpPr>
+          <p:cNvPr id="3" name="Content Placeholder 2">
+            <a:extLst>
+              <a:ext uri="{FF2B5EF4-FFF2-40B4-BE49-F238E27FC236}">
+                <a16:creationId xmlns:a16="http://schemas.microsoft.com/office/drawing/2014/main" id="{A25AC3A2-B41F-4905-99C5-D0F77D215056}"/>
+              </a:ext>
+            </a:extLst>
+          </p:cNvPr>
+          <p:cNvSpPr>
+            <a:spLocks noGrp="1"/>
+          </p:cNvSpPr>
+          <p:nvPr>
+            <p:ph idx="1"/>
+          </p:nvPr>
+        </p:nvSpPr>
+        <p:spPr/>
+        <p:txBody>
+          <a:bodyPr/>
+          <a:lstStyle/>
+          <a:p>
+            <a:r>
+              <a:rPr lang="en-US" dirty="0"/>
+              <a:t>     </a:t>
+            </a:r>
+          </a:p>
+          <a:p>
+            <a:endParaRPr lang="en-US" dirty="0"/>
+          </a:p>
+          <a:p>
+            <a:endParaRPr lang="en-US" dirty="0"/>
+          </a:p>
+          <a:p>
+            <a:pPr marL="0" indent="0" algn="ctr">
+              <a:buNone/>
+            </a:pPr>
+            <a:r>
+              <a:rPr lang="en-US" sz="9600" b="1" dirty="0">
+                <a:solidFill>
+                  <a:schemeClr val="bg1"/>
+                </a:solidFill>
+                <a:latin typeface="Arial Black" panose="020B0A04020102020204" pitchFamily="34" charset="0"/>
+              </a:rPr>
+              <a:t>Q &amp; A</a:t>
+            </a:r>
+          </a:p>
+        </p:txBody>
+      </p:sp>
+    </p:spTree>
+    <p:extLst>
+      <p:ext uri="{BB962C8B-B14F-4D97-AF65-F5344CB8AC3E}">
+        <p14:creationId xmlns:p14="http://schemas.microsoft.com/office/powerpoint/2010/main" val="3698691496"/>
       </p:ext>
     </p:extLst>
   </p:cSld>

--- a/Project 1 Presentation.pptx
+++ b/Project 1 Presentation.pptx
@@ -278,7 +278,7 @@
           <a:p>
             <a:fld id="{7F3A2633-CE2D-4284-AED7-B04551D23CDA}" type="datetimeFigureOut">
               <a:rPr lang="en-US" smtClean="0"/>
-              <a:t>12/3/2019</a:t>
+              <a:t>12/4/2019</a:t>
             </a:fld>
             <a:endParaRPr lang="en-US"/>
           </a:p>
@@ -476,7 +476,7 @@
           <a:p>
             <a:fld id="{7F3A2633-CE2D-4284-AED7-B04551D23CDA}" type="datetimeFigureOut">
               <a:rPr lang="en-US" smtClean="0"/>
-              <a:t>12/3/2019</a:t>
+              <a:t>12/4/2019</a:t>
             </a:fld>
             <a:endParaRPr lang="en-US"/>
           </a:p>
@@ -684,7 +684,7 @@
           <a:p>
             <a:fld id="{7F3A2633-CE2D-4284-AED7-B04551D23CDA}" type="datetimeFigureOut">
               <a:rPr lang="en-US" smtClean="0"/>
-              <a:t>12/3/2019</a:t>
+              <a:t>12/4/2019</a:t>
             </a:fld>
             <a:endParaRPr lang="en-US"/>
           </a:p>
@@ -882,7 +882,7 @@
           <a:p>
             <a:fld id="{7F3A2633-CE2D-4284-AED7-B04551D23CDA}" type="datetimeFigureOut">
               <a:rPr lang="en-US" smtClean="0"/>
-              <a:t>12/3/2019</a:t>
+              <a:t>12/4/2019</a:t>
             </a:fld>
             <a:endParaRPr lang="en-US"/>
           </a:p>
@@ -1157,7 +1157,7 @@
           <a:p>
             <a:fld id="{7F3A2633-CE2D-4284-AED7-B04551D23CDA}" type="datetimeFigureOut">
               <a:rPr lang="en-US" smtClean="0"/>
-              <a:t>12/3/2019</a:t>
+              <a:t>12/4/2019</a:t>
             </a:fld>
             <a:endParaRPr lang="en-US"/>
           </a:p>
@@ -1422,7 +1422,7 @@
           <a:p>
             <a:fld id="{7F3A2633-CE2D-4284-AED7-B04551D23CDA}" type="datetimeFigureOut">
               <a:rPr lang="en-US" smtClean="0"/>
-              <a:t>12/3/2019</a:t>
+              <a:t>12/4/2019</a:t>
             </a:fld>
             <a:endParaRPr lang="en-US"/>
           </a:p>
@@ -1834,7 +1834,7 @@
           <a:p>
             <a:fld id="{7F3A2633-CE2D-4284-AED7-B04551D23CDA}" type="datetimeFigureOut">
               <a:rPr lang="en-US" smtClean="0"/>
-              <a:t>12/3/2019</a:t>
+              <a:t>12/4/2019</a:t>
             </a:fld>
             <a:endParaRPr lang="en-US"/>
           </a:p>
@@ -1975,7 +1975,7 @@
           <a:p>
             <a:fld id="{7F3A2633-CE2D-4284-AED7-B04551D23CDA}" type="datetimeFigureOut">
               <a:rPr lang="en-US" smtClean="0"/>
-              <a:t>12/3/2019</a:t>
+              <a:t>12/4/2019</a:t>
             </a:fld>
             <a:endParaRPr lang="en-US"/>
           </a:p>
@@ -2088,7 +2088,7 @@
           <a:p>
             <a:fld id="{7F3A2633-CE2D-4284-AED7-B04551D23CDA}" type="datetimeFigureOut">
               <a:rPr lang="en-US" smtClean="0"/>
-              <a:t>12/3/2019</a:t>
+              <a:t>12/4/2019</a:t>
             </a:fld>
             <a:endParaRPr lang="en-US"/>
           </a:p>
@@ -2399,7 +2399,7 @@
           <a:p>
             <a:fld id="{7F3A2633-CE2D-4284-AED7-B04551D23CDA}" type="datetimeFigureOut">
               <a:rPr lang="en-US" smtClean="0"/>
-              <a:t>12/3/2019</a:t>
+              <a:t>12/4/2019</a:t>
             </a:fld>
             <a:endParaRPr lang="en-US"/>
           </a:p>
@@ -2687,7 +2687,7 @@
           <a:p>
             <a:fld id="{7F3A2633-CE2D-4284-AED7-B04551D23CDA}" type="datetimeFigureOut">
               <a:rPr lang="en-US" smtClean="0"/>
-              <a:t>12/3/2019</a:t>
+              <a:t>12/4/2019</a:t>
             </a:fld>
             <a:endParaRPr lang="en-US"/>
           </a:p>
@@ -2928,7 +2928,7 @@
           <a:p>
             <a:fld id="{7F3A2633-CE2D-4284-AED7-B04551D23CDA}" type="datetimeFigureOut">
               <a:rPr lang="en-US" smtClean="0"/>
-              <a:t>12/3/2019</a:t>
+              <a:t>12/4/2019</a:t>
             </a:fld>
             <a:endParaRPr lang="en-US"/>
           </a:p>
@@ -4632,19 +4632,47 @@
           <a:p>
             <a:r>
               <a:rPr lang="en-US" dirty="0"/>
-              <a:t>Point 1</a:t>
-            </a:r>
-          </a:p>
-          <a:p>
-            <a:r>
-              <a:rPr lang="en-US" dirty="0"/>
-              <a:t>Point 2</a:t>
-            </a:r>
-          </a:p>
-          <a:p>
-            <a:r>
-              <a:rPr lang="en-US" dirty="0"/>
-              <a:t>Point 3</a:t>
+              <a:t>Based on the analysis ran the best criteria to generate the best ROI for movies:</a:t>
+            </a:r>
+          </a:p>
+          <a:p>
+            <a:pPr lvl="1"/>
+            <a:r>
+              <a:rPr lang="en-US" dirty="0"/>
+              <a:t>R rated </a:t>
+            </a:r>
+          </a:p>
+          <a:p>
+            <a:pPr lvl="1"/>
+            <a:r>
+              <a:rPr lang="en-US" dirty="0"/>
+              <a:t>Horror, Mystery &amp; Suspense</a:t>
+            </a:r>
+          </a:p>
+          <a:p>
+            <a:pPr lvl="1"/>
+            <a:r>
+              <a:rPr lang="en-US" dirty="0"/>
+              <a:t>Critic Rating between ???</a:t>
+            </a:r>
+          </a:p>
+          <a:p>
+            <a:pPr lvl="1"/>
+            <a:r>
+              <a:rPr lang="en-US" dirty="0"/>
+              <a:t>Audience </a:t>
+            </a:r>
+            <a:r>
+              <a:rPr lang="en-US"/>
+              <a:t>Rating between ???</a:t>
+            </a:r>
+            <a:endParaRPr lang="en-US" dirty="0"/>
+          </a:p>
+          <a:p>
+            <a:pPr lvl="1"/>
+            <a:r>
+              <a:rPr lang="en-US" dirty="0"/>
+              <a:t>Run time close to 90 minutes</a:t>
             </a:r>
           </a:p>
         </p:txBody>
@@ -4754,21 +4782,39 @@
           <a:p>
             <a:r>
               <a:rPr lang="en-US" dirty="0"/>
-              <a:t>Data source issues, then the API’s didn’t have everything, had timing/count issues</a:t>
-            </a:r>
-          </a:p>
-          <a:p>
-            <a:r>
-              <a:rPr lang="en-US" dirty="0"/>
-              <a:t>Would like to have reviewed in more depth why the movie rating versus the ROI fluctuated year over year?</a:t>
+              <a:t>Data source issues, the API’s didn’t have everything, had timing/count issues so found the Rotten Tomatoes on Kaggle – relying on someone else’s research/accuracy</a:t>
+            </a:r>
+          </a:p>
+          <a:p>
+            <a:r>
+              <a:rPr lang="en-US" dirty="0"/>
+              <a:t>Would like to have reviewed in more depth:</a:t>
             </a:r>
           </a:p>
           <a:p>
             <a:pPr lvl="1"/>
             <a:r>
               <a:rPr lang="en-US" dirty="0"/>
+              <a:t>Why the movie rating versus the ROI fluctuated year over year?</a:t>
+            </a:r>
+          </a:p>
+          <a:p>
+            <a:pPr lvl="1"/>
+            <a:r>
+              <a:rPr lang="en-US" dirty="0"/>
               <a:t>Were there other factors influencing the ROI?</a:t>
             </a:r>
+          </a:p>
+          <a:p>
+            <a:pPr lvl="1"/>
+            <a:r>
+              <a:rPr lang="en-US" dirty="0"/>
+              <a:t>Does plot have any significance?</a:t>
+            </a:r>
+          </a:p>
+          <a:p>
+            <a:pPr lvl="1"/>
+            <a:endParaRPr lang="en-US" dirty="0"/>
           </a:p>
         </p:txBody>
       </p:sp>

--- a/Project 1 Presentation.pptx
+++ b/Project 1 Presentation.pptx
@@ -5570,75 +5570,95 @@
           <a:chExt cx="0" cy="0"/>
         </a:xfrm>
       </p:grpSpPr>
+      <p:sp>
+        <p:nvSpPr>
+          <p:cNvPr id="15" name="Title 14">
+            <a:extLst>
+              <a:ext uri="{FF2B5EF4-FFF2-40B4-BE49-F238E27FC236}">
+                <a16:creationId xmlns:a16="http://schemas.microsoft.com/office/drawing/2014/main" id="{7ABD325A-BFA5-4CEB-AB12-3A214E3B5C64}"/>
+              </a:ext>
+            </a:extLst>
+          </p:cNvPr>
+          <p:cNvSpPr>
+            <a:spLocks noGrp="1"/>
+          </p:cNvSpPr>
+          <p:nvPr>
+            <p:ph type="title"/>
+          </p:nvPr>
+        </p:nvSpPr>
+        <p:spPr>
+          <a:xfrm>
+            <a:off x="839788" y="365125"/>
+            <a:ext cx="10515600" cy="1325563"/>
+          </a:xfrm>
+        </p:spPr>
+        <p:txBody>
+          <a:bodyPr/>
+          <a:lstStyle/>
+          <a:p>
+            <a:pPr algn="ctr"/>
+            <a:r>
+              <a:rPr lang="en-US" b="1" dirty="0"/>
+              <a:t>Compare of movies, by rating and year</a:t>
+            </a:r>
+          </a:p>
+        </p:txBody>
+      </p:sp>
+      <p:sp>
+        <p:nvSpPr>
+          <p:cNvPr id="3" name="Content Placeholder 2">
+            <a:extLst>
+              <a:ext uri="{FF2B5EF4-FFF2-40B4-BE49-F238E27FC236}">
+                <a16:creationId xmlns:a16="http://schemas.microsoft.com/office/drawing/2014/main" id="{FF40EF4E-CFD8-44A5-8195-6044D389EA7D}"/>
+              </a:ext>
+            </a:extLst>
+          </p:cNvPr>
+          <p:cNvSpPr>
+            <a:spLocks noGrp="1"/>
+          </p:cNvSpPr>
+          <p:nvPr>
+            <p:ph sz="half" idx="2"/>
+          </p:nvPr>
+        </p:nvSpPr>
+        <p:spPr/>
+        <p:txBody>
+          <a:bodyPr/>
+          <a:lstStyle/>
+          <a:p>
+            <a:endParaRPr lang="en-US"/>
+          </a:p>
+        </p:txBody>
+      </p:sp>
       <p:pic>
         <p:nvPicPr>
-          <p:cNvPr id="8" name="Content Placeholder 7" descr="A close up of a map&#10;&#10;Description automatically generated">
-            <a:extLst>
-              <a:ext uri="{FF2B5EF4-FFF2-40B4-BE49-F238E27FC236}">
-                <a16:creationId xmlns:a16="http://schemas.microsoft.com/office/drawing/2014/main" id="{0B7BE1D6-1C78-453D-8956-83F80D267369}"/>
+          <p:cNvPr id="4" name="Picture 3">
+            <a:extLst>
+              <a:ext uri="{FF2B5EF4-FFF2-40B4-BE49-F238E27FC236}">
+                <a16:creationId xmlns:a16="http://schemas.microsoft.com/office/drawing/2014/main" id="{BE94BC83-DC4A-4B6A-85B2-2E097ECAC021}"/>
               </a:ext>
             </a:extLst>
           </p:cNvPr>
           <p:cNvPicPr>
-            <a:picLocks noGrp="1" noChangeAspect="1"/>
+            <a:picLocks noChangeAspect="1"/>
           </p:cNvPicPr>
-          <p:nvPr>
-            <p:ph sz="half" idx="2"/>
-          </p:nvPr>
+          <p:nvPr/>
         </p:nvPicPr>
         <p:blipFill>
-          <a:blip r:embed="rId2">
-            <a:extLst>
-              <a:ext uri="{28A0092B-C50C-407E-A947-70E740481C1C}">
-                <a14:useLocalDpi xmlns:a14="http://schemas.microsoft.com/office/drawing/2010/main" val="0"/>
-              </a:ext>
-            </a:extLst>
-          </a:blip>
+          <a:blip r:embed="rId2"/>
           <a:stretch>
             <a:fillRect/>
           </a:stretch>
         </p:blipFill>
         <p:spPr>
           <a:xfrm>
-            <a:off x="-835025" y="2217208"/>
-            <a:ext cx="14112875" cy="4704291"/>
+            <a:off x="0" y="2505075"/>
+            <a:ext cx="12106275" cy="4543881"/>
           </a:xfrm>
+          <a:prstGeom prst="rect">
+            <a:avLst/>
+          </a:prstGeom>
         </p:spPr>
       </p:pic>
-      <p:sp>
-        <p:nvSpPr>
-          <p:cNvPr id="15" name="Title 14">
-            <a:extLst>
-              <a:ext uri="{FF2B5EF4-FFF2-40B4-BE49-F238E27FC236}">
-                <a16:creationId xmlns:a16="http://schemas.microsoft.com/office/drawing/2014/main" id="{7ABD325A-BFA5-4CEB-AB12-3A214E3B5C64}"/>
-              </a:ext>
-            </a:extLst>
-          </p:cNvPr>
-          <p:cNvSpPr>
-            <a:spLocks noGrp="1"/>
-          </p:cNvSpPr>
-          <p:nvPr>
-            <p:ph type="title"/>
-          </p:nvPr>
-        </p:nvSpPr>
-        <p:spPr>
-          <a:xfrm>
-            <a:off x="839788" y="365125"/>
-            <a:ext cx="10515600" cy="1325563"/>
-          </a:xfrm>
-        </p:spPr>
-        <p:txBody>
-          <a:bodyPr/>
-          <a:lstStyle/>
-          <a:p>
-            <a:pPr algn="ctr"/>
-            <a:r>
-              <a:rPr lang="en-US" b="1" dirty="0"/>
-              <a:t>Compare of movies, by rating and year</a:t>
-            </a:r>
-          </a:p>
-        </p:txBody>
-      </p:sp>
     </p:spTree>
     <p:extLst>
       <p:ext uri="{BB962C8B-B14F-4D97-AF65-F5344CB8AC3E}">
@@ -5687,7 +5707,7 @@
         </p:nvSpPr>
         <p:spPr>
           <a:xfrm>
-            <a:off x="839788" y="365125"/>
+            <a:off x="858838" y="365125"/>
             <a:ext cx="10515600" cy="1325563"/>
           </a:xfrm>
         </p:spPr>
@@ -5703,39 +5723,59 @@
           </a:p>
         </p:txBody>
       </p:sp>
+      <p:sp>
+        <p:nvSpPr>
+          <p:cNvPr id="3" name="Content Placeholder 2">
+            <a:extLst>
+              <a:ext uri="{FF2B5EF4-FFF2-40B4-BE49-F238E27FC236}">
+                <a16:creationId xmlns:a16="http://schemas.microsoft.com/office/drawing/2014/main" id="{93570829-F157-4DF7-B840-9852380C4FCF}"/>
+              </a:ext>
+            </a:extLst>
+          </p:cNvPr>
+          <p:cNvSpPr>
+            <a:spLocks noGrp="1"/>
+          </p:cNvSpPr>
+          <p:nvPr>
+            <p:ph sz="half" idx="2"/>
+          </p:nvPr>
+        </p:nvSpPr>
+        <p:spPr/>
+        <p:txBody>
+          <a:bodyPr/>
+          <a:lstStyle/>
+          <a:p>
+            <a:endParaRPr lang="en-US"/>
+          </a:p>
+        </p:txBody>
+      </p:sp>
       <p:pic>
         <p:nvPicPr>
-          <p:cNvPr id="5" name="Content Placeholder 4" descr="A close up of a piece of paper&#10;&#10;Description automatically generated">
-            <a:extLst>
-              <a:ext uri="{FF2B5EF4-FFF2-40B4-BE49-F238E27FC236}">
-                <a16:creationId xmlns:a16="http://schemas.microsoft.com/office/drawing/2014/main" id="{F01595AF-3015-4641-9370-AE9EBCADBDFB}"/>
+          <p:cNvPr id="4" name="Picture 3">
+            <a:extLst>
+              <a:ext uri="{FF2B5EF4-FFF2-40B4-BE49-F238E27FC236}">
+                <a16:creationId xmlns:a16="http://schemas.microsoft.com/office/drawing/2014/main" id="{0E6D797B-AA85-461D-AC64-F033564F498D}"/>
               </a:ext>
             </a:extLst>
           </p:cNvPr>
           <p:cNvPicPr>
-            <a:picLocks noGrp="1" noChangeAspect="1"/>
+            <a:picLocks noChangeAspect="1"/>
           </p:cNvPicPr>
-          <p:nvPr>
-            <p:ph sz="half" idx="2"/>
-          </p:nvPr>
+          <p:nvPr/>
         </p:nvPicPr>
         <p:blipFill>
-          <a:blip r:embed="rId2">
-            <a:extLst>
-              <a:ext uri="{28A0092B-C50C-407E-A947-70E740481C1C}">
-                <a14:useLocalDpi xmlns:a14="http://schemas.microsoft.com/office/drawing/2010/main" val="0"/>
-              </a:ext>
-            </a:extLst>
-          </a:blip>
+          <a:blip r:embed="rId2"/>
           <a:stretch>
             <a:fillRect/>
           </a:stretch>
         </p:blipFill>
         <p:spPr>
           <a:xfrm>
-            <a:off x="-636587" y="2162174"/>
-            <a:ext cx="13830305" cy="4610101"/>
+            <a:off x="0" y="2314575"/>
+            <a:ext cx="12074306" cy="4349750"/>
           </a:xfrm>
+          <a:prstGeom prst="rect">
+            <a:avLst/>
+          </a:prstGeom>
         </p:spPr>
       </p:pic>
     </p:spTree>

--- a/Project 1 Presentation.pptx
+++ b/Project 1 Presentation.pptx
@@ -18,9 +18,9 @@
     <p:sldId id="275" r:id="rId12"/>
     <p:sldId id="276" r:id="rId13"/>
     <p:sldId id="268" r:id="rId14"/>
-    <p:sldId id="269" r:id="rId15"/>
-    <p:sldId id="272" r:id="rId16"/>
-    <p:sldId id="271" r:id="rId17"/>
+    <p:sldId id="277" r:id="rId15"/>
+    <p:sldId id="269" r:id="rId16"/>
+    <p:sldId id="272" r:id="rId17"/>
     <p:sldId id="270" r:id="rId18"/>
     <p:sldId id="263" r:id="rId19"/>
     <p:sldId id="265" r:id="rId20"/>
@@ -4112,6 +4112,350 @@
 <file path=ppt/slides/slide14.xml><?xml version="1.0" encoding="utf-8"?>
 <p:sld xmlns:a="http://schemas.openxmlformats.org/drawingml/2006/main" xmlns:r="http://schemas.openxmlformats.org/officeDocument/2006/relationships" xmlns:p="http://schemas.openxmlformats.org/presentationml/2006/main">
   <p:cSld>
+    <p:spTree>
+      <p:nvGrpSpPr>
+        <p:cNvPr id="1" name=""/>
+        <p:cNvGrpSpPr/>
+        <p:nvPr/>
+      </p:nvGrpSpPr>
+      <p:grpSpPr>
+        <a:xfrm>
+          <a:off x="0" y="0"/>
+          <a:ext cx="0" cy="0"/>
+          <a:chOff x="0" y="0"/>
+          <a:chExt cx="0" cy="0"/>
+        </a:xfrm>
+      </p:grpSpPr>
+      <p:pic>
+        <p:nvPicPr>
+          <p:cNvPr id="2" name="Content Placeholder 7" descr="A picture containing drawing&#10;&#10;Description automatically generated">
+            <a:extLst>
+              <a:ext uri="{FF2B5EF4-FFF2-40B4-BE49-F238E27FC236}">
+                <a16:creationId xmlns:a16="http://schemas.microsoft.com/office/drawing/2014/main" id="{444B89AC-D7D5-4307-81A3-A9F99457A7CF}"/>
+              </a:ext>
+            </a:extLst>
+          </p:cNvPr>
+          <p:cNvPicPr>
+            <a:picLocks noChangeAspect="1"/>
+          </p:cNvPicPr>
+          <p:nvPr/>
+        </p:nvPicPr>
+        <p:blipFill>
+          <a:blip r:embed="rId2">
+            <a:extLst>
+              <a:ext uri="{28A0092B-C50C-407E-A947-70E740481C1C}">
+                <a14:useLocalDpi xmlns:a14="http://schemas.microsoft.com/office/drawing/2010/main" val="0"/>
+              </a:ext>
+            </a:extLst>
+          </a:blip>
+          <a:stretch>
+            <a:fillRect/>
+          </a:stretch>
+        </p:blipFill>
+        <p:spPr>
+          <a:xfrm>
+            <a:off x="-235977" y="838806"/>
+            <a:ext cx="7929552" cy="2378864"/>
+          </a:xfrm>
+          <a:prstGeom prst="rect">
+            <a:avLst/>
+          </a:prstGeom>
+        </p:spPr>
+      </p:pic>
+      <p:sp>
+        <p:nvSpPr>
+          <p:cNvPr id="3" name="Text Placeholder 4">
+            <a:extLst>
+              <a:ext uri="{FF2B5EF4-FFF2-40B4-BE49-F238E27FC236}">
+                <a16:creationId xmlns:a16="http://schemas.microsoft.com/office/drawing/2014/main" id="{5DCB1217-9AD2-4E43-A598-BD6FB5B1182F}"/>
+              </a:ext>
+            </a:extLst>
+          </p:cNvPr>
+          <p:cNvSpPr txBox="1">
+            <a:spLocks/>
+          </p:cNvSpPr>
+          <p:nvPr/>
+        </p:nvSpPr>
+        <p:spPr>
+          <a:xfrm>
+            <a:off x="7693575" y="365125"/>
+            <a:ext cx="3661812" cy="6127750"/>
+          </a:xfrm>
+          <a:prstGeom prst="rect">
+            <a:avLst/>
+          </a:prstGeom>
+        </p:spPr>
+        <p:txBody>
+          <a:bodyPr/>
+          <a:lstStyle>
+            <a:lvl1pPr marL="228600" indent="-228600" algn="l" defTabSz="914400" rtl="0" eaLnBrk="1" latinLnBrk="0" hangingPunct="1">
+              <a:lnSpc>
+                <a:spcPct val="90000"/>
+              </a:lnSpc>
+              <a:spcBef>
+                <a:spcPts val="1000"/>
+              </a:spcBef>
+              <a:buFont typeface="Arial" panose="020B0604020202020204" pitchFamily="34" charset="0"/>
+              <a:buChar char="•"/>
+              <a:defRPr sz="2800" kern="1200">
+                <a:solidFill>
+                  <a:schemeClr val="tx1"/>
+                </a:solidFill>
+                <a:latin typeface="+mn-lt"/>
+                <a:ea typeface="+mn-ea"/>
+                <a:cs typeface="+mn-cs"/>
+              </a:defRPr>
+            </a:lvl1pPr>
+            <a:lvl2pPr marL="685800" indent="-228600" algn="l" defTabSz="914400" rtl="0" eaLnBrk="1" latinLnBrk="0" hangingPunct="1">
+              <a:lnSpc>
+                <a:spcPct val="90000"/>
+              </a:lnSpc>
+              <a:spcBef>
+                <a:spcPts val="500"/>
+              </a:spcBef>
+              <a:buFont typeface="Arial" panose="020B0604020202020204" pitchFamily="34" charset="0"/>
+              <a:buChar char="•"/>
+              <a:defRPr sz="2400" kern="1200">
+                <a:solidFill>
+                  <a:schemeClr val="tx1"/>
+                </a:solidFill>
+                <a:latin typeface="+mn-lt"/>
+                <a:ea typeface="+mn-ea"/>
+                <a:cs typeface="+mn-cs"/>
+              </a:defRPr>
+            </a:lvl2pPr>
+            <a:lvl3pPr marL="1143000" indent="-228600" algn="l" defTabSz="914400" rtl="0" eaLnBrk="1" latinLnBrk="0" hangingPunct="1">
+              <a:lnSpc>
+                <a:spcPct val="90000"/>
+              </a:lnSpc>
+              <a:spcBef>
+                <a:spcPts val="500"/>
+              </a:spcBef>
+              <a:buFont typeface="Arial" panose="020B0604020202020204" pitchFamily="34" charset="0"/>
+              <a:buChar char="•"/>
+              <a:defRPr sz="2000" kern="1200">
+                <a:solidFill>
+                  <a:schemeClr val="tx1"/>
+                </a:solidFill>
+                <a:latin typeface="+mn-lt"/>
+                <a:ea typeface="+mn-ea"/>
+                <a:cs typeface="+mn-cs"/>
+              </a:defRPr>
+            </a:lvl3pPr>
+            <a:lvl4pPr marL="1600200" indent="-228600" algn="l" defTabSz="914400" rtl="0" eaLnBrk="1" latinLnBrk="0" hangingPunct="1">
+              <a:lnSpc>
+                <a:spcPct val="90000"/>
+              </a:lnSpc>
+              <a:spcBef>
+                <a:spcPts val="500"/>
+              </a:spcBef>
+              <a:buFont typeface="Arial" panose="020B0604020202020204" pitchFamily="34" charset="0"/>
+              <a:buChar char="•"/>
+              <a:defRPr sz="1800" kern="1200">
+                <a:solidFill>
+                  <a:schemeClr val="tx1"/>
+                </a:solidFill>
+                <a:latin typeface="+mn-lt"/>
+                <a:ea typeface="+mn-ea"/>
+                <a:cs typeface="+mn-cs"/>
+              </a:defRPr>
+            </a:lvl4pPr>
+            <a:lvl5pPr marL="2057400" indent="-228600" algn="l" defTabSz="914400" rtl="0" eaLnBrk="1" latinLnBrk="0" hangingPunct="1">
+              <a:lnSpc>
+                <a:spcPct val="90000"/>
+              </a:lnSpc>
+              <a:spcBef>
+                <a:spcPts val="500"/>
+              </a:spcBef>
+              <a:buFont typeface="Arial" panose="020B0604020202020204" pitchFamily="34" charset="0"/>
+              <a:buChar char="•"/>
+              <a:defRPr sz="1800" kern="1200">
+                <a:solidFill>
+                  <a:schemeClr val="tx1"/>
+                </a:solidFill>
+                <a:latin typeface="+mn-lt"/>
+                <a:ea typeface="+mn-ea"/>
+                <a:cs typeface="+mn-cs"/>
+              </a:defRPr>
+            </a:lvl5pPr>
+            <a:lvl6pPr marL="2514600" indent="-228600" algn="l" defTabSz="914400" rtl="0" eaLnBrk="1" latinLnBrk="0" hangingPunct="1">
+              <a:lnSpc>
+                <a:spcPct val="90000"/>
+              </a:lnSpc>
+              <a:spcBef>
+                <a:spcPts val="500"/>
+              </a:spcBef>
+              <a:buFont typeface="Arial" panose="020B0604020202020204" pitchFamily="34" charset="0"/>
+              <a:buChar char="•"/>
+              <a:defRPr sz="1800" kern="1200">
+                <a:solidFill>
+                  <a:schemeClr val="tx1"/>
+                </a:solidFill>
+                <a:latin typeface="+mn-lt"/>
+                <a:ea typeface="+mn-ea"/>
+                <a:cs typeface="+mn-cs"/>
+              </a:defRPr>
+            </a:lvl6pPr>
+            <a:lvl7pPr marL="2971800" indent="-228600" algn="l" defTabSz="914400" rtl="0" eaLnBrk="1" latinLnBrk="0" hangingPunct="1">
+              <a:lnSpc>
+                <a:spcPct val="90000"/>
+              </a:lnSpc>
+              <a:spcBef>
+                <a:spcPts val="500"/>
+              </a:spcBef>
+              <a:buFont typeface="Arial" panose="020B0604020202020204" pitchFamily="34" charset="0"/>
+              <a:buChar char="•"/>
+              <a:defRPr sz="1800" kern="1200">
+                <a:solidFill>
+                  <a:schemeClr val="tx1"/>
+                </a:solidFill>
+                <a:latin typeface="+mn-lt"/>
+                <a:ea typeface="+mn-ea"/>
+                <a:cs typeface="+mn-cs"/>
+              </a:defRPr>
+            </a:lvl7pPr>
+            <a:lvl8pPr marL="3429000" indent="-228600" algn="l" defTabSz="914400" rtl="0" eaLnBrk="1" latinLnBrk="0" hangingPunct="1">
+              <a:lnSpc>
+                <a:spcPct val="90000"/>
+              </a:lnSpc>
+              <a:spcBef>
+                <a:spcPts val="500"/>
+              </a:spcBef>
+              <a:buFont typeface="Arial" panose="020B0604020202020204" pitchFamily="34" charset="0"/>
+              <a:buChar char="•"/>
+              <a:defRPr sz="1800" kern="1200">
+                <a:solidFill>
+                  <a:schemeClr val="tx1"/>
+                </a:solidFill>
+                <a:latin typeface="+mn-lt"/>
+                <a:ea typeface="+mn-ea"/>
+                <a:cs typeface="+mn-cs"/>
+              </a:defRPr>
+            </a:lvl8pPr>
+            <a:lvl9pPr marL="3886200" indent="-228600" algn="l" defTabSz="914400" rtl="0" eaLnBrk="1" latinLnBrk="0" hangingPunct="1">
+              <a:lnSpc>
+                <a:spcPct val="90000"/>
+              </a:lnSpc>
+              <a:spcBef>
+                <a:spcPts val="500"/>
+              </a:spcBef>
+              <a:buFont typeface="Arial" panose="020B0604020202020204" pitchFamily="34" charset="0"/>
+              <a:buChar char="•"/>
+              <a:defRPr sz="1800" kern="1200">
+                <a:solidFill>
+                  <a:schemeClr val="tx1"/>
+                </a:solidFill>
+                <a:latin typeface="+mn-lt"/>
+                <a:ea typeface="+mn-ea"/>
+                <a:cs typeface="+mn-cs"/>
+              </a:defRPr>
+            </a:lvl9pPr>
+          </a:lstStyle>
+          <a:p>
+            <a:pPr marL="0" indent="0">
+              <a:buNone/>
+            </a:pPr>
+            <a:r>
+              <a:rPr lang="en-US" dirty="0"/>
+              <a:t>Critic and Audience </a:t>
+            </a:r>
+          </a:p>
+          <a:p>
+            <a:pPr marL="0" indent="0">
+              <a:buNone/>
+            </a:pPr>
+            <a:r>
+              <a:rPr lang="en-US" dirty="0"/>
+              <a:t>Rating comparison</a:t>
+            </a:r>
+          </a:p>
+          <a:p>
+            <a:endParaRPr lang="en-US" dirty="0"/>
+          </a:p>
+          <a:p>
+            <a:endParaRPr lang="en-US" dirty="0"/>
+          </a:p>
+          <a:p>
+            <a:endParaRPr lang="en-US" dirty="0"/>
+          </a:p>
+          <a:p>
+            <a:endParaRPr lang="en-US" dirty="0"/>
+          </a:p>
+          <a:p>
+            <a:endParaRPr lang="en-US" dirty="0"/>
+          </a:p>
+          <a:p>
+            <a:endParaRPr lang="en-US" dirty="0"/>
+          </a:p>
+          <a:p>
+            <a:endParaRPr lang="en-US" dirty="0"/>
+          </a:p>
+          <a:p>
+            <a:endParaRPr lang="en-US" dirty="0"/>
+          </a:p>
+          <a:p>
+            <a:endParaRPr lang="en-US" dirty="0"/>
+          </a:p>
+          <a:p>
+            <a:endParaRPr lang="en-US" dirty="0"/>
+          </a:p>
+          <a:p>
+            <a:endParaRPr lang="en-US" dirty="0"/>
+          </a:p>
+        </p:txBody>
+      </p:sp>
+      <p:pic>
+        <p:nvPicPr>
+          <p:cNvPr id="4" name="Content Placeholder 9" descr="A screenshot of a social media post&#10;&#10;Description automatically generated">
+            <a:extLst>
+              <a:ext uri="{FF2B5EF4-FFF2-40B4-BE49-F238E27FC236}">
+                <a16:creationId xmlns:a16="http://schemas.microsoft.com/office/drawing/2014/main" id="{B1101A2D-52B7-4795-A6C6-5EA316DDC67C}"/>
+              </a:ext>
+            </a:extLst>
+          </p:cNvPr>
+          <p:cNvPicPr>
+            <a:picLocks noChangeAspect="1"/>
+          </p:cNvPicPr>
+          <p:nvPr/>
+        </p:nvPicPr>
+        <p:blipFill>
+          <a:blip r:embed="rId3">
+            <a:extLst>
+              <a:ext uri="{28A0092B-C50C-407E-A947-70E740481C1C}">
+                <a14:useLocalDpi xmlns:a14="http://schemas.microsoft.com/office/drawing/2010/main" val="0"/>
+              </a:ext>
+            </a:extLst>
+          </a:blip>
+          <a:stretch>
+            <a:fillRect/>
+          </a:stretch>
+        </p:blipFill>
+        <p:spPr>
+          <a:xfrm>
+            <a:off x="-235977" y="3691351"/>
+            <a:ext cx="8018929" cy="2405678"/>
+          </a:xfrm>
+          <a:prstGeom prst="rect">
+            <a:avLst/>
+          </a:prstGeom>
+        </p:spPr>
+      </p:pic>
+    </p:spTree>
+    <p:extLst>
+      <p:ext uri="{BB962C8B-B14F-4D97-AF65-F5344CB8AC3E}">
+        <p14:creationId xmlns:p14="http://schemas.microsoft.com/office/powerpoint/2010/main" val="2605537319"/>
+      </p:ext>
+    </p:extLst>
+  </p:cSld>
+  <p:clrMapOvr>
+    <a:masterClrMapping/>
+  </p:clrMapOvr>
+</p:sld>
+</file>
+
+<file path=ppt/slides/slide15.xml><?xml version="1.0" encoding="utf-8"?>
+<p:sld xmlns:a="http://schemas.openxmlformats.org/drawingml/2006/main" xmlns:r="http://schemas.openxmlformats.org/officeDocument/2006/relationships" xmlns:p="http://schemas.openxmlformats.org/presentationml/2006/main">
+  <p:cSld>
     <p:bg>
       <p:bgPr>
         <a:blipFill dpi="0" rotWithShape="1">
@@ -4244,99 +4588,6 @@
 </p:sld>
 </file>
 
-<file path=ppt/slides/slide15.xml><?xml version="1.0" encoding="utf-8"?>
-<p:sld xmlns:a="http://schemas.openxmlformats.org/drawingml/2006/main" xmlns:r="http://schemas.openxmlformats.org/officeDocument/2006/relationships" xmlns:p="http://schemas.openxmlformats.org/presentationml/2006/main">
-  <p:cSld>
-    <p:spTree>
-      <p:nvGrpSpPr>
-        <p:cNvPr id="1" name=""/>
-        <p:cNvGrpSpPr/>
-        <p:nvPr/>
-      </p:nvGrpSpPr>
-      <p:grpSpPr>
-        <a:xfrm>
-          <a:off x="0" y="0"/>
-          <a:ext cx="0" cy="0"/>
-          <a:chOff x="0" y="0"/>
-          <a:chExt cx="0" cy="0"/>
-        </a:xfrm>
-      </p:grpSpPr>
-      <p:sp>
-        <p:nvSpPr>
-          <p:cNvPr id="2" name="Title 1">
-            <a:extLst>
-              <a:ext uri="{FF2B5EF4-FFF2-40B4-BE49-F238E27FC236}">
-                <a16:creationId xmlns:a16="http://schemas.microsoft.com/office/drawing/2014/main" id="{8C564F25-5CD6-4C28-9934-78FFF7F9C221}"/>
-              </a:ext>
-            </a:extLst>
-          </p:cNvPr>
-          <p:cNvSpPr>
-            <a:spLocks noGrp="1"/>
-          </p:cNvSpPr>
-          <p:nvPr>
-            <p:ph type="title"/>
-          </p:nvPr>
-        </p:nvSpPr>
-        <p:spPr/>
-        <p:txBody>
-          <a:bodyPr/>
-          <a:lstStyle/>
-          <a:p>
-            <a:r>
-              <a:rPr lang="en-US" dirty="0"/>
-              <a:t>ROI  vs Runtime</a:t>
-            </a:r>
-          </a:p>
-        </p:txBody>
-      </p:sp>
-      <p:pic>
-        <p:nvPicPr>
-          <p:cNvPr id="5" name="Content Placeholder 4" descr="A screenshot of a cell phone&#10;&#10;Description automatically generated">
-            <a:extLst>
-              <a:ext uri="{FF2B5EF4-FFF2-40B4-BE49-F238E27FC236}">
-                <a16:creationId xmlns:a16="http://schemas.microsoft.com/office/drawing/2014/main" id="{CF85D5CA-F276-435F-BDBA-4325BC33264E}"/>
-              </a:ext>
-            </a:extLst>
-          </p:cNvPr>
-          <p:cNvPicPr>
-            <a:picLocks noGrp="1" noChangeAspect="1"/>
-          </p:cNvPicPr>
-          <p:nvPr>
-            <p:ph idx="1"/>
-          </p:nvPr>
-        </p:nvPicPr>
-        <p:blipFill>
-          <a:blip r:embed="rId2">
-            <a:extLst>
-              <a:ext uri="{28A0092B-C50C-407E-A947-70E740481C1C}">
-                <a14:useLocalDpi xmlns:a14="http://schemas.microsoft.com/office/drawing/2010/main" val="0"/>
-              </a:ext>
-            </a:extLst>
-          </a:blip>
-          <a:stretch>
-            <a:fillRect/>
-          </a:stretch>
-        </p:blipFill>
-        <p:spPr>
-          <a:xfrm>
-            <a:off x="4659366" y="-191794"/>
-            <a:ext cx="7433469" cy="7433469"/>
-          </a:xfrm>
-        </p:spPr>
-      </p:pic>
-    </p:spTree>
-    <p:extLst>
-      <p:ext uri="{BB962C8B-B14F-4D97-AF65-F5344CB8AC3E}">
-        <p14:creationId xmlns:p14="http://schemas.microsoft.com/office/powerpoint/2010/main" val="1709583000"/>
-      </p:ext>
-    </p:extLst>
-  </p:cSld>
-  <p:clrMapOvr>
-    <a:masterClrMapping/>
-  </p:clrMapOvr>
-</p:sld>
-</file>
-
 <file path=ppt/slides/slide16.xml><?xml version="1.0" encoding="utf-8"?>
 <p:sld xmlns:a="http://schemas.openxmlformats.org/drawingml/2006/main" xmlns:r="http://schemas.openxmlformats.org/officeDocument/2006/relationships" xmlns:p="http://schemas.openxmlformats.org/presentationml/2006/main">
   <p:cSld>
@@ -4359,7 +4610,7 @@
           <p:cNvPr id="2" name="Title 1">
             <a:extLst>
               <a:ext uri="{FF2B5EF4-FFF2-40B4-BE49-F238E27FC236}">
-                <a16:creationId xmlns:a16="http://schemas.microsoft.com/office/drawing/2014/main" id="{C6F44AEF-9892-4647-B960-A9C029F74B59}"/>
+                <a16:creationId xmlns:a16="http://schemas.microsoft.com/office/drawing/2014/main" id="{8C564F25-5CD6-4C28-9934-78FFF7F9C221}"/>
               </a:ext>
             </a:extLst>
           </p:cNvPr>
@@ -4377,24 +4628,26 @@
           <a:p>
             <a:r>
               <a:rPr lang="en-US" dirty="0"/>
-              <a:t>Budget vs Runtime</a:t>
+              <a:t>ROI  vs Runtime &amp; Budget</a:t>
             </a:r>
           </a:p>
         </p:txBody>
       </p:sp>
       <p:pic>
         <p:nvPicPr>
-          <p:cNvPr id="4" name="Picture 3" descr="A picture containing text, drawing&#10;&#10;Description automatically generated">
-            <a:extLst>
-              <a:ext uri="{FF2B5EF4-FFF2-40B4-BE49-F238E27FC236}">
-                <a16:creationId xmlns:a16="http://schemas.microsoft.com/office/drawing/2014/main" id="{18614CAF-2220-4F7D-B5E4-8390394097F2}"/>
+          <p:cNvPr id="7" name="Content Placeholder 6" descr="A screenshot of a cell phone&#10;&#10;Description automatically generated">
+            <a:extLst>
+              <a:ext uri="{FF2B5EF4-FFF2-40B4-BE49-F238E27FC236}">
+                <a16:creationId xmlns:a16="http://schemas.microsoft.com/office/drawing/2014/main" id="{0DACCDF1-BA71-431B-B9C8-C12E5E96CC90}"/>
               </a:ext>
             </a:extLst>
           </p:cNvPr>
           <p:cNvPicPr>
-            <a:picLocks noChangeAspect="1"/>
+            <a:picLocks noGrp="1" noChangeAspect="1"/>
           </p:cNvPicPr>
-          <p:nvPr/>
+          <p:nvPr>
+            <p:ph idx="1"/>
+          </p:nvPr>
         </p:nvPicPr>
         <p:blipFill>
           <a:blip r:embed="rId2">
@@ -4410,8 +4663,41 @@
         </p:blipFill>
         <p:spPr>
           <a:xfrm>
-            <a:off x="5129016" y="-102080"/>
-            <a:ext cx="7467383" cy="7467383"/>
+            <a:off x="253206" y="1253331"/>
+            <a:ext cx="5652294" cy="5652294"/>
+          </a:xfrm>
+        </p:spPr>
+      </p:pic>
+      <p:pic>
+        <p:nvPicPr>
+          <p:cNvPr id="13" name="Picture 12" descr="A picture containing text, drawing&#10;&#10;Description automatically generated">
+            <a:extLst>
+              <a:ext uri="{FF2B5EF4-FFF2-40B4-BE49-F238E27FC236}">
+                <a16:creationId xmlns:a16="http://schemas.microsoft.com/office/drawing/2014/main" id="{234AF9CD-CCFC-4BD1-A6AE-4DEECD8E37C5}"/>
+              </a:ext>
+            </a:extLst>
+          </p:cNvPr>
+          <p:cNvPicPr>
+            <a:picLocks noChangeAspect="1"/>
+          </p:cNvPicPr>
+          <p:nvPr/>
+        </p:nvPicPr>
+        <p:blipFill>
+          <a:blip r:embed="rId3">
+            <a:extLst>
+              <a:ext uri="{28A0092B-C50C-407E-A947-70E740481C1C}">
+                <a14:useLocalDpi xmlns:a14="http://schemas.microsoft.com/office/drawing/2010/main" val="0"/>
+              </a:ext>
+            </a:extLst>
+          </a:blip>
+          <a:stretch>
+            <a:fillRect/>
+          </a:stretch>
+        </p:blipFill>
+        <p:spPr>
+          <a:xfrm>
+            <a:off x="5657850" y="1253331"/>
+            <a:ext cx="6115050" cy="6115050"/>
           </a:xfrm>
           <a:prstGeom prst="rect">
             <a:avLst/>
@@ -4421,7 +4707,7 @@
     </p:spTree>
     <p:extLst>
       <p:ext uri="{BB962C8B-B14F-4D97-AF65-F5344CB8AC3E}">
-        <p14:creationId xmlns:p14="http://schemas.microsoft.com/office/powerpoint/2010/main" val="3304017016"/>
+        <p14:creationId xmlns:p14="http://schemas.microsoft.com/office/powerpoint/2010/main" val="1709583000"/>
       </p:ext>
     </p:extLst>
   </p:cSld>
@@ -4646,27 +4932,22 @@
             <a:pPr lvl="1"/>
             <a:r>
               <a:rPr lang="en-US" dirty="0"/>
-              <a:t>Horror, Mystery &amp; Suspense</a:t>
+              <a:t>Drama, Horror, Mystery &amp; Suspense</a:t>
             </a:r>
           </a:p>
           <a:p>
             <a:pPr lvl="1"/>
             <a:r>
               <a:rPr lang="en-US" dirty="0"/>
-              <a:t>Critic Rating between ???</a:t>
+              <a:t>Critic Rating between 80-100</a:t>
             </a:r>
           </a:p>
           <a:p>
             <a:pPr lvl="1"/>
             <a:r>
               <a:rPr lang="en-US" dirty="0"/>
-              <a:t>Audience </a:t>
-            </a:r>
-            <a:r>
-              <a:rPr lang="en-US"/>
-              <a:t>Rating between ???</a:t>
-            </a:r>
-            <a:endParaRPr lang="en-US" dirty="0"/>
+              <a:t>Audience Rating between 70-90</a:t>
+            </a:r>
           </a:p>
           <a:p>
             <a:pPr lvl="1"/>

--- a/Project 1 Presentation.pptx
+++ b/Project 1 Presentation.pptx
@@ -14,9 +14,9 @@
     <p:sldId id="258" r:id="rId8"/>
     <p:sldId id="259" r:id="rId9"/>
     <p:sldId id="267" r:id="rId10"/>
-    <p:sldId id="274" r:id="rId11"/>
-    <p:sldId id="275" r:id="rId12"/>
-    <p:sldId id="276" r:id="rId13"/>
+    <p:sldId id="278" r:id="rId11"/>
+    <p:sldId id="279" r:id="rId12"/>
+    <p:sldId id="280" r:id="rId13"/>
     <p:sldId id="268" r:id="rId14"/>
     <p:sldId id="277" r:id="rId15"/>
     <p:sldId id="269" r:id="rId16"/>
@@ -3473,14 +3473,6 @@
 <file path=ppt/slides/slide10.xml><?xml version="1.0" encoding="utf-8"?>
 <p:sld xmlns:a="http://schemas.openxmlformats.org/drawingml/2006/main" xmlns:r="http://schemas.openxmlformats.org/officeDocument/2006/relationships" xmlns:p="http://schemas.openxmlformats.org/presentationml/2006/main">
   <p:cSld>
-    <p:bg>
-      <p:bgPr>
-        <a:solidFill>
-          <a:schemeClr val="bg1"/>
-        </a:solidFill>
-        <a:effectLst/>
-      </p:bgPr>
-    </p:bg>
     <p:spTree>
       <p:nvGrpSpPr>
         <p:cNvPr id="1" name=""/>
@@ -3500,7 +3492,7 @@
           <p:cNvPr id="2" name="Title 1">
             <a:extLst>
               <a:ext uri="{FF2B5EF4-FFF2-40B4-BE49-F238E27FC236}">
-                <a16:creationId xmlns:a16="http://schemas.microsoft.com/office/drawing/2014/main" id="{F88635BA-D820-4D58-A345-4D056E7E98E9}"/>
+                <a16:creationId xmlns:a16="http://schemas.microsoft.com/office/drawing/2014/main" id="{4D70E4F1-D5B4-4BFD-BB6B-B655AED1D6EC}"/>
               </a:ext>
             </a:extLst>
           </p:cNvPr>
@@ -3510,55 +3502,81 @@
           <p:nvPr>
             <p:ph type="title"/>
           </p:nvPr>
+        </p:nvSpPr>
+        <p:spPr/>
+        <p:txBody>
+          <a:bodyPr/>
+          <a:lstStyle/>
+          <a:p>
+            <a:r>
+              <a:rPr lang="en-US" dirty="0"/>
+              <a:t> </a:t>
+            </a:r>
+          </a:p>
+        </p:txBody>
+      </p:sp>
+      <p:sp>
+        <p:nvSpPr>
+          <p:cNvPr id="4" name="Title 1">
+            <a:extLst>
+              <a:ext uri="{FF2B5EF4-FFF2-40B4-BE49-F238E27FC236}">
+                <a16:creationId xmlns:a16="http://schemas.microsoft.com/office/drawing/2014/main" id="{A5474D01-492A-4D13-A0FB-9B6C19BE9D37}"/>
+              </a:ext>
+            </a:extLst>
+          </p:cNvPr>
+          <p:cNvSpPr txBox="1">
+            <a:spLocks/>
+          </p:cNvSpPr>
+          <p:nvPr/>
         </p:nvSpPr>
         <p:spPr>
           <a:xfrm>
             <a:off x="838199" y="291090"/>
             <a:ext cx="10515599" cy="654046"/>
           </a:xfrm>
+          <a:prstGeom prst="rect">
+            <a:avLst/>
+          </a:prstGeom>
         </p:spPr>
         <p:txBody>
           <a:bodyPr vert="horz" lIns="91440" tIns="45720" rIns="91440" bIns="45720" rtlCol="0" anchor="b">
-            <a:normAutofit fontScale="90000"/>
+            <a:normAutofit fontScale="90000" lnSpcReduction="10000"/>
           </a:bodyPr>
-          <a:lstStyle/>
-          <a:p>
-            <a:pPr algn="ctr"/>
-            <a:r>
-              <a:rPr lang="en-US" sz="4800" kern="1200" dirty="0">
+          <a:lstStyle>
+            <a:lvl1pPr algn="l" defTabSz="914400" rtl="0" eaLnBrk="1" latinLnBrk="0" hangingPunct="1">
+              <a:lnSpc>
+                <a:spcPct val="90000"/>
+              </a:lnSpc>
+              <a:spcBef>
+                <a:spcPct val="0"/>
+              </a:spcBef>
+              <a:buNone/>
+              <a:defRPr sz="4400" kern="1200">
                 <a:solidFill>
                   <a:schemeClr val="tx1"/>
                 </a:solidFill>
                 <a:latin typeface="+mj-lt"/>
                 <a:ea typeface="+mj-ea"/>
                 <a:cs typeface="+mj-cs"/>
-              </a:rPr>
-              <a:t>Top 5 Movie Genres </a:t>
-            </a:r>
-            <a:r>
-              <a:rPr lang="en-US" sz="4800" dirty="0"/>
-              <a:t>with</a:t>
-            </a:r>
-            <a:r>
-              <a:rPr lang="en-US" sz="4800" kern="1200" dirty="0">
-                <a:solidFill>
-                  <a:schemeClr val="tx1"/>
-                </a:solidFill>
-                <a:latin typeface="+mj-lt"/>
-                <a:ea typeface="+mj-ea"/>
-                <a:cs typeface="+mj-cs"/>
-              </a:rPr>
-              <a:t> Highest Avg ROI</a:t>
-            </a:r>
+              </a:defRPr>
+            </a:lvl1pPr>
+          </a:lstStyle>
+          <a:p>
+            <a:pPr algn="ctr"/>
+            <a:r>
+              <a:rPr lang="en-US" sz="4800"/>
+              <a:t>Top 10 Movie Genres with Highest Avg ROI</a:t>
+            </a:r>
+            <a:endParaRPr lang="en-US" sz="4800" dirty="0"/>
           </a:p>
         </p:txBody>
       </p:sp>
       <p:pic>
         <p:nvPicPr>
-          <p:cNvPr id="4" name="Picture 3" descr="A screenshot of a cell phone&#10;&#10;Description automatically generated">
-            <a:extLst>
-              <a:ext uri="{FF2B5EF4-FFF2-40B4-BE49-F238E27FC236}">
-                <a16:creationId xmlns:a16="http://schemas.microsoft.com/office/drawing/2014/main" id="{B843A7C3-63E1-42A5-B7E1-41265234846D}"/>
+          <p:cNvPr id="5" name="Picture 4" descr="A screenshot of a social media post&#10;&#10;Description automatically generated">
+            <a:extLst>
+              <a:ext uri="{FF2B5EF4-FFF2-40B4-BE49-F238E27FC236}">
+                <a16:creationId xmlns:a16="http://schemas.microsoft.com/office/drawing/2014/main" id="{BA7F916C-5575-4F14-A7F7-5980E59ECEE6}"/>
               </a:ext>
             </a:extLst>
           </p:cNvPr>
@@ -3581,8 +3599,8 @@
         </p:blipFill>
         <p:spPr>
           <a:xfrm>
-            <a:off x="1296675" y="1190968"/>
-            <a:ext cx="9813803" cy="4440746"/>
+            <a:off x="397916" y="1224426"/>
+            <a:ext cx="8285073" cy="3751222"/>
           </a:xfrm>
           <a:prstGeom prst="rect">
             <a:avLst/>
@@ -3592,24 +3610,203 @@
               <a:shade val="85000"/>
             </a:srgbClr>
           </a:solidFill>
+          <a:ln w="88900" cap="sq">
+            <a:solidFill>
+              <a:srgbClr val="FFFFFF"/>
+            </a:solidFill>
+            <a:miter lim="800000"/>
+          </a:ln>
+          <a:effectLst>
+            <a:outerShdw blurRad="55000" dist="18000" dir="5400000" algn="tl" rotWithShape="0">
+              <a:srgbClr val="000000">
+                <a:alpha val="40000"/>
+              </a:srgbClr>
+            </a:outerShdw>
+          </a:effectLst>
           <a:scene3d>
             <a:camera prst="orthographicFront"/>
             <a:lightRig rig="twoPt" dir="t">
-              <a:rot lat="0" lon="0" rev="7800000"/>
+              <a:rot lat="0" lon="0" rev="7200000"/>
             </a:lightRig>
           </a:scene3d>
-          <a:sp3d contourW="6350">
-            <a:bevelT w="50800" h="16510"/>
+          <a:sp3d>
+            <a:bevelT w="25400" h="19050"/>
             <a:contourClr>
-              <a:srgbClr val="C0C0C0"/>
+              <a:srgbClr val="FFFFFF"/>
             </a:contourClr>
           </a:sp3d>
+        </p:spPr>
+      </p:pic>
+      <p:sp>
+        <p:nvSpPr>
+          <p:cNvPr id="6" name="Rectangle 3">
+            <a:extLst>
+              <a:ext uri="{FF2B5EF4-FFF2-40B4-BE49-F238E27FC236}">
+                <a16:creationId xmlns:a16="http://schemas.microsoft.com/office/drawing/2014/main" id="{1C7761F3-111E-4C76-B71F-213DED139959}"/>
+              </a:ext>
+            </a:extLst>
+          </p:cNvPr>
+          <p:cNvSpPr>
+            <a:spLocks noChangeArrowheads="1"/>
+          </p:cNvSpPr>
+          <p:nvPr/>
+        </p:nvSpPr>
+        <p:spPr bwMode="auto">
+          <a:xfrm>
+            <a:off x="838200" y="3817938"/>
+            <a:ext cx="12192000" cy="0"/>
+          </a:xfrm>
+          <a:prstGeom prst="rect">
+            <a:avLst/>
+          </a:prstGeom>
+          <a:noFill/>
+          <a:ln>
+            <a:noFill/>
+          </a:ln>
+          <a:effectLst/>
+          <a:extLst>
+            <a:ext uri="{909E8E84-426E-40DD-AFC4-6F175D3DCCD1}">
+              <a14:hiddenFill xmlns:a14="http://schemas.microsoft.com/office/drawing/2010/main">
+                <a:solidFill>
+                  <a:schemeClr val="accent1"/>
+                </a:solidFill>
+              </a14:hiddenFill>
+            </a:ext>
+            <a:ext uri="{91240B29-F687-4F45-9708-019B960494DF}">
+              <a14:hiddenLine xmlns:a14="http://schemas.microsoft.com/office/drawing/2010/main" w="9525">
+                <a:solidFill>
+                  <a:schemeClr val="tx1"/>
+                </a:solidFill>
+                <a:miter lim="800000"/>
+                <a:headEnd/>
+                <a:tailEnd/>
+              </a14:hiddenLine>
+            </a:ext>
+            <a:ext uri="{AF507438-7753-43E0-B8FC-AC1667EBCBE1}">
+              <a14:hiddenEffects xmlns:a14="http://schemas.microsoft.com/office/drawing/2010/main">
+                <a:effectLst>
+                  <a:outerShdw dist="35921" dir="2700000" algn="ctr" rotWithShape="0">
+                    <a:schemeClr val="bg2"/>
+                  </a:outerShdw>
+                </a:effectLst>
+              </a14:hiddenEffects>
+            </a:ext>
+          </a:extLst>
+        </p:spPr>
+        <p:txBody>
+          <a:bodyPr vert="horz" wrap="none" lIns="91440" tIns="45720" rIns="91440" bIns="45720" numCol="1" anchor="ctr" anchorCtr="0" compatLnSpc="1">
+            <a:prstTxWarp prst="textNoShape">
+              <a:avLst/>
+            </a:prstTxWarp>
+            <a:spAutoFit/>
+          </a:bodyPr>
+          <a:lstStyle/>
+          <a:p>
+            <a:pPr marL="0" marR="0" lvl="0" indent="0" algn="l" defTabSz="914400" rtl="0" eaLnBrk="0" fontAlgn="base" latinLnBrk="0" hangingPunct="0">
+              <a:lnSpc>
+                <a:spcPct val="100000"/>
+              </a:lnSpc>
+              <a:spcBef>
+                <a:spcPct val="0"/>
+              </a:spcBef>
+              <a:spcAft>
+                <a:spcPct val="0"/>
+              </a:spcAft>
+              <a:buClrTx/>
+              <a:buSzTx/>
+              <a:buFontTx/>
+              <a:buNone/>
+              <a:tabLst/>
+            </a:pPr>
+            <a:br>
+              <a:rPr kumimoji="0" lang="en-US" altLang="en-US" sz="1800" b="0" i="0" u="none" strike="noStrike" cap="none" normalizeH="0" baseline="0">
+                <a:ln>
+                  <a:noFill/>
+                </a:ln>
+                <a:solidFill>
+                  <a:schemeClr val="tx1"/>
+                </a:solidFill>
+                <a:effectLst/>
+                <a:latin typeface="Arial" panose="020B0604020202020204" pitchFamily="34" charset="0"/>
+              </a:rPr>
+            </a:br>
+            <a:endParaRPr kumimoji="0" lang="en-US" altLang="en-US" sz="1800" b="0" i="0" u="none" strike="noStrike" cap="none" normalizeH="0" baseline="0">
+              <a:ln>
+                <a:noFill/>
+              </a:ln>
+              <a:solidFill>
+                <a:schemeClr val="tx1"/>
+              </a:solidFill>
+              <a:effectLst/>
+              <a:latin typeface="Arial" panose="020B0604020202020204" pitchFamily="34" charset="0"/>
+            </a:endParaRPr>
+          </a:p>
+        </p:txBody>
+      </p:sp>
+      <p:pic>
+        <p:nvPicPr>
+          <p:cNvPr id="7" name="Picture 6">
+            <a:extLst>
+              <a:ext uri="{FF2B5EF4-FFF2-40B4-BE49-F238E27FC236}">
+                <a16:creationId xmlns:a16="http://schemas.microsoft.com/office/drawing/2014/main" id="{8447AF56-D883-4EEB-AB54-995EE75AD463}"/>
+              </a:ext>
+            </a:extLst>
+          </p:cNvPr>
+          <p:cNvPicPr>
+            <a:picLocks noChangeAspect="1"/>
+          </p:cNvPicPr>
+          <p:nvPr/>
+        </p:nvPicPr>
+        <p:blipFill>
+          <a:blip r:embed="rId3"/>
+          <a:stretch>
+            <a:fillRect/>
+          </a:stretch>
+        </p:blipFill>
+        <p:spPr>
+          <a:xfrm>
+            <a:off x="8863914" y="4685088"/>
+            <a:ext cx="2125362" cy="2157704"/>
+          </a:xfrm>
+          <a:prstGeom prst="rect">
+            <a:avLst/>
+          </a:prstGeom>
+        </p:spPr>
+      </p:pic>
+      <p:pic>
+        <p:nvPicPr>
+          <p:cNvPr id="8" name="Picture 7">
+            <a:extLst>
+              <a:ext uri="{FF2B5EF4-FFF2-40B4-BE49-F238E27FC236}">
+                <a16:creationId xmlns:a16="http://schemas.microsoft.com/office/drawing/2014/main" id="{E810FA6F-2E82-46DC-A54F-B8139C166958}"/>
+              </a:ext>
+            </a:extLst>
+          </p:cNvPr>
+          <p:cNvPicPr>
+            <a:picLocks noChangeAspect="1"/>
+          </p:cNvPicPr>
+          <p:nvPr/>
+        </p:nvPicPr>
+        <p:blipFill>
+          <a:blip r:embed="rId4"/>
+          <a:stretch>
+            <a:fillRect/>
+          </a:stretch>
+        </p:blipFill>
+        <p:spPr>
+          <a:xfrm>
+            <a:off x="10989276" y="4685088"/>
+            <a:ext cx="768438" cy="2157704"/>
+          </a:xfrm>
+          <a:prstGeom prst="rect">
+            <a:avLst/>
+          </a:prstGeom>
         </p:spPr>
       </p:pic>
     </p:spTree>
     <p:extLst>
       <p:ext uri="{BB962C8B-B14F-4D97-AF65-F5344CB8AC3E}">
-        <p14:creationId xmlns:p14="http://schemas.microsoft.com/office/powerpoint/2010/main" val="1182263269"/>
+        <p14:creationId xmlns:p14="http://schemas.microsoft.com/office/powerpoint/2010/main" val="211673140"/>
       </p:ext>
     </p:extLst>
   </p:cSld>
@@ -3641,7 +3838,7 @@
           <p:cNvPr id="2" name="Title 1">
             <a:extLst>
               <a:ext uri="{FF2B5EF4-FFF2-40B4-BE49-F238E27FC236}">
-                <a16:creationId xmlns:a16="http://schemas.microsoft.com/office/drawing/2014/main" id="{1DBC446D-8F47-4875-92DE-904A3FB83532}"/>
+                <a16:creationId xmlns:a16="http://schemas.microsoft.com/office/drawing/2014/main" id="{2FDB7ABC-638E-42B8-86F6-77B11BAC496B}"/>
               </a:ext>
             </a:extLst>
           </p:cNvPr>
@@ -3651,33 +3848,85 @@
           <p:nvPr>
             <p:ph type="title"/>
           </p:nvPr>
+        </p:nvSpPr>
+        <p:spPr/>
+        <p:txBody>
+          <a:bodyPr/>
+          <a:lstStyle/>
+          <a:p>
+            <a:r>
+              <a:rPr lang="en-US" dirty="0"/>
+              <a:t>  </a:t>
+            </a:r>
+            <a:br>
+              <a:rPr lang="en-US" dirty="0"/>
+            </a:br>
+            <a:endParaRPr lang="en-US" dirty="0"/>
+          </a:p>
+        </p:txBody>
+      </p:sp>
+      <p:sp>
+        <p:nvSpPr>
+          <p:cNvPr id="3" name="Title 1">
+            <a:extLst>
+              <a:ext uri="{FF2B5EF4-FFF2-40B4-BE49-F238E27FC236}">
+                <a16:creationId xmlns:a16="http://schemas.microsoft.com/office/drawing/2014/main" id="{9C78842D-EBA2-44A4-8BD9-67B6750DC467}"/>
+              </a:ext>
+            </a:extLst>
+          </p:cNvPr>
+          <p:cNvSpPr txBox="1">
+            <a:spLocks/>
+          </p:cNvSpPr>
+          <p:nvPr/>
         </p:nvSpPr>
         <p:spPr>
           <a:xfrm>
             <a:off x="838200" y="188260"/>
             <a:ext cx="10515600" cy="910557"/>
           </a:xfrm>
+          <a:prstGeom prst="rect">
+            <a:avLst/>
+          </a:prstGeom>
         </p:spPr>
         <p:txBody>
-          <a:bodyPr>
-            <a:normAutofit fontScale="90000"/>
+          <a:bodyPr vert="horz" lIns="91440" tIns="45720" rIns="91440" bIns="45720" rtlCol="0" anchor="ctr">
+            <a:normAutofit fontScale="82500" lnSpcReduction="20000"/>
           </a:bodyPr>
-          <a:lstStyle/>
+          <a:lstStyle>
+            <a:lvl1pPr algn="l" defTabSz="914400" rtl="0" eaLnBrk="1" latinLnBrk="0" hangingPunct="1">
+              <a:lnSpc>
+                <a:spcPct val="90000"/>
+              </a:lnSpc>
+              <a:spcBef>
+                <a:spcPct val="0"/>
+              </a:spcBef>
+              <a:buNone/>
+              <a:defRPr sz="4400" kern="1200">
+                <a:solidFill>
+                  <a:schemeClr val="tx1"/>
+                </a:solidFill>
+                <a:latin typeface="+mj-lt"/>
+                <a:ea typeface="+mj-ea"/>
+                <a:cs typeface="+mj-cs"/>
+              </a:defRPr>
+            </a:lvl1pPr>
+          </a:lstStyle>
           <a:p>
             <a:pPr algn="ctr"/>
             <a:r>
-              <a:rPr lang="en-US" dirty="0"/>
+              <a:rPr lang="en-US"/>
               <a:t>Top 5 Movie Genres with Highest Avg. ROI Over Time(2014-2018)</a:t>
             </a:r>
+            <a:endParaRPr lang="en-US" dirty="0"/>
           </a:p>
         </p:txBody>
       </p:sp>
       <p:pic>
         <p:nvPicPr>
-          <p:cNvPr id="10" name="Picture 9" descr="A close up of a map&#10;&#10;Description automatically generated">
-            <a:extLst>
-              <a:ext uri="{FF2B5EF4-FFF2-40B4-BE49-F238E27FC236}">
-                <a16:creationId xmlns:a16="http://schemas.microsoft.com/office/drawing/2014/main" id="{31C16E67-9BEF-4434-82F2-E881AF169353}"/>
+          <p:cNvPr id="4" name="Picture 3" descr="A close up of a map&#10;&#10;Description automatically generated">
+            <a:extLst>
+              <a:ext uri="{FF2B5EF4-FFF2-40B4-BE49-F238E27FC236}">
+                <a16:creationId xmlns:a16="http://schemas.microsoft.com/office/drawing/2014/main" id="{00844EF2-6F64-49A5-AEBF-DB915A202FB9}"/>
               </a:ext>
             </a:extLst>
           </p:cNvPr>
@@ -3700,8 +3949,8 @@
         </p:blipFill>
         <p:spPr>
           <a:xfrm>
-            <a:off x="186239" y="1284602"/>
-            <a:ext cx="5816814" cy="3567523"/>
+            <a:off x="145664" y="1359702"/>
+            <a:ext cx="5696032" cy="3532635"/>
           </a:xfrm>
           <a:prstGeom prst="rect">
             <a:avLst/>
@@ -3740,10 +3989,10 @@
       </p:pic>
       <p:pic>
         <p:nvPicPr>
-          <p:cNvPr id="8" name="Picture 7" descr="A close up of a map&#10;&#10;Description automatically generated">
-            <a:extLst>
-              <a:ext uri="{FF2B5EF4-FFF2-40B4-BE49-F238E27FC236}">
-                <a16:creationId xmlns:a16="http://schemas.microsoft.com/office/drawing/2014/main" id="{29456432-1E33-4712-85BE-48F4C74D03E0}"/>
+          <p:cNvPr id="5" name="Picture 4" descr="A close up of a map&#10;&#10;Description automatically generated">
+            <a:extLst>
+              <a:ext uri="{FF2B5EF4-FFF2-40B4-BE49-F238E27FC236}">
+                <a16:creationId xmlns:a16="http://schemas.microsoft.com/office/drawing/2014/main" id="{D9140213-3BDD-45BA-8FA6-3CB9F5A267D5}"/>
               </a:ext>
             </a:extLst>
           </p:cNvPr>
@@ -3766,8 +4015,67 @@
         </p:blipFill>
         <p:spPr>
           <a:xfrm>
-            <a:off x="6096000" y="3045211"/>
-            <a:ext cx="5909761" cy="3624529"/>
+            <a:off x="6096000" y="1359702"/>
+            <a:ext cx="5759930" cy="3532636"/>
+          </a:xfrm>
+          <a:prstGeom prst="rect">
+            <a:avLst/>
+          </a:prstGeom>
+          <a:solidFill>
+            <a:srgbClr val="FFFFFF">
+              <a:shade val="85000"/>
+            </a:srgbClr>
+          </a:solidFill>
+          <a:ln w="88900" cap="sq">
+            <a:solidFill>
+              <a:srgbClr val="FFFFFF"/>
+            </a:solidFill>
+            <a:miter lim="800000"/>
+          </a:ln>
+          <a:effectLst>
+            <a:outerShdw blurRad="55000" dist="18000" dir="5400000" algn="tl" rotWithShape="0">
+              <a:srgbClr val="000000">
+                <a:alpha val="40000"/>
+              </a:srgbClr>
+            </a:outerShdw>
+          </a:effectLst>
+          <a:scene3d>
+            <a:camera prst="orthographicFront"/>
+            <a:lightRig rig="twoPt" dir="t">
+              <a:rot lat="0" lon="0" rev="7200000"/>
+            </a:lightRig>
+          </a:scene3d>
+          <a:sp3d>
+            <a:bevelT w="25400" h="19050"/>
+            <a:contourClr>
+              <a:srgbClr val="FFFFFF"/>
+            </a:contourClr>
+          </a:sp3d>
+        </p:spPr>
+      </p:pic>
+      <p:pic>
+        <p:nvPicPr>
+          <p:cNvPr id="6" name="Picture 5">
+            <a:extLst>
+              <a:ext uri="{FF2B5EF4-FFF2-40B4-BE49-F238E27FC236}">
+                <a16:creationId xmlns:a16="http://schemas.microsoft.com/office/drawing/2014/main" id="{42F6E8AA-909A-46BE-88D4-E5411C294E24}"/>
+              </a:ext>
+            </a:extLst>
+          </p:cNvPr>
+          <p:cNvPicPr>
+            <a:picLocks noChangeAspect="1"/>
+          </p:cNvPicPr>
+          <p:nvPr/>
+        </p:nvPicPr>
+        <p:blipFill rotWithShape="1">
+          <a:blip r:embed="rId4"/>
+          <a:srcRect l="15472" t="45165" r="7500" b="19827"/>
+          <a:stretch/>
+        </p:blipFill>
+        <p:spPr>
+          <a:xfrm>
+            <a:off x="2633058" y="5184482"/>
+            <a:ext cx="6560369" cy="1677178"/>
           </a:xfrm>
           <a:prstGeom prst="rect">
             <a:avLst/>
@@ -3807,7 +4115,7 @@
     </p:spTree>
     <p:extLst>
       <p:ext uri="{BB962C8B-B14F-4D97-AF65-F5344CB8AC3E}">
-        <p14:creationId xmlns:p14="http://schemas.microsoft.com/office/powerpoint/2010/main" val="1465575874"/>
+        <p14:creationId xmlns:p14="http://schemas.microsoft.com/office/powerpoint/2010/main" val="1490722589"/>
       </p:ext>
     </p:extLst>
   </p:cSld>
@@ -3820,20 +4128,6 @@
 <file path=ppt/slides/slide12.xml><?xml version="1.0" encoding="utf-8"?>
 <p:sld xmlns:a="http://schemas.openxmlformats.org/drawingml/2006/main" xmlns:r="http://schemas.openxmlformats.org/officeDocument/2006/relationships" xmlns:p="http://schemas.openxmlformats.org/presentationml/2006/main">
   <p:cSld>
-    <p:bg>
-      <p:bgPr>
-        <a:blipFill dpi="0" rotWithShape="1">
-          <a:blip r:embed="rId2">
-            <a:lum/>
-          </a:blip>
-          <a:srcRect/>
-          <a:stretch>
-            <a:fillRect t="-7000" b="-7000"/>
-          </a:stretch>
-        </a:blipFill>
-        <a:effectLst/>
-      </p:bgPr>
-    </p:bg>
     <p:spTree>
       <p:nvGrpSpPr>
         <p:cNvPr id="1" name=""/>
@@ -3853,7 +4147,7 @@
           <p:cNvPr id="2" name="Title 1">
             <a:extLst>
               <a:ext uri="{FF2B5EF4-FFF2-40B4-BE49-F238E27FC236}">
-                <a16:creationId xmlns:a16="http://schemas.microsoft.com/office/drawing/2014/main" id="{3ABF84FD-79A1-4C52-859E-E3B9FD0D6B0A}"/>
+                <a16:creationId xmlns:a16="http://schemas.microsoft.com/office/drawing/2014/main" id="{F7C7F23F-C565-4687-8DC9-5B23924D46A3}"/>
               </a:ext>
             </a:extLst>
           </p:cNvPr>
@@ -3868,90 +4162,405 @@
         <p:txBody>
           <a:bodyPr/>
           <a:lstStyle/>
+          <a:p>
+            <a:r>
+              <a:rPr lang="en-US" dirty="0"/>
+              <a:t>  </a:t>
+            </a:r>
+          </a:p>
+        </p:txBody>
+      </p:sp>
+      <p:sp>
+        <p:nvSpPr>
+          <p:cNvPr id="3" name="Title 1">
+            <a:extLst>
+              <a:ext uri="{FF2B5EF4-FFF2-40B4-BE49-F238E27FC236}">
+                <a16:creationId xmlns:a16="http://schemas.microsoft.com/office/drawing/2014/main" id="{6C1BB00F-A6FC-4DAE-A757-F06725D5A3F1}"/>
+              </a:ext>
+            </a:extLst>
+          </p:cNvPr>
+          <p:cNvSpPr txBox="1">
+            <a:spLocks/>
+          </p:cNvSpPr>
+          <p:nvPr/>
+        </p:nvSpPr>
+        <p:spPr>
+          <a:xfrm>
+            <a:off x="1379284" y="306555"/>
+            <a:ext cx="10515600" cy="1325563"/>
+          </a:xfrm>
+          <a:prstGeom prst="rect">
+            <a:avLst/>
+          </a:prstGeom>
+        </p:spPr>
+        <p:txBody>
+          <a:bodyPr vert="horz" lIns="91440" tIns="45720" rIns="91440" bIns="45720" rtlCol="0" anchor="ctr">
+            <a:normAutofit/>
+          </a:bodyPr>
+          <a:lstStyle>
+            <a:lvl1pPr algn="l" defTabSz="914400" rtl="0" eaLnBrk="1" latinLnBrk="0" hangingPunct="1">
+              <a:lnSpc>
+                <a:spcPct val="90000"/>
+              </a:lnSpc>
+              <a:spcBef>
+                <a:spcPct val="0"/>
+              </a:spcBef>
+              <a:buNone/>
+              <a:defRPr sz="4400" kern="1200">
+                <a:solidFill>
+                  <a:schemeClr val="tx1"/>
+                </a:solidFill>
+                <a:latin typeface="+mj-lt"/>
+                <a:ea typeface="+mj-ea"/>
+                <a:cs typeface="+mj-cs"/>
+              </a:defRPr>
+            </a:lvl1pPr>
+          </a:lstStyle>
           <a:p>
             <a:pPr algn="ctr"/>
             <a:br>
-              <a:rPr lang="en-US" b="1" dirty="0"/>
+              <a:rPr lang="en-US" b="1" u="sng"/>
             </a:br>
             <a:r>
-              <a:rPr lang="en-US" b="1" dirty="0"/>
+              <a:rPr lang="en-US" b="1" u="sng"/>
               <a:t>Findings</a:t>
             </a:r>
-          </a:p>
-        </p:txBody>
-      </p:sp>
-      <p:sp>
-        <p:nvSpPr>
-          <p:cNvPr id="3" name="Content Placeholder 2">
-            <a:extLst>
-              <a:ext uri="{FF2B5EF4-FFF2-40B4-BE49-F238E27FC236}">
-                <a16:creationId xmlns:a16="http://schemas.microsoft.com/office/drawing/2014/main" id="{087D914D-4279-445E-824B-836F7C22BBF7}"/>
-              </a:ext>
-            </a:extLst>
-          </p:cNvPr>
-          <p:cNvSpPr>
-            <a:spLocks noGrp="1"/>
-          </p:cNvSpPr>
-          <p:nvPr>
-            <p:ph idx="1"/>
-          </p:nvPr>
+            <a:endParaRPr lang="en-US" b="1" u="sng" dirty="0"/>
+          </a:p>
+        </p:txBody>
+      </p:sp>
+      <p:sp>
+        <p:nvSpPr>
+          <p:cNvPr id="4" name="Content Placeholder 2">
+            <a:extLst>
+              <a:ext uri="{FF2B5EF4-FFF2-40B4-BE49-F238E27FC236}">
+                <a16:creationId xmlns:a16="http://schemas.microsoft.com/office/drawing/2014/main" id="{7FC25B56-7F94-4821-AA94-A9503DFD469F}"/>
+              </a:ext>
+            </a:extLst>
+          </p:cNvPr>
+          <p:cNvSpPr txBox="1">
+            <a:spLocks/>
+          </p:cNvSpPr>
+          <p:nvPr/>
         </p:nvSpPr>
         <p:spPr>
+          <a:xfrm>
+            <a:off x="2051637" y="1602788"/>
+            <a:ext cx="9302163" cy="4006557"/>
+          </a:xfrm>
+          <a:prstGeom prst="rect">
+            <a:avLst/>
+          </a:prstGeom>
           <a:noFill/>
         </p:spPr>
         <p:txBody>
-          <a:bodyPr/>
-          <a:lstStyle/>
-          <a:p>
-            <a:r>
-              <a:rPr lang="en-US" dirty="0"/>
-              <a:t>“Horror, Mystery &amp; Suspense” has the highest Avg. ROI % (3,395%), and is almost 3 times more than the 2</a:t>
-            </a:r>
-            <a:r>
-              <a:rPr lang="en-US" baseline="30000" dirty="0"/>
+          <a:bodyPr>
+            <a:normAutofit lnSpcReduction="10000"/>
+          </a:bodyPr>
+          <a:lstStyle>
+            <a:lvl1pPr marL="228600" indent="-228600" algn="l" defTabSz="914400" rtl="0" eaLnBrk="1" latinLnBrk="0" hangingPunct="1">
+              <a:lnSpc>
+                <a:spcPct val="90000"/>
+              </a:lnSpc>
+              <a:spcBef>
+                <a:spcPts val="1000"/>
+              </a:spcBef>
+              <a:buFont typeface="Arial" panose="020B0604020202020204" pitchFamily="34" charset="0"/>
+              <a:buChar char="•"/>
+              <a:defRPr sz="2800" kern="1200">
+                <a:solidFill>
+                  <a:schemeClr val="tx1"/>
+                </a:solidFill>
+                <a:latin typeface="+mn-lt"/>
+                <a:ea typeface="+mn-ea"/>
+                <a:cs typeface="+mn-cs"/>
+              </a:defRPr>
+            </a:lvl1pPr>
+            <a:lvl2pPr marL="685800" indent="-228600" algn="l" defTabSz="914400" rtl="0" eaLnBrk="1" latinLnBrk="0" hangingPunct="1">
+              <a:lnSpc>
+                <a:spcPct val="90000"/>
+              </a:lnSpc>
+              <a:spcBef>
+                <a:spcPts val="500"/>
+              </a:spcBef>
+              <a:buFont typeface="Arial" panose="020B0604020202020204" pitchFamily="34" charset="0"/>
+              <a:buChar char="•"/>
+              <a:defRPr sz="2400" kern="1200">
+                <a:solidFill>
+                  <a:schemeClr val="tx1"/>
+                </a:solidFill>
+                <a:latin typeface="+mn-lt"/>
+                <a:ea typeface="+mn-ea"/>
+                <a:cs typeface="+mn-cs"/>
+              </a:defRPr>
+            </a:lvl2pPr>
+            <a:lvl3pPr marL="1143000" indent="-228600" algn="l" defTabSz="914400" rtl="0" eaLnBrk="1" latinLnBrk="0" hangingPunct="1">
+              <a:lnSpc>
+                <a:spcPct val="90000"/>
+              </a:lnSpc>
+              <a:spcBef>
+                <a:spcPts val="500"/>
+              </a:spcBef>
+              <a:buFont typeface="Arial" panose="020B0604020202020204" pitchFamily="34" charset="0"/>
+              <a:buChar char="•"/>
+              <a:defRPr sz="2000" kern="1200">
+                <a:solidFill>
+                  <a:schemeClr val="tx1"/>
+                </a:solidFill>
+                <a:latin typeface="+mn-lt"/>
+                <a:ea typeface="+mn-ea"/>
+                <a:cs typeface="+mn-cs"/>
+              </a:defRPr>
+            </a:lvl3pPr>
+            <a:lvl4pPr marL="1600200" indent="-228600" algn="l" defTabSz="914400" rtl="0" eaLnBrk="1" latinLnBrk="0" hangingPunct="1">
+              <a:lnSpc>
+                <a:spcPct val="90000"/>
+              </a:lnSpc>
+              <a:spcBef>
+                <a:spcPts val="500"/>
+              </a:spcBef>
+              <a:buFont typeface="Arial" panose="020B0604020202020204" pitchFamily="34" charset="0"/>
+              <a:buChar char="•"/>
+              <a:defRPr sz="1800" kern="1200">
+                <a:solidFill>
+                  <a:schemeClr val="tx1"/>
+                </a:solidFill>
+                <a:latin typeface="+mn-lt"/>
+                <a:ea typeface="+mn-ea"/>
+                <a:cs typeface="+mn-cs"/>
+              </a:defRPr>
+            </a:lvl4pPr>
+            <a:lvl5pPr marL="2057400" indent="-228600" algn="l" defTabSz="914400" rtl="0" eaLnBrk="1" latinLnBrk="0" hangingPunct="1">
+              <a:lnSpc>
+                <a:spcPct val="90000"/>
+              </a:lnSpc>
+              <a:spcBef>
+                <a:spcPts val="500"/>
+              </a:spcBef>
+              <a:buFont typeface="Arial" panose="020B0604020202020204" pitchFamily="34" charset="0"/>
+              <a:buChar char="•"/>
+              <a:defRPr sz="1800" kern="1200">
+                <a:solidFill>
+                  <a:schemeClr val="tx1"/>
+                </a:solidFill>
+                <a:latin typeface="+mn-lt"/>
+                <a:ea typeface="+mn-ea"/>
+                <a:cs typeface="+mn-cs"/>
+              </a:defRPr>
+            </a:lvl5pPr>
+            <a:lvl6pPr marL="2514600" indent="-228600" algn="l" defTabSz="914400" rtl="0" eaLnBrk="1" latinLnBrk="0" hangingPunct="1">
+              <a:lnSpc>
+                <a:spcPct val="90000"/>
+              </a:lnSpc>
+              <a:spcBef>
+                <a:spcPts val="500"/>
+              </a:spcBef>
+              <a:buFont typeface="Arial" panose="020B0604020202020204" pitchFamily="34" charset="0"/>
+              <a:buChar char="•"/>
+              <a:defRPr sz="1800" kern="1200">
+                <a:solidFill>
+                  <a:schemeClr val="tx1"/>
+                </a:solidFill>
+                <a:latin typeface="+mn-lt"/>
+                <a:ea typeface="+mn-ea"/>
+                <a:cs typeface="+mn-cs"/>
+              </a:defRPr>
+            </a:lvl6pPr>
+            <a:lvl7pPr marL="2971800" indent="-228600" algn="l" defTabSz="914400" rtl="0" eaLnBrk="1" latinLnBrk="0" hangingPunct="1">
+              <a:lnSpc>
+                <a:spcPct val="90000"/>
+              </a:lnSpc>
+              <a:spcBef>
+                <a:spcPts val="500"/>
+              </a:spcBef>
+              <a:buFont typeface="Arial" panose="020B0604020202020204" pitchFamily="34" charset="0"/>
+              <a:buChar char="•"/>
+              <a:defRPr sz="1800" kern="1200">
+                <a:solidFill>
+                  <a:schemeClr val="tx1"/>
+                </a:solidFill>
+                <a:latin typeface="+mn-lt"/>
+                <a:ea typeface="+mn-ea"/>
+                <a:cs typeface="+mn-cs"/>
+              </a:defRPr>
+            </a:lvl7pPr>
+            <a:lvl8pPr marL="3429000" indent="-228600" algn="l" defTabSz="914400" rtl="0" eaLnBrk="1" latinLnBrk="0" hangingPunct="1">
+              <a:lnSpc>
+                <a:spcPct val="90000"/>
+              </a:lnSpc>
+              <a:spcBef>
+                <a:spcPts val="500"/>
+              </a:spcBef>
+              <a:buFont typeface="Arial" panose="020B0604020202020204" pitchFamily="34" charset="0"/>
+              <a:buChar char="•"/>
+              <a:defRPr sz="1800" kern="1200">
+                <a:solidFill>
+                  <a:schemeClr val="tx1"/>
+                </a:solidFill>
+                <a:latin typeface="+mn-lt"/>
+                <a:ea typeface="+mn-ea"/>
+                <a:cs typeface="+mn-cs"/>
+              </a:defRPr>
+            </a:lvl8pPr>
+            <a:lvl9pPr marL="3886200" indent="-228600" algn="l" defTabSz="914400" rtl="0" eaLnBrk="1" latinLnBrk="0" hangingPunct="1">
+              <a:lnSpc>
+                <a:spcPct val="90000"/>
+              </a:lnSpc>
+              <a:spcBef>
+                <a:spcPts val="500"/>
+              </a:spcBef>
+              <a:buFont typeface="Arial" panose="020B0604020202020204" pitchFamily="34" charset="0"/>
+              <a:buChar char="•"/>
+              <a:defRPr sz="1800" kern="1200">
+                <a:solidFill>
+                  <a:schemeClr val="tx1"/>
+                </a:solidFill>
+                <a:latin typeface="+mn-lt"/>
+                <a:ea typeface="+mn-ea"/>
+                <a:cs typeface="+mn-cs"/>
+              </a:defRPr>
+            </a:lvl9pPr>
+          </a:lstStyle>
+          <a:p>
+            <a:r>
+              <a:rPr lang="en-US" sz="2400"/>
+              <a:t>“Action &amp; Adventure, Horror, Mystery &amp; Suspense” has the highest Avg. ROI % (690%), the 2</a:t>
+            </a:r>
+            <a:r>
+              <a:rPr lang="en-US" sz="2400" baseline="30000"/>
               <a:t>nd</a:t>
             </a:r>
             <a:r>
-              <a:rPr lang="en-US" dirty="0"/>
-              <a:t> highest Avg. ROI % Genre Category ,“Drama, Horror, Mystery &amp; Suspense” (1,116%)</a:t>
-            </a:r>
-          </a:p>
-          <a:p>
-            <a:r>
-              <a:rPr lang="en-US"/>
-              <a:t>…….</a:t>
-            </a:r>
+              <a:rPr lang="en-US" sz="2400"/>
+              <a:t> highest Avg. ROI % Genre Category ,“Drama, Horror, Mystery &amp; Suspense” (600%)</a:t>
+            </a:r>
+          </a:p>
+          <a:p>
+            <a:r>
+              <a:rPr lang="en-US" sz="2400"/>
+              <a:t>“Horror” &amp; “Drama, Horror, Mystery &amp; Suspense” are the most consistent genres, from 2016 to 2018 with having high avg. ROIs.</a:t>
+            </a:r>
+          </a:p>
+          <a:p>
+            <a:pPr marL="0" indent="0" algn="ctr">
+              <a:buFont typeface="Arial" panose="020B0604020202020204" pitchFamily="34" charset="0"/>
+              <a:buNone/>
+            </a:pPr>
+            <a:r>
+              <a:rPr lang="en-US" sz="3200"/>
+              <a:t>Based on the findings “Drama, Horror, Mystery &amp; Suspense” movies (ie. ‘Split’, ‘A Quiet Place’) and “Horror” (ie. ‘The Nun’, ‘Annabell’) and Horror movies overall in are the best investment because of their high avg. ROI and consistent yearly high avg. ROI. </a:t>
+            </a:r>
+          </a:p>
+          <a:p>
             <a:endParaRPr lang="en-US" dirty="0"/>
           </a:p>
-          <a:p>
-            <a:endParaRPr lang="en-US" dirty="0"/>
-          </a:p>
-          <a:p>
-            <a:pPr marL="0" indent="0" algn="ctr">
-              <a:buNone/>
-            </a:pPr>
-            <a:r>
-              <a:rPr lang="en-US" sz="3200" dirty="0"/>
-              <a:t>Based on the findings “Horror, Mystery &amp; Suspense” movies (</a:t>
-            </a:r>
-            <a:r>
-              <a:rPr lang="en-US" sz="3200" dirty="0" err="1"/>
-              <a:t>ie</a:t>
-            </a:r>
-            <a:r>
-              <a:rPr lang="en-US" sz="3200" dirty="0"/>
-              <a:t>……..) and “Horror” movies in general are the best investment because of their high avg. ROI and consistently yearly high avg. ROI. </a:t>
-            </a:r>
-          </a:p>
-          <a:p>
-            <a:endParaRPr lang="en-US" dirty="0"/>
-          </a:p>
-        </p:txBody>
-      </p:sp>
+        </p:txBody>
+      </p:sp>
+      <p:pic>
+        <p:nvPicPr>
+          <p:cNvPr id="5" name="Picture 2" descr="Image result for split film">
+            <a:extLst>
+              <a:ext uri="{FF2B5EF4-FFF2-40B4-BE49-F238E27FC236}">
+                <a16:creationId xmlns:a16="http://schemas.microsoft.com/office/drawing/2014/main" id="{9FA14B9B-D71F-4E7B-B70E-E7E341BB77E5}"/>
+              </a:ext>
+            </a:extLst>
+          </p:cNvPr>
+          <p:cNvPicPr>
+            <a:picLocks noChangeAspect="1" noChangeArrowheads="1"/>
+          </p:cNvPicPr>
+          <p:nvPr/>
+        </p:nvPicPr>
+        <p:blipFill>
+          <a:blip r:embed="rId2">
+            <a:extLst>
+              <a:ext uri="{28A0092B-C50C-407E-A947-70E740481C1C}">
+                <a14:useLocalDpi xmlns:a14="http://schemas.microsoft.com/office/drawing/2010/main" val="0"/>
+              </a:ext>
+            </a:extLst>
+          </a:blip>
+          <a:srcRect/>
+          <a:stretch>
+            <a:fillRect/>
+          </a:stretch>
+        </p:blipFill>
+        <p:spPr bwMode="auto">
+          <a:xfrm>
+            <a:off x="297116" y="1027906"/>
+            <a:ext cx="1539368" cy="2283954"/>
+          </a:xfrm>
+          <a:prstGeom prst="rect">
+            <a:avLst/>
+          </a:prstGeom>
+          <a:noFill/>
+          <a:ln>
+            <a:solidFill>
+              <a:schemeClr val="tx1"/>
+            </a:solidFill>
+          </a:ln>
+          <a:effectLst>
+            <a:outerShdw blurRad="63500" sx="102000" sy="102000" algn="ctr" rotWithShape="0">
+              <a:prstClr val="black">
+                <a:alpha val="40000"/>
+              </a:prstClr>
+            </a:outerShdw>
+          </a:effectLst>
+          <a:extLst>
+            <a:ext uri="{909E8E84-426E-40DD-AFC4-6F175D3DCCD1}">
+              <a14:hiddenFill xmlns:a14="http://schemas.microsoft.com/office/drawing/2010/main">
+                <a:solidFill>
+                  <a:srgbClr val="FFFFFF"/>
+                </a:solidFill>
+              </a14:hiddenFill>
+            </a:ext>
+          </a:extLst>
+        </p:spPr>
+      </p:pic>
+      <p:pic>
+        <p:nvPicPr>
+          <p:cNvPr id="6" name="Picture 5">
+            <a:extLst>
+              <a:ext uri="{FF2B5EF4-FFF2-40B4-BE49-F238E27FC236}">
+                <a16:creationId xmlns:a16="http://schemas.microsoft.com/office/drawing/2014/main" id="{3EB6BF90-5613-44C7-864F-5A6F1E184796}"/>
+              </a:ext>
+            </a:extLst>
+          </p:cNvPr>
+          <p:cNvPicPr>
+            <a:picLocks noChangeAspect="1"/>
+          </p:cNvPicPr>
+          <p:nvPr/>
+        </p:nvPicPr>
+        <p:blipFill>
+          <a:blip r:embed="rId3"/>
+          <a:stretch>
+            <a:fillRect/>
+          </a:stretch>
+        </p:blipFill>
+        <p:spPr>
+          <a:xfrm>
+            <a:off x="297116" y="3428999"/>
+            <a:ext cx="1539368" cy="2323575"/>
+          </a:xfrm>
+          <a:prstGeom prst="rect">
+            <a:avLst/>
+          </a:prstGeom>
+          <a:ln>
+            <a:solidFill>
+              <a:schemeClr val="tx1"/>
+            </a:solidFill>
+          </a:ln>
+          <a:effectLst>
+            <a:outerShdw blurRad="50800" dist="38100" dir="10800000" algn="r" rotWithShape="0">
+              <a:prstClr val="black">
+                <a:alpha val="40000"/>
+              </a:prstClr>
+            </a:outerShdw>
+          </a:effectLst>
+        </p:spPr>
+      </p:pic>
     </p:spTree>
     <p:extLst>
       <p:ext uri="{BB962C8B-B14F-4D97-AF65-F5344CB8AC3E}">
-        <p14:creationId xmlns:p14="http://schemas.microsoft.com/office/powerpoint/2010/main" val="3382642724"/>
+        <p14:creationId xmlns:p14="http://schemas.microsoft.com/office/powerpoint/2010/main" val="4014292469"/>
       </p:ext>
     </p:extLst>
   </p:cSld>
@@ -4154,7 +4763,7 @@
         </p:blipFill>
         <p:spPr>
           <a:xfrm>
-            <a:off x="-235977" y="838806"/>
+            <a:off x="2236879" y="862660"/>
             <a:ext cx="7929552" cy="2378864"/>
           </a:xfrm>
           <a:prstGeom prst="rect">
@@ -4178,8 +4787,8 @@
         </p:nvSpPr>
         <p:spPr>
           <a:xfrm>
-            <a:off x="7693575" y="365125"/>
-            <a:ext cx="3661812" cy="6127750"/>
+            <a:off x="3559564" y="365126"/>
+            <a:ext cx="6460415" cy="2554808"/>
           </a:xfrm>
           <a:prstGeom prst="rect">
             <a:avLst/>
@@ -4357,16 +4966,7 @@
             </a:pPr>
             <a:r>
               <a:rPr lang="en-US" dirty="0"/>
-              <a:t>Critic and Audience </a:t>
-            </a:r>
-          </a:p>
-          <a:p>
-            <a:pPr marL="0" indent="0">
-              <a:buNone/>
-            </a:pPr>
-            <a:r>
-              <a:rPr lang="en-US" dirty="0"/>
-              <a:t>Rating comparison</a:t>
+              <a:t>Critic and Audience Rating comparison</a:t>
             </a:r>
           </a:p>
           <a:p>
@@ -4432,7 +5032,7 @@
         </p:blipFill>
         <p:spPr>
           <a:xfrm>
-            <a:off x="-235977" y="3691351"/>
+            <a:off x="2236879" y="3616477"/>
             <a:ext cx="8018929" cy="2405678"/>
           </a:xfrm>
           <a:prstGeom prst="rect">
@@ -4628,7 +5228,7 @@
           <a:p>
             <a:r>
               <a:rPr lang="en-US" dirty="0"/>
-              <a:t>ROI  vs Runtime &amp; Budget</a:t>
+              <a:t>Runtime vs ROI &amp; Budget</a:t>
             </a:r>
           </a:p>
         </p:txBody>
